--- a/proekt_prez.pptx
+++ b/proekt_prez.pptx
@@ -8,10 +8,18 @@
   <p:sldIdLst>
     <p:sldId id="265" r:id="rId3"/>
     <p:sldId id="266" r:id="rId4"/>
-    <p:sldId id="258" r:id="rId5"/>
-    <p:sldId id="259" r:id="rId6"/>
-    <p:sldId id="264" r:id="rId7"/>
-    <p:sldId id="262" r:id="rId8"/>
+    <p:sldId id="267" r:id="rId5"/>
+    <p:sldId id="258" r:id="rId6"/>
+    <p:sldId id="270" r:id="rId7"/>
+    <p:sldId id="269" r:id="rId8"/>
+    <p:sldId id="259" r:id="rId9"/>
+    <p:sldId id="271" r:id="rId10"/>
+    <p:sldId id="272" r:id="rId11"/>
+    <p:sldId id="264" r:id="rId12"/>
+    <p:sldId id="273" r:id="rId13"/>
+    <p:sldId id="262" r:id="rId14"/>
+    <p:sldId id="268" r:id="rId15"/>
+    <p:sldId id="274" r:id="rId16"/>
   </p:sldIdLst>
   <p:sldSz cx="9144000" cy="6858000" type="screen4x3"/>
   <p:notesSz cx="6858000" cy="9144000"/>
@@ -276,7 +284,7 @@
           <a:p>
             <a:fld id="{5B106E36-FD25-4E2D-B0AA-010F637433A0}" type="datetimeFigureOut">
               <a:rPr lang="ru-RU" smtClean="0"/>
-              <a:t>15.04.2018</a:t>
+              <a:t>17.04.2018</a:t>
             </a:fld>
             <a:endParaRPr lang="ru-RU"/>
           </a:p>
@@ -474,7 +482,7 @@
           <a:p>
             <a:fld id="{5B106E36-FD25-4E2D-B0AA-010F637433A0}" type="datetimeFigureOut">
               <a:rPr lang="ru-RU" smtClean="0"/>
-              <a:t>15.04.2018</a:t>
+              <a:t>17.04.2018</a:t>
             </a:fld>
             <a:endParaRPr lang="ru-RU"/>
           </a:p>
@@ -682,7 +690,7 @@
           <a:p>
             <a:fld id="{5B106E36-FD25-4E2D-B0AA-010F637433A0}" type="datetimeFigureOut">
               <a:rPr lang="ru-RU" smtClean="0"/>
-              <a:t>15.04.2018</a:t>
+              <a:t>17.04.2018</a:t>
             </a:fld>
             <a:endParaRPr lang="ru-RU"/>
           </a:p>
@@ -902,7 +910,7 @@
           <a:p>
             <a:fld id="{5B106E36-FD25-4E2D-B0AA-010F637433A0}" type="datetimeFigureOut">
               <a:rPr lang="ru-RU" smtClean="0"/>
-              <a:t>15.04.2018</a:t>
+              <a:t>17.04.2018</a:t>
             </a:fld>
             <a:endParaRPr lang="ru-RU"/>
           </a:p>
@@ -1100,7 +1108,7 @@
           <a:p>
             <a:fld id="{5B106E36-FD25-4E2D-B0AA-010F637433A0}" type="datetimeFigureOut">
               <a:rPr lang="ru-RU" smtClean="0"/>
-              <a:t>15.04.2018</a:t>
+              <a:t>17.04.2018</a:t>
             </a:fld>
             <a:endParaRPr lang="ru-RU"/>
           </a:p>
@@ -1375,7 +1383,7 @@
           <a:p>
             <a:fld id="{5B106E36-FD25-4E2D-B0AA-010F637433A0}" type="datetimeFigureOut">
               <a:rPr lang="ru-RU" smtClean="0"/>
-              <a:t>15.04.2018</a:t>
+              <a:t>17.04.2018</a:t>
             </a:fld>
             <a:endParaRPr lang="ru-RU"/>
           </a:p>
@@ -1640,7 +1648,7 @@
           <a:p>
             <a:fld id="{5B106E36-FD25-4E2D-B0AA-010F637433A0}" type="datetimeFigureOut">
               <a:rPr lang="ru-RU" smtClean="0"/>
-              <a:t>15.04.2018</a:t>
+              <a:t>17.04.2018</a:t>
             </a:fld>
             <a:endParaRPr lang="ru-RU"/>
           </a:p>
@@ -2052,7 +2060,7 @@
           <a:p>
             <a:fld id="{5B106E36-FD25-4E2D-B0AA-010F637433A0}" type="datetimeFigureOut">
               <a:rPr lang="ru-RU" smtClean="0"/>
-              <a:t>15.04.2018</a:t>
+              <a:t>17.04.2018</a:t>
             </a:fld>
             <a:endParaRPr lang="ru-RU"/>
           </a:p>
@@ -2193,7 +2201,7 @@
           <a:p>
             <a:fld id="{5B106E36-FD25-4E2D-B0AA-010F637433A0}" type="datetimeFigureOut">
               <a:rPr lang="ru-RU" smtClean="0"/>
-              <a:t>15.04.2018</a:t>
+              <a:t>17.04.2018</a:t>
             </a:fld>
             <a:endParaRPr lang="ru-RU"/>
           </a:p>
@@ -2306,7 +2314,7 @@
           <a:p>
             <a:fld id="{5B106E36-FD25-4E2D-B0AA-010F637433A0}" type="datetimeFigureOut">
               <a:rPr lang="ru-RU" smtClean="0"/>
-              <a:t>15.04.2018</a:t>
+              <a:t>17.04.2018</a:t>
             </a:fld>
             <a:endParaRPr lang="ru-RU"/>
           </a:p>
@@ -2617,7 +2625,7 @@
           <a:p>
             <a:fld id="{5B106E36-FD25-4E2D-B0AA-010F637433A0}" type="datetimeFigureOut">
               <a:rPr lang="ru-RU" smtClean="0"/>
-              <a:t>15.04.2018</a:t>
+              <a:t>17.04.2018</a:t>
             </a:fld>
             <a:endParaRPr lang="ru-RU"/>
           </a:p>
@@ -2815,7 +2823,7 @@
           <a:p>
             <a:fld id="{5B106E36-FD25-4E2D-B0AA-010F637433A0}" type="datetimeFigureOut">
               <a:rPr lang="ru-RU" smtClean="0"/>
-              <a:t>15.04.2018</a:t>
+              <a:t>17.04.2018</a:t>
             </a:fld>
             <a:endParaRPr lang="ru-RU"/>
           </a:p>
@@ -3103,7 +3111,7 @@
           <a:p>
             <a:fld id="{5B106E36-FD25-4E2D-B0AA-010F637433A0}" type="datetimeFigureOut">
               <a:rPr lang="ru-RU" smtClean="0"/>
-              <a:t>15.04.2018</a:t>
+              <a:t>17.04.2018</a:t>
             </a:fld>
             <a:endParaRPr lang="ru-RU"/>
           </a:p>
@@ -3301,7 +3309,7 @@
           <a:p>
             <a:fld id="{5B106E36-FD25-4E2D-B0AA-010F637433A0}" type="datetimeFigureOut">
               <a:rPr lang="ru-RU" smtClean="0"/>
-              <a:t>15.04.2018</a:t>
+              <a:t>17.04.2018</a:t>
             </a:fld>
             <a:endParaRPr lang="ru-RU"/>
           </a:p>
@@ -3509,7 +3517,7 @@
           <a:p>
             <a:fld id="{5B106E36-FD25-4E2D-B0AA-010F637433A0}" type="datetimeFigureOut">
               <a:rPr lang="ru-RU" smtClean="0"/>
-              <a:t>15.04.2018</a:t>
+              <a:t>17.04.2018</a:t>
             </a:fld>
             <a:endParaRPr lang="ru-RU"/>
           </a:p>
@@ -3784,7 +3792,7 @@
           <a:p>
             <a:fld id="{5B106E36-FD25-4E2D-B0AA-010F637433A0}" type="datetimeFigureOut">
               <a:rPr lang="ru-RU" smtClean="0"/>
-              <a:t>15.04.2018</a:t>
+              <a:t>17.04.2018</a:t>
             </a:fld>
             <a:endParaRPr lang="ru-RU"/>
           </a:p>
@@ -4049,7 +4057,7 @@
           <a:p>
             <a:fld id="{5B106E36-FD25-4E2D-B0AA-010F637433A0}" type="datetimeFigureOut">
               <a:rPr lang="ru-RU" smtClean="0"/>
-              <a:t>15.04.2018</a:t>
+              <a:t>17.04.2018</a:t>
             </a:fld>
             <a:endParaRPr lang="ru-RU"/>
           </a:p>
@@ -4461,7 +4469,7 @@
           <a:p>
             <a:fld id="{5B106E36-FD25-4E2D-B0AA-010F637433A0}" type="datetimeFigureOut">
               <a:rPr lang="ru-RU" smtClean="0"/>
-              <a:t>15.04.2018</a:t>
+              <a:t>17.04.2018</a:t>
             </a:fld>
             <a:endParaRPr lang="ru-RU"/>
           </a:p>
@@ -4602,7 +4610,7 @@
           <a:p>
             <a:fld id="{5B106E36-FD25-4E2D-B0AA-010F637433A0}" type="datetimeFigureOut">
               <a:rPr lang="ru-RU" smtClean="0"/>
-              <a:t>15.04.2018</a:t>
+              <a:t>17.04.2018</a:t>
             </a:fld>
             <a:endParaRPr lang="ru-RU"/>
           </a:p>
@@ -4715,7 +4723,7 @@
           <a:p>
             <a:fld id="{5B106E36-FD25-4E2D-B0AA-010F637433A0}" type="datetimeFigureOut">
               <a:rPr lang="ru-RU" smtClean="0"/>
-              <a:t>15.04.2018</a:t>
+              <a:t>17.04.2018</a:t>
             </a:fld>
             <a:endParaRPr lang="ru-RU"/>
           </a:p>
@@ -5026,7 +5034,7 @@
           <a:p>
             <a:fld id="{5B106E36-FD25-4E2D-B0AA-010F637433A0}" type="datetimeFigureOut">
               <a:rPr lang="ru-RU" smtClean="0"/>
-              <a:t>15.04.2018</a:t>
+              <a:t>17.04.2018</a:t>
             </a:fld>
             <a:endParaRPr lang="ru-RU"/>
           </a:p>
@@ -5314,7 +5322,7 @@
           <a:p>
             <a:fld id="{5B106E36-FD25-4E2D-B0AA-010F637433A0}" type="datetimeFigureOut">
               <a:rPr lang="ru-RU" smtClean="0"/>
-              <a:t>15.04.2018</a:t>
+              <a:t>17.04.2018</a:t>
             </a:fld>
             <a:endParaRPr lang="ru-RU"/>
           </a:p>
@@ -5555,7 +5563,7 @@
           <a:p>
             <a:fld id="{5B106E36-FD25-4E2D-B0AA-010F637433A0}" type="datetimeFigureOut">
               <a:rPr lang="ru-RU" smtClean="0"/>
-              <a:t>15.04.2018</a:t>
+              <a:t>17.04.2018</a:t>
             </a:fld>
             <a:endParaRPr lang="ru-RU"/>
           </a:p>
@@ -6123,7 +6131,7 @@
           <a:p>
             <a:fld id="{5B106E36-FD25-4E2D-B0AA-010F637433A0}" type="datetimeFigureOut">
               <a:rPr lang="ru-RU" smtClean="0"/>
-              <a:t>15.04.2018</a:t>
+              <a:t>17.04.2018</a:t>
             </a:fld>
             <a:endParaRPr lang="ru-RU"/>
           </a:p>
@@ -6688,1864 +6696,7 @@
 </p:sld>
 </file>
 
-<file path=ppt/slides/slide2.xml><?xml version="1.0" encoding="utf-8"?>
-<p:sld xmlns:a="http://schemas.openxmlformats.org/drawingml/2006/main" xmlns:r="http://schemas.openxmlformats.org/officeDocument/2006/relationships" xmlns:p="http://schemas.openxmlformats.org/presentationml/2006/main">
-  <p:cSld>
-    <p:spTree>
-      <p:nvGrpSpPr>
-        <p:cNvPr id="1" name=""/>
-        <p:cNvGrpSpPr/>
-        <p:nvPr/>
-      </p:nvGrpSpPr>
-      <p:grpSpPr>
-        <a:xfrm>
-          <a:off x="0" y="0"/>
-          <a:ext cx="0" cy="0"/>
-          <a:chOff x="0" y="0"/>
-          <a:chExt cx="0" cy="0"/>
-        </a:xfrm>
-      </p:grpSpPr>
-      <p:sp>
-        <p:nvSpPr>
-          <p:cNvPr id="4" name="Заголовок 1">
-            <a:extLst>
-              <a:ext uri="{FF2B5EF4-FFF2-40B4-BE49-F238E27FC236}">
-                <a16:creationId xmlns:a16="http://schemas.microsoft.com/office/drawing/2014/main" id="{75805E72-F890-4988-AC79-8FF3A6F13F08}"/>
-              </a:ext>
-            </a:extLst>
-          </p:cNvPr>
-          <p:cNvSpPr txBox="1">
-            <a:spLocks/>
-          </p:cNvSpPr>
-          <p:nvPr/>
-        </p:nvSpPr>
-        <p:spPr>
-          <a:xfrm>
-            <a:off x="1087737" y="-18186"/>
-            <a:ext cx="5605629" cy="656880"/>
-          </a:xfrm>
-          <a:prstGeom prst="rect">
-            <a:avLst/>
-          </a:prstGeom>
-        </p:spPr>
-        <p:txBody>
-          <a:bodyPr vert="horz" lIns="91440" tIns="45720" rIns="91440" bIns="45720" rtlCol="0" anchor="ctr">
-            <a:normAutofit/>
-          </a:bodyPr>
-          <a:lstStyle>
-            <a:lvl1pPr algn="l" defTabSz="685800" rtl="0" eaLnBrk="1" latinLnBrk="0" hangingPunct="1">
-              <a:lnSpc>
-                <a:spcPct val="90000"/>
-              </a:lnSpc>
-              <a:spcBef>
-                <a:spcPct val="0"/>
-              </a:spcBef>
-              <a:buNone/>
-              <a:defRPr sz="3300" kern="1200">
-                <a:solidFill>
-                  <a:schemeClr val="tx1"/>
-                </a:solidFill>
-                <a:latin typeface="+mj-lt"/>
-                <a:ea typeface="+mj-ea"/>
-                <a:cs typeface="+mj-cs"/>
-              </a:defRPr>
-            </a:lvl1pPr>
-          </a:lstStyle>
-          <a:p>
-            <a:pPr algn="ctr"/>
-            <a:r>
-              <a:rPr lang="ru-RU" dirty="0"/>
-              <a:t> Проблема</a:t>
-            </a:r>
-          </a:p>
-        </p:txBody>
-      </p:sp>
-      <p:sp>
-        <p:nvSpPr>
-          <p:cNvPr id="5" name="Прямоугольник 4">
-            <a:extLst>
-              <a:ext uri="{FF2B5EF4-FFF2-40B4-BE49-F238E27FC236}">
-                <a16:creationId xmlns:a16="http://schemas.microsoft.com/office/drawing/2014/main" id="{508A557B-0374-4C45-966A-B5F9ACD53AEB}"/>
-              </a:ext>
-            </a:extLst>
-          </p:cNvPr>
-          <p:cNvSpPr/>
-          <p:nvPr/>
-        </p:nvSpPr>
-        <p:spPr>
-          <a:xfrm>
-            <a:off x="870581" y="538757"/>
-            <a:ext cx="6239589" cy="523220"/>
-          </a:xfrm>
-          <a:prstGeom prst="rect">
-            <a:avLst/>
-          </a:prstGeom>
-          <a:noFill/>
-        </p:spPr>
-        <p:txBody>
-          <a:bodyPr wrap="square" lIns="91440" tIns="45720" rIns="91440" bIns="45720">
-            <a:spAutoFit/>
-          </a:bodyPr>
-          <a:lstStyle/>
-          <a:p>
-            <a:r>
-              <a:rPr lang="ru-RU" sz="2800" dirty="0"/>
-              <a:t>Идентификация пользователя</a:t>
-            </a:r>
-          </a:p>
-        </p:txBody>
-      </p:sp>
-      <p:pic>
-        <p:nvPicPr>
-          <p:cNvPr id="6" name="Рисунок 5">
-            <a:extLst>
-              <a:ext uri="{FF2B5EF4-FFF2-40B4-BE49-F238E27FC236}">
-                <a16:creationId xmlns:a16="http://schemas.microsoft.com/office/drawing/2014/main" id="{B45903B4-6E58-44C6-B1BD-79350E1A3D6F}"/>
-              </a:ext>
-            </a:extLst>
-          </p:cNvPr>
-          <p:cNvPicPr>
-            <a:picLocks noChangeAspect="1"/>
-          </p:cNvPicPr>
-          <p:nvPr/>
-        </p:nvPicPr>
-        <p:blipFill>
-          <a:blip r:embed="rId2"/>
-          <a:stretch>
-            <a:fillRect/>
-          </a:stretch>
-        </p:blipFill>
-        <p:spPr>
-          <a:xfrm>
-            <a:off x="467544" y="1128307"/>
-            <a:ext cx="5048250" cy="2219325"/>
-          </a:xfrm>
-          <a:prstGeom prst="rect">
-            <a:avLst/>
-          </a:prstGeom>
-        </p:spPr>
-      </p:pic>
-      <p:sp>
-        <p:nvSpPr>
-          <p:cNvPr id="7" name="Прямоугольник 6">
-            <a:extLst>
-              <a:ext uri="{FF2B5EF4-FFF2-40B4-BE49-F238E27FC236}">
-                <a16:creationId xmlns:a16="http://schemas.microsoft.com/office/drawing/2014/main" id="{835E5320-F8C3-4F33-BC36-8F8771B9D74C}"/>
-              </a:ext>
-            </a:extLst>
-          </p:cNvPr>
-          <p:cNvSpPr/>
-          <p:nvPr/>
-        </p:nvSpPr>
-        <p:spPr>
-          <a:xfrm>
-            <a:off x="574101" y="3510369"/>
-            <a:ext cx="6239589" cy="523220"/>
-          </a:xfrm>
-          <a:prstGeom prst="rect">
-            <a:avLst/>
-          </a:prstGeom>
-          <a:noFill/>
-        </p:spPr>
-        <p:txBody>
-          <a:bodyPr wrap="square" lIns="91440" tIns="45720" rIns="91440" bIns="45720">
-            <a:spAutoFit/>
-          </a:bodyPr>
-          <a:lstStyle/>
-          <a:p>
-            <a:r>
-              <a:rPr lang="ru-RU" sz="2800" dirty="0"/>
-              <a:t>      на основе его трафика</a:t>
-            </a:r>
-          </a:p>
-        </p:txBody>
-      </p:sp>
-      <p:pic>
-        <p:nvPicPr>
-          <p:cNvPr id="10" name="Объект 9" descr="Изображение выглядит как электроника, компьютер&#10;&#10;Описание создано с высокой степенью достоверности">
-            <a:extLst>
-              <a:ext uri="{FF2B5EF4-FFF2-40B4-BE49-F238E27FC236}">
-                <a16:creationId xmlns:a16="http://schemas.microsoft.com/office/drawing/2014/main" id="{23AC94F7-3072-4926-9E31-77026F50C483}"/>
-              </a:ext>
-            </a:extLst>
-          </p:cNvPr>
-          <p:cNvPicPr>
-            <a:picLocks noGrp="1" noChangeAspect="1"/>
-          </p:cNvPicPr>
-          <p:nvPr>
-            <p:ph idx="1"/>
-          </p:nvPr>
-        </p:nvPicPr>
-        <p:blipFill>
-          <a:blip r:embed="rId3">
-            <a:extLst>
-              <a:ext uri="{28A0092B-C50C-407E-A947-70E740481C1C}">
-                <a14:useLocalDpi xmlns:a14="http://schemas.microsoft.com/office/drawing/2010/main" val="0"/>
-              </a:ext>
-            </a:extLst>
-          </a:blip>
-          <a:stretch>
-            <a:fillRect/>
-          </a:stretch>
-        </p:blipFill>
-        <p:spPr>
-          <a:xfrm>
-            <a:off x="126189" y="5396550"/>
-            <a:ext cx="2172180" cy="1161646"/>
-          </a:xfrm>
-        </p:spPr>
-      </p:pic>
-      <p:sp>
-        <p:nvSpPr>
-          <p:cNvPr id="11" name="Прямоугольник 10">
-            <a:extLst>
-              <a:ext uri="{FF2B5EF4-FFF2-40B4-BE49-F238E27FC236}">
-                <a16:creationId xmlns:a16="http://schemas.microsoft.com/office/drawing/2014/main" id="{D5B92DB1-70E1-4609-ACAB-C1103E5D08FE}"/>
-              </a:ext>
-            </a:extLst>
-          </p:cNvPr>
-          <p:cNvSpPr/>
-          <p:nvPr/>
-        </p:nvSpPr>
-        <p:spPr>
-          <a:xfrm>
-            <a:off x="3275856" y="5318021"/>
-            <a:ext cx="3045718" cy="1163960"/>
-          </a:xfrm>
-          <a:prstGeom prst="rect">
-            <a:avLst/>
-          </a:prstGeom>
-        </p:spPr>
-        <p:style>
-          <a:lnRef idx="2">
-            <a:schemeClr val="accent1">
-              <a:shade val="50000"/>
-            </a:schemeClr>
-          </a:lnRef>
-          <a:fillRef idx="1">
-            <a:schemeClr val="accent1"/>
-          </a:fillRef>
-          <a:effectRef idx="0">
-            <a:schemeClr val="accent1"/>
-          </a:effectRef>
-          <a:fontRef idx="minor">
-            <a:schemeClr val="lt1"/>
-          </a:fontRef>
-        </p:style>
-        <p:txBody>
-          <a:bodyPr rtlCol="0" anchor="ctr"/>
-          <a:lstStyle/>
-          <a:p>
-            <a:pPr algn="ctr"/>
-            <a:endParaRPr lang="ru-RU"/>
-          </a:p>
-        </p:txBody>
-      </p:sp>
-      <p:sp>
-        <p:nvSpPr>
-          <p:cNvPr id="12" name="Прямоугольник 11">
-            <a:extLst>
-              <a:ext uri="{FF2B5EF4-FFF2-40B4-BE49-F238E27FC236}">
-                <a16:creationId xmlns:a16="http://schemas.microsoft.com/office/drawing/2014/main" id="{38962496-15E9-4F25-A665-906B6871EB1F}"/>
-              </a:ext>
-            </a:extLst>
-          </p:cNvPr>
-          <p:cNvSpPr/>
-          <p:nvPr/>
-        </p:nvSpPr>
-        <p:spPr>
-          <a:xfrm>
-            <a:off x="3320343" y="5500926"/>
-            <a:ext cx="2860481" cy="707886"/>
-          </a:xfrm>
-          <a:prstGeom prst="rect">
-            <a:avLst/>
-          </a:prstGeom>
-          <a:noFill/>
-        </p:spPr>
-        <p:txBody>
-          <a:bodyPr wrap="square" lIns="91440" tIns="45720" rIns="91440" bIns="45720">
-            <a:spAutoFit/>
-          </a:bodyPr>
-          <a:lstStyle/>
-          <a:p>
-            <a:pPr algn="ctr"/>
-            <a:r>
-              <a:rPr lang="ru-RU" sz="4000" b="1" dirty="0">
-                <a:ln w="0"/>
-                <a:solidFill>
-                  <a:schemeClr val="tx1">
-                    <a:lumMod val="95000"/>
-                    <a:lumOff val="5000"/>
-                  </a:schemeClr>
-                </a:solidFill>
-                <a:effectLst>
-                  <a:outerShdw blurRad="38100" dist="25400" dir="5400000" algn="ctr" rotWithShape="0">
-                    <a:srgbClr val="6E747A">
-                      <a:alpha val="43000"/>
-                    </a:srgbClr>
-                  </a:outerShdw>
-                </a:effectLst>
-              </a:rPr>
-              <a:t>Программа</a:t>
-            </a:r>
-            <a:endParaRPr lang="ru-RU" sz="4000" b="1" cap="none" spc="0" dirty="0">
-              <a:ln w="0"/>
-              <a:solidFill>
-                <a:schemeClr val="tx1">
-                  <a:lumMod val="95000"/>
-                  <a:lumOff val="5000"/>
-                </a:schemeClr>
-              </a:solidFill>
-              <a:effectLst>
-                <a:outerShdw blurRad="38100" dist="25400" dir="5400000" algn="ctr" rotWithShape="0">
-                  <a:srgbClr val="6E747A">
-                    <a:alpha val="43000"/>
-                  </a:srgbClr>
-                </a:outerShdw>
-              </a:effectLst>
-            </a:endParaRPr>
-          </a:p>
-        </p:txBody>
-      </p:sp>
-      <p:pic>
-        <p:nvPicPr>
-          <p:cNvPr id="7170" name="Picture 2" descr="https://im0-tub-ru.yandex.net/i?id=0639696a6aefda54e518567bbf18ed73&amp;n=13">
-            <a:extLst>
-              <a:ext uri="{FF2B5EF4-FFF2-40B4-BE49-F238E27FC236}">
-                <a16:creationId xmlns:a16="http://schemas.microsoft.com/office/drawing/2014/main" id="{5EDFA602-9EFC-470A-8F10-40F349D49D61}"/>
-              </a:ext>
-            </a:extLst>
-          </p:cNvPr>
-          <p:cNvPicPr>
-            <a:picLocks noChangeAspect="1" noChangeArrowheads="1"/>
-          </p:cNvPicPr>
-          <p:nvPr/>
-        </p:nvPicPr>
-        <p:blipFill>
-          <a:blip r:embed="rId4" cstate="print">
-            <a:extLst>
-              <a:ext uri="{28A0092B-C50C-407E-A947-70E740481C1C}">
-                <a14:useLocalDpi xmlns:a14="http://schemas.microsoft.com/office/drawing/2010/main" val="0"/>
-              </a:ext>
-            </a:extLst>
-          </a:blip>
-          <a:srcRect/>
-          <a:stretch>
-            <a:fillRect/>
-          </a:stretch>
-        </p:blipFill>
-        <p:spPr bwMode="auto">
-          <a:xfrm>
-            <a:off x="2299667" y="5184176"/>
-            <a:ext cx="811785" cy="597175"/>
-          </a:xfrm>
-          <a:prstGeom prst="rect">
-            <a:avLst/>
-          </a:prstGeom>
-          <a:noFill/>
-          <a:extLst>
-            <a:ext uri="{909E8E84-426E-40DD-AFC4-6F175D3DCCD1}">
-              <a14:hiddenFill xmlns:a14="http://schemas.microsoft.com/office/drawing/2010/main">
-                <a:solidFill>
-                  <a:srgbClr val="FFFFFF"/>
-                </a:solidFill>
-              </a14:hiddenFill>
-            </a:ext>
-          </a:extLst>
-        </p:spPr>
-      </p:pic>
-      <p:pic>
-        <p:nvPicPr>
-          <p:cNvPr id="16" name="Рисунок 15" descr="Изображение выглядит как мебель&#10;&#10;Описание создано с высокой степенью достоверности">
-            <a:extLst>
-              <a:ext uri="{FF2B5EF4-FFF2-40B4-BE49-F238E27FC236}">
-                <a16:creationId xmlns:a16="http://schemas.microsoft.com/office/drawing/2014/main" id="{0FEF2E99-21F7-4C71-B030-3AB01D1FE6A5}"/>
-              </a:ext>
-            </a:extLst>
-          </p:cNvPr>
-          <p:cNvPicPr>
-            <a:picLocks noChangeAspect="1"/>
-          </p:cNvPicPr>
-          <p:nvPr/>
-        </p:nvPicPr>
-        <p:blipFill>
-          <a:blip r:embed="rId5" cstate="print">
-            <a:extLst>
-              <a:ext uri="{28A0092B-C50C-407E-A947-70E740481C1C}">
-                <a14:useLocalDpi xmlns:a14="http://schemas.microsoft.com/office/drawing/2010/main" val="0"/>
-              </a:ext>
-            </a:extLst>
-          </a:blip>
-          <a:stretch>
-            <a:fillRect/>
-          </a:stretch>
-        </p:blipFill>
-        <p:spPr>
-          <a:xfrm>
-            <a:off x="7327580" y="4579906"/>
-            <a:ext cx="1754043" cy="1754043"/>
-          </a:xfrm>
-          <a:prstGeom prst="rect">
-            <a:avLst/>
-          </a:prstGeom>
-        </p:spPr>
-      </p:pic>
-      <p:sp>
-        <p:nvSpPr>
-          <p:cNvPr id="19" name="Стрелка: вправо 18">
-            <a:extLst>
-              <a:ext uri="{FF2B5EF4-FFF2-40B4-BE49-F238E27FC236}">
-                <a16:creationId xmlns:a16="http://schemas.microsoft.com/office/drawing/2014/main" id="{CCBC7C92-0DCC-41D6-861B-59AB37228F03}"/>
-              </a:ext>
-            </a:extLst>
-          </p:cNvPr>
-          <p:cNvSpPr/>
-          <p:nvPr/>
-        </p:nvSpPr>
-        <p:spPr>
-          <a:xfrm>
-            <a:off x="2447315" y="5722831"/>
-            <a:ext cx="703970" cy="333526"/>
-          </a:xfrm>
-          <a:prstGeom prst="rightArrow">
-            <a:avLst/>
-          </a:prstGeom>
-        </p:spPr>
-        <p:style>
-          <a:lnRef idx="2">
-            <a:schemeClr val="accent1">
-              <a:shade val="50000"/>
-            </a:schemeClr>
-          </a:lnRef>
-          <a:fillRef idx="1">
-            <a:schemeClr val="accent1"/>
-          </a:fillRef>
-          <a:effectRef idx="0">
-            <a:schemeClr val="accent1"/>
-          </a:effectRef>
-          <a:fontRef idx="minor">
-            <a:schemeClr val="lt1"/>
-          </a:fontRef>
-        </p:style>
-        <p:txBody>
-          <a:bodyPr rtlCol="0" anchor="ctr"/>
-          <a:lstStyle/>
-          <a:p>
-            <a:pPr algn="ctr"/>
-            <a:endParaRPr lang="ru-RU"/>
-          </a:p>
-        </p:txBody>
-      </p:sp>
-      <p:sp>
-        <p:nvSpPr>
-          <p:cNvPr id="22" name="Стрелка: вправо 21">
-            <a:extLst>
-              <a:ext uri="{FF2B5EF4-FFF2-40B4-BE49-F238E27FC236}">
-                <a16:creationId xmlns:a16="http://schemas.microsoft.com/office/drawing/2014/main" id="{6EE8648E-9C65-466B-AC19-85657CA6490F}"/>
-              </a:ext>
-            </a:extLst>
-          </p:cNvPr>
-          <p:cNvSpPr/>
-          <p:nvPr/>
-        </p:nvSpPr>
-        <p:spPr>
-          <a:xfrm>
-            <a:off x="6469222" y="5643847"/>
-            <a:ext cx="1155757" cy="333526"/>
-          </a:xfrm>
-          <a:prstGeom prst="rightArrow">
-            <a:avLst/>
-          </a:prstGeom>
-        </p:spPr>
-        <p:style>
-          <a:lnRef idx="2">
-            <a:schemeClr val="accent1">
-              <a:shade val="50000"/>
-            </a:schemeClr>
-          </a:lnRef>
-          <a:fillRef idx="1">
-            <a:schemeClr val="accent1"/>
-          </a:fillRef>
-          <a:effectRef idx="0">
-            <a:schemeClr val="accent1"/>
-          </a:effectRef>
-          <a:fontRef idx="minor">
-            <a:schemeClr val="lt1"/>
-          </a:fontRef>
-        </p:style>
-        <p:txBody>
-          <a:bodyPr rtlCol="0" anchor="ctr"/>
-          <a:lstStyle/>
-          <a:p>
-            <a:pPr algn="ctr"/>
-            <a:endParaRPr lang="ru-RU"/>
-          </a:p>
-        </p:txBody>
-      </p:sp>
-      <p:sp>
-        <p:nvSpPr>
-          <p:cNvPr id="20" name="Прямоугольник 19">
-            <a:extLst>
-              <a:ext uri="{FF2B5EF4-FFF2-40B4-BE49-F238E27FC236}">
-                <a16:creationId xmlns:a16="http://schemas.microsoft.com/office/drawing/2014/main" id="{2F3B5F71-3F1B-4B07-8C14-E32C0E3EB66A}"/>
-              </a:ext>
-            </a:extLst>
-          </p:cNvPr>
-          <p:cNvSpPr/>
-          <p:nvPr/>
-        </p:nvSpPr>
-        <p:spPr>
-          <a:xfrm>
-            <a:off x="7939945" y="6328092"/>
-            <a:ext cx="529312" cy="307777"/>
-          </a:xfrm>
-          <a:prstGeom prst="rect">
-            <a:avLst/>
-          </a:prstGeom>
-          <a:noFill/>
-        </p:spPr>
-        <p:txBody>
-          <a:bodyPr wrap="none" lIns="91440" tIns="45720" rIns="91440" bIns="45720">
-            <a:spAutoFit/>
-          </a:bodyPr>
-          <a:lstStyle/>
-          <a:p>
-            <a:pPr algn="ctr"/>
-            <a:r>
-              <a:rPr lang="ru-RU" sz="1400" dirty="0">
-                <a:ln w="0"/>
-                <a:effectLst>
-                  <a:outerShdw blurRad="38100" dist="19050" dir="2700000" algn="tl" rotWithShape="0">
-                    <a:schemeClr val="dk1">
-                      <a:alpha val="40000"/>
-                    </a:schemeClr>
-                  </a:outerShdw>
-                </a:effectLst>
-              </a:rPr>
-              <a:t>Вася</a:t>
-            </a:r>
-            <a:endParaRPr lang="ru-RU" sz="1400" b="0" cap="none" spc="0" dirty="0">
-              <a:ln w="0"/>
-              <a:solidFill>
-                <a:schemeClr val="tx1"/>
-              </a:solidFill>
-              <a:effectLst>
-                <a:outerShdw blurRad="38100" dist="19050" dir="2700000" algn="tl" rotWithShape="0">
-                  <a:schemeClr val="dk1">
-                    <a:alpha val="40000"/>
-                  </a:schemeClr>
-                </a:outerShdw>
-              </a:effectLst>
-            </a:endParaRPr>
-          </a:p>
-        </p:txBody>
-      </p:sp>
-      <p:sp>
-        <p:nvSpPr>
-          <p:cNvPr id="24" name="Прямоугольник 23">
-            <a:extLst>
-              <a:ext uri="{FF2B5EF4-FFF2-40B4-BE49-F238E27FC236}">
-                <a16:creationId xmlns:a16="http://schemas.microsoft.com/office/drawing/2014/main" id="{646C16BE-2E92-40E6-931E-E0BFF9E82598}"/>
-              </a:ext>
-            </a:extLst>
-          </p:cNvPr>
-          <p:cNvSpPr/>
-          <p:nvPr/>
-        </p:nvSpPr>
-        <p:spPr>
-          <a:xfrm>
-            <a:off x="6486821" y="5396550"/>
-            <a:ext cx="886398" cy="307777"/>
-          </a:xfrm>
-          <a:prstGeom prst="rect">
-            <a:avLst/>
-          </a:prstGeom>
-          <a:noFill/>
-        </p:spPr>
-        <p:txBody>
-          <a:bodyPr wrap="none" lIns="91440" tIns="45720" rIns="91440" bIns="45720">
-            <a:spAutoFit/>
-          </a:bodyPr>
-          <a:lstStyle/>
-          <a:p>
-            <a:pPr algn="ctr"/>
-            <a:r>
-              <a:rPr lang="ru-RU" sz="1400" b="0" cap="none" spc="0" dirty="0">
-                <a:ln w="0"/>
-                <a:solidFill>
-                  <a:schemeClr val="tx1"/>
-                </a:solidFill>
-                <a:effectLst>
-                  <a:outerShdw blurRad="38100" dist="19050" dir="2700000" algn="tl" rotWithShape="0">
-                    <a:schemeClr val="dk1">
-                      <a:alpha val="40000"/>
-                    </a:schemeClr>
-                  </a:outerShdw>
-                </a:effectLst>
-              </a:rPr>
-              <a:t>Это Вася!</a:t>
-            </a:r>
-          </a:p>
-        </p:txBody>
-      </p:sp>
-      <p:pic>
-        <p:nvPicPr>
-          <p:cNvPr id="23" name="Рисунок 22">
-            <a:extLst>
-              <a:ext uri="{FF2B5EF4-FFF2-40B4-BE49-F238E27FC236}">
-                <a16:creationId xmlns:a16="http://schemas.microsoft.com/office/drawing/2014/main" id="{D0E361A2-BE5B-468C-BCD3-647B869FB3A8}"/>
-              </a:ext>
-            </a:extLst>
-          </p:cNvPr>
-          <p:cNvPicPr>
-            <a:picLocks noChangeAspect="1"/>
-          </p:cNvPicPr>
-          <p:nvPr/>
-        </p:nvPicPr>
-        <p:blipFill>
-          <a:blip r:embed="rId6"/>
-          <a:stretch>
-            <a:fillRect/>
-          </a:stretch>
-        </p:blipFill>
-        <p:spPr>
-          <a:xfrm>
-            <a:off x="371492" y="4318830"/>
-            <a:ext cx="8401016" cy="573074"/>
-          </a:xfrm>
-          <a:prstGeom prst="rect">
-            <a:avLst/>
-          </a:prstGeom>
-        </p:spPr>
-      </p:pic>
-    </p:spTree>
-    <p:extLst>
-      <p:ext uri="{BB962C8B-B14F-4D97-AF65-F5344CB8AC3E}">
-        <p14:creationId xmlns:p14="http://schemas.microsoft.com/office/powerpoint/2010/main" val="115385504"/>
-      </p:ext>
-    </p:extLst>
-  </p:cSld>
-  <p:clrMapOvr>
-    <a:masterClrMapping/>
-  </p:clrMapOvr>
-</p:sld>
-</file>
-
-<file path=ppt/slides/slide3.xml><?xml version="1.0" encoding="utf-8"?>
-<p:sld xmlns:a="http://schemas.openxmlformats.org/drawingml/2006/main" xmlns:r="http://schemas.openxmlformats.org/officeDocument/2006/relationships" xmlns:p="http://schemas.openxmlformats.org/presentationml/2006/main">
-  <p:cSld>
-    <p:spTree>
-      <p:nvGrpSpPr>
-        <p:cNvPr id="1" name=""/>
-        <p:cNvGrpSpPr/>
-        <p:nvPr/>
-      </p:nvGrpSpPr>
-      <p:grpSpPr>
-        <a:xfrm>
-          <a:off x="0" y="0"/>
-          <a:ext cx="0" cy="0"/>
-          <a:chOff x="0" y="0"/>
-          <a:chExt cx="0" cy="0"/>
-        </a:xfrm>
-      </p:grpSpPr>
-      <p:sp>
-        <p:nvSpPr>
-          <p:cNvPr id="2" name="Заголовок 1">
-            <a:extLst>
-              <a:ext uri="{FF2B5EF4-FFF2-40B4-BE49-F238E27FC236}">
-                <a16:creationId xmlns:a16="http://schemas.microsoft.com/office/drawing/2014/main" id="{32A6C695-41CC-4440-AA94-6E4E28352071}"/>
-              </a:ext>
-            </a:extLst>
-          </p:cNvPr>
-          <p:cNvSpPr>
-            <a:spLocks noGrp="1"/>
-          </p:cNvSpPr>
-          <p:nvPr>
-            <p:ph type="title"/>
-          </p:nvPr>
-        </p:nvSpPr>
-        <p:spPr>
-          <a:xfrm>
-            <a:off x="628650" y="365126"/>
-            <a:ext cx="7886700" cy="410793"/>
-          </a:xfrm>
-        </p:spPr>
-        <p:txBody>
-          <a:bodyPr>
-            <a:normAutofit fontScale="90000"/>
-          </a:bodyPr>
-          <a:lstStyle/>
-          <a:p>
-            <a:pPr algn="ctr"/>
-            <a:r>
-              <a:rPr lang="ru-RU" dirty="0"/>
-              <a:t>Актуальность проекта</a:t>
-            </a:r>
-          </a:p>
-        </p:txBody>
-      </p:sp>
-      <p:sp>
-        <p:nvSpPr>
-          <p:cNvPr id="4" name="Прямоугольник 3">
-            <a:extLst>
-              <a:ext uri="{FF2B5EF4-FFF2-40B4-BE49-F238E27FC236}">
-                <a16:creationId xmlns:a16="http://schemas.microsoft.com/office/drawing/2014/main" id="{482C89F9-12BE-4993-9BC7-A77C951BB519}"/>
-              </a:ext>
-            </a:extLst>
-          </p:cNvPr>
-          <p:cNvSpPr/>
-          <p:nvPr/>
-        </p:nvSpPr>
-        <p:spPr>
-          <a:xfrm>
-            <a:off x="258068" y="3746227"/>
-            <a:ext cx="3361818" cy="584775"/>
-          </a:xfrm>
-          <a:prstGeom prst="rect">
-            <a:avLst/>
-          </a:prstGeom>
-          <a:noFill/>
-        </p:spPr>
-        <p:txBody>
-          <a:bodyPr wrap="none" lIns="91440" tIns="45720" rIns="91440" bIns="45720">
-            <a:spAutoFit/>
-          </a:bodyPr>
-          <a:lstStyle/>
-          <a:p>
-            <a:pPr algn="ctr"/>
-            <a:r>
-              <a:rPr lang="en-US" sz="3200" dirty="0"/>
-              <a:t>04-7D-7B-97-0C-9F</a:t>
-            </a:r>
-            <a:endParaRPr lang="ru-RU" sz="3200" b="0" cap="none" spc="0" dirty="0">
-              <a:ln w="0"/>
-              <a:solidFill>
-                <a:schemeClr val="tx1"/>
-              </a:solidFill>
-              <a:effectLst>
-                <a:outerShdw blurRad="38100" dist="19050" dir="2700000" algn="tl" rotWithShape="0">
-                  <a:schemeClr val="dk1">
-                    <a:alpha val="40000"/>
-                  </a:schemeClr>
-                </a:outerShdw>
-              </a:effectLst>
-            </a:endParaRPr>
-          </a:p>
-        </p:txBody>
-      </p:sp>
-      <p:sp>
-        <p:nvSpPr>
-          <p:cNvPr id="5" name="Прямоугольник 4">
-            <a:extLst>
-              <a:ext uri="{FF2B5EF4-FFF2-40B4-BE49-F238E27FC236}">
-                <a16:creationId xmlns:a16="http://schemas.microsoft.com/office/drawing/2014/main" id="{36A36E01-6DF4-4A4D-BB35-3F3539212FF6}"/>
-              </a:ext>
-            </a:extLst>
-          </p:cNvPr>
-          <p:cNvSpPr/>
-          <p:nvPr/>
-        </p:nvSpPr>
-        <p:spPr>
-          <a:xfrm>
-            <a:off x="628650" y="3142815"/>
-            <a:ext cx="2620654" cy="707886"/>
-          </a:xfrm>
-          <a:prstGeom prst="rect">
-            <a:avLst/>
-          </a:prstGeom>
-          <a:noFill/>
-        </p:spPr>
-        <p:txBody>
-          <a:bodyPr wrap="none" lIns="91440" tIns="45720" rIns="91440" bIns="45720">
-            <a:spAutoFit/>
-          </a:bodyPr>
-          <a:lstStyle/>
-          <a:p>
-            <a:pPr algn="ctr"/>
-            <a:r>
-              <a:rPr lang="en-US" sz="4000" b="0" cap="none" spc="0" dirty="0">
-                <a:ln w="0"/>
-                <a:solidFill>
-                  <a:schemeClr val="tx1"/>
-                </a:solidFill>
-                <a:effectLst>
-                  <a:outerShdw blurRad="38100" dist="19050" dir="2700000" algn="tl" rotWithShape="0">
-                    <a:schemeClr val="dk1">
-                      <a:alpha val="40000"/>
-                    </a:schemeClr>
-                  </a:outerShdw>
-                </a:effectLst>
-              </a:rPr>
-              <a:t>MAC-</a:t>
-            </a:r>
-            <a:r>
-              <a:rPr lang="ru-RU" sz="4000" b="0" cap="none" spc="0" dirty="0">
-                <a:ln w="0"/>
-                <a:solidFill>
-                  <a:schemeClr val="tx1"/>
-                </a:solidFill>
-                <a:effectLst>
-                  <a:outerShdw blurRad="38100" dist="19050" dir="2700000" algn="tl" rotWithShape="0">
-                    <a:schemeClr val="dk1">
-                      <a:alpha val="40000"/>
-                    </a:schemeClr>
-                  </a:outerShdw>
-                </a:effectLst>
-              </a:rPr>
-              <a:t>адрес</a:t>
-            </a:r>
-          </a:p>
-        </p:txBody>
-      </p:sp>
-      <p:sp>
-        <p:nvSpPr>
-          <p:cNvPr id="6" name="Прямоугольник 5">
-            <a:extLst>
-              <a:ext uri="{FF2B5EF4-FFF2-40B4-BE49-F238E27FC236}">
-                <a16:creationId xmlns:a16="http://schemas.microsoft.com/office/drawing/2014/main" id="{9A1BFAAE-CC69-422A-82B2-E0528F2E1740}"/>
-              </a:ext>
-            </a:extLst>
-          </p:cNvPr>
-          <p:cNvSpPr/>
-          <p:nvPr/>
-        </p:nvSpPr>
-        <p:spPr>
-          <a:xfrm>
-            <a:off x="4541204" y="5913993"/>
-            <a:ext cx="3390480" cy="369332"/>
-          </a:xfrm>
-          <a:prstGeom prst="rect">
-            <a:avLst/>
-          </a:prstGeom>
-          <a:noFill/>
-        </p:spPr>
-        <p:txBody>
-          <a:bodyPr wrap="none" lIns="91440" tIns="45720" rIns="91440" bIns="45720">
-            <a:spAutoFit/>
-          </a:bodyPr>
-          <a:lstStyle/>
-          <a:p>
-            <a:pPr algn="ctr"/>
-            <a:r>
-              <a:rPr lang="pt-BR" dirty="0"/>
-              <a:t>21DA:D3::2F3B:2AA:FF:FE28:9C5A</a:t>
-            </a:r>
-            <a:endParaRPr lang="ru-RU" sz="3200" b="0" cap="none" spc="0" dirty="0">
-              <a:ln w="0"/>
-              <a:solidFill>
-                <a:schemeClr val="tx1"/>
-              </a:solidFill>
-              <a:effectLst>
-                <a:outerShdw blurRad="38100" dist="19050" dir="2700000" algn="tl" rotWithShape="0">
-                  <a:schemeClr val="dk1">
-                    <a:alpha val="40000"/>
-                  </a:schemeClr>
-                </a:outerShdw>
-              </a:effectLst>
-            </a:endParaRPr>
-          </a:p>
-        </p:txBody>
-      </p:sp>
-      <p:sp>
-        <p:nvSpPr>
-          <p:cNvPr id="7" name="Прямоугольник 6">
-            <a:extLst>
-              <a:ext uri="{FF2B5EF4-FFF2-40B4-BE49-F238E27FC236}">
-                <a16:creationId xmlns:a16="http://schemas.microsoft.com/office/drawing/2014/main" id="{5D6A9DD4-AFFD-4904-86A4-2B70D044E0C2}"/>
-              </a:ext>
-            </a:extLst>
-          </p:cNvPr>
-          <p:cNvSpPr/>
-          <p:nvPr/>
-        </p:nvSpPr>
-        <p:spPr>
-          <a:xfrm>
-            <a:off x="4985942" y="5310581"/>
-            <a:ext cx="2501006" cy="707886"/>
-          </a:xfrm>
-          <a:prstGeom prst="rect">
-            <a:avLst/>
-          </a:prstGeom>
-          <a:noFill/>
-        </p:spPr>
-        <p:txBody>
-          <a:bodyPr wrap="none" lIns="91440" tIns="45720" rIns="91440" bIns="45720">
-            <a:spAutoFit/>
-          </a:bodyPr>
-          <a:lstStyle/>
-          <a:p>
-            <a:pPr algn="ctr"/>
-            <a:r>
-              <a:rPr lang="en-US" sz="4000" dirty="0">
-                <a:ln w="0"/>
-                <a:effectLst>
-                  <a:outerShdw blurRad="38100" dist="19050" dir="2700000" algn="tl" rotWithShape="0">
-                    <a:schemeClr val="dk1">
-                      <a:alpha val="40000"/>
-                    </a:schemeClr>
-                  </a:outerShdw>
-                </a:effectLst>
-              </a:rPr>
-              <a:t>IPv6</a:t>
-            </a:r>
-            <a:r>
-              <a:rPr lang="en-US" sz="4000" b="0" cap="none" spc="0" dirty="0">
-                <a:ln w="0"/>
-                <a:solidFill>
-                  <a:schemeClr val="tx1"/>
-                </a:solidFill>
-                <a:effectLst>
-                  <a:outerShdw blurRad="38100" dist="19050" dir="2700000" algn="tl" rotWithShape="0">
-                    <a:schemeClr val="dk1">
-                      <a:alpha val="40000"/>
-                    </a:schemeClr>
-                  </a:outerShdw>
-                </a:effectLst>
-              </a:rPr>
-              <a:t>-</a:t>
-            </a:r>
-            <a:r>
-              <a:rPr lang="ru-RU" sz="4000" b="0" cap="none" spc="0" dirty="0">
-                <a:ln w="0"/>
-                <a:solidFill>
-                  <a:schemeClr val="tx1"/>
-                </a:solidFill>
-                <a:effectLst>
-                  <a:outerShdw blurRad="38100" dist="19050" dir="2700000" algn="tl" rotWithShape="0">
-                    <a:schemeClr val="dk1">
-                      <a:alpha val="40000"/>
-                    </a:schemeClr>
-                  </a:outerShdw>
-                </a:effectLst>
-              </a:rPr>
-              <a:t>адрес</a:t>
-            </a:r>
-          </a:p>
-        </p:txBody>
-      </p:sp>
-      <p:pic>
-        <p:nvPicPr>
-          <p:cNvPr id="9" name="Рисунок 8" descr="Изображение выглядит как векторная графика&#10;&#10;Описание создано с очень высокой степенью достоверности">
-            <a:extLst>
-              <a:ext uri="{FF2B5EF4-FFF2-40B4-BE49-F238E27FC236}">
-                <a16:creationId xmlns:a16="http://schemas.microsoft.com/office/drawing/2014/main" id="{1DA16C6C-92EC-42E4-938D-B218CE9712FC}"/>
-              </a:ext>
-            </a:extLst>
-          </p:cNvPr>
-          <p:cNvPicPr>
-            <a:picLocks noChangeAspect="1"/>
-          </p:cNvPicPr>
-          <p:nvPr/>
-        </p:nvPicPr>
-        <p:blipFill>
-          <a:blip r:embed="rId2" cstate="print">
-            <a:extLst>
-              <a:ext uri="{28A0092B-C50C-407E-A947-70E740481C1C}">
-                <a14:useLocalDpi xmlns:a14="http://schemas.microsoft.com/office/drawing/2010/main" val="0"/>
-              </a:ext>
-            </a:extLst>
-          </a:blip>
-          <a:stretch>
-            <a:fillRect/>
-          </a:stretch>
-        </p:blipFill>
-        <p:spPr>
-          <a:xfrm>
-            <a:off x="-11277" y="570522"/>
-            <a:ext cx="2801888" cy="2101416"/>
-          </a:xfrm>
-          <a:prstGeom prst="rect">
-            <a:avLst/>
-          </a:prstGeom>
-        </p:spPr>
-      </p:pic>
-      <p:sp>
-        <p:nvSpPr>
-          <p:cNvPr id="10" name="Прямоугольник 9">
-            <a:extLst>
-              <a:ext uri="{FF2B5EF4-FFF2-40B4-BE49-F238E27FC236}">
-                <a16:creationId xmlns:a16="http://schemas.microsoft.com/office/drawing/2014/main" id="{E22A7955-9D7F-40A1-B8DD-DF60D89D0AB5}"/>
-              </a:ext>
-            </a:extLst>
-          </p:cNvPr>
-          <p:cNvSpPr/>
-          <p:nvPr/>
-        </p:nvSpPr>
-        <p:spPr>
-          <a:xfrm>
-            <a:off x="2205159" y="1043047"/>
-            <a:ext cx="4312719" cy="707886"/>
-          </a:xfrm>
-          <a:prstGeom prst="rect">
-            <a:avLst/>
-          </a:prstGeom>
-          <a:noFill/>
-        </p:spPr>
-        <p:txBody>
-          <a:bodyPr wrap="none" lIns="91440" tIns="45720" rIns="91440" bIns="45720">
-            <a:spAutoFit/>
-          </a:bodyPr>
-          <a:lstStyle/>
-          <a:p>
-            <a:pPr algn="ctr"/>
-            <a:r>
-              <a:rPr lang="en-US" sz="4000" b="0" cap="none" spc="0" dirty="0">
-                <a:ln w="0"/>
-                <a:solidFill>
-                  <a:schemeClr val="tx1"/>
-                </a:solidFill>
-                <a:effectLst>
-                  <a:outerShdw blurRad="38100" dist="19050" dir="2700000" algn="tl" rotWithShape="0">
-                    <a:schemeClr val="dk1">
-                      <a:alpha val="40000"/>
-                    </a:schemeClr>
-                  </a:outerShdw>
-                </a:effectLst>
-              </a:rPr>
-              <a:t>Browser Fingerprint</a:t>
-            </a:r>
-            <a:endParaRPr lang="ru-RU" sz="4000" b="0" cap="none" spc="0" dirty="0">
-              <a:ln w="0"/>
-              <a:solidFill>
-                <a:schemeClr val="tx1"/>
-              </a:solidFill>
-              <a:effectLst>
-                <a:outerShdw blurRad="38100" dist="19050" dir="2700000" algn="tl" rotWithShape="0">
-                  <a:schemeClr val="dk1">
-                    <a:alpha val="40000"/>
-                  </a:schemeClr>
-                </a:outerShdw>
-              </a:effectLst>
-            </a:endParaRPr>
-          </a:p>
-        </p:txBody>
-      </p:sp>
-      <p:sp>
-        <p:nvSpPr>
-          <p:cNvPr id="12" name="Прямоугольник 11">
-            <a:extLst>
-              <a:ext uri="{FF2B5EF4-FFF2-40B4-BE49-F238E27FC236}">
-                <a16:creationId xmlns:a16="http://schemas.microsoft.com/office/drawing/2014/main" id="{7098EA1B-808A-4975-BB87-2B93CB1F4E0B}"/>
-              </a:ext>
-            </a:extLst>
-          </p:cNvPr>
-          <p:cNvSpPr/>
-          <p:nvPr/>
-        </p:nvSpPr>
-        <p:spPr>
-          <a:xfrm>
-            <a:off x="3818065" y="1610953"/>
-            <a:ext cx="4682052" cy="923330"/>
-          </a:xfrm>
-          <a:prstGeom prst="rect">
-            <a:avLst/>
-          </a:prstGeom>
-          <a:noFill/>
-          <a:ln>
-            <a:noFill/>
-          </a:ln>
-        </p:spPr>
-        <p:style>
-          <a:lnRef idx="0">
-            <a:scrgbClr r="0" g="0" b="0"/>
-          </a:lnRef>
-          <a:fillRef idx="0">
-            <a:scrgbClr r="0" g="0" b="0"/>
-          </a:fillRef>
-          <a:effectRef idx="0">
-            <a:scrgbClr r="0" g="0" b="0"/>
-          </a:effectRef>
-          <a:fontRef idx="minor">
-            <a:schemeClr val="accent5"/>
-          </a:fontRef>
-        </p:style>
-        <p:txBody>
-          <a:bodyPr wrap="none" lIns="91440" tIns="45720" rIns="91440" bIns="45720">
-            <a:spAutoFit/>
-          </a:bodyPr>
-          <a:lstStyle/>
-          <a:p>
-            <a:pPr algn="ctr"/>
-            <a:r>
-              <a:rPr lang="ru-RU" sz="5400" b="1" dirty="0">
-                <a:ln w="6600">
-                  <a:solidFill>
-                    <a:schemeClr val="accent2"/>
-                  </a:solidFill>
-                  <a:prstDash val="solid"/>
-                </a:ln>
-                <a:solidFill>
-                  <a:schemeClr val="accent4">
-                    <a:lumMod val="20000"/>
-                    <a:lumOff val="80000"/>
-                  </a:schemeClr>
-                </a:solidFill>
-                <a:effectLst>
-                  <a:outerShdw dist="38100" dir="2700000" algn="tl" rotWithShape="0">
-                    <a:schemeClr val="accent2"/>
-                  </a:outerShdw>
-                </a:effectLst>
-              </a:rPr>
-              <a:t>не конкуренты</a:t>
-            </a:r>
-            <a:endParaRPr lang="ru-RU" sz="5400" b="1" cap="none" spc="0" dirty="0">
-              <a:ln w="6600">
-                <a:solidFill>
-                  <a:schemeClr val="accent2"/>
-                </a:solidFill>
-                <a:prstDash val="solid"/>
-              </a:ln>
-              <a:solidFill>
-                <a:schemeClr val="accent4">
-                  <a:lumMod val="20000"/>
-                  <a:lumOff val="80000"/>
-                </a:schemeClr>
-              </a:solidFill>
-              <a:effectLst>
-                <a:outerShdw dist="38100" dir="2700000" algn="tl" rotWithShape="0">
-                  <a:schemeClr val="accent2"/>
-                </a:outerShdw>
-              </a:effectLst>
-            </a:endParaRPr>
-          </a:p>
-        </p:txBody>
-      </p:sp>
-      <p:sp>
-        <p:nvSpPr>
-          <p:cNvPr id="13" name="Прямоугольник 12">
-            <a:extLst>
-              <a:ext uri="{FF2B5EF4-FFF2-40B4-BE49-F238E27FC236}">
-                <a16:creationId xmlns:a16="http://schemas.microsoft.com/office/drawing/2014/main" id="{9664BBC8-8FAA-4E4E-B217-E594B92F0844}"/>
-              </a:ext>
-            </a:extLst>
-          </p:cNvPr>
-          <p:cNvSpPr/>
-          <p:nvPr/>
-        </p:nvSpPr>
-        <p:spPr>
-          <a:xfrm>
-            <a:off x="4541204" y="3435202"/>
-            <a:ext cx="4135171" cy="830997"/>
-          </a:xfrm>
-          <a:prstGeom prst="rect">
-            <a:avLst/>
-          </a:prstGeom>
-          <a:noFill/>
-          <a:ln>
-            <a:noFill/>
-          </a:ln>
-        </p:spPr>
-        <p:style>
-          <a:lnRef idx="0">
-            <a:scrgbClr r="0" g="0" b="0"/>
-          </a:lnRef>
-          <a:fillRef idx="0">
-            <a:scrgbClr r="0" g="0" b="0"/>
-          </a:fillRef>
-          <a:effectRef idx="0">
-            <a:scrgbClr r="0" g="0" b="0"/>
-          </a:effectRef>
-          <a:fontRef idx="minor">
-            <a:schemeClr val="accent5"/>
-          </a:fontRef>
-        </p:style>
-        <p:txBody>
-          <a:bodyPr wrap="none" lIns="91440" tIns="45720" rIns="91440" bIns="45720">
-            <a:spAutoFit/>
-          </a:bodyPr>
-          <a:lstStyle/>
-          <a:p>
-            <a:pPr algn="ctr"/>
-            <a:r>
-              <a:rPr lang="ru-RU" sz="4800" b="1" dirty="0">
-                <a:ln w="6600">
-                  <a:solidFill>
-                    <a:schemeClr val="accent2"/>
-                  </a:solidFill>
-                  <a:prstDash val="solid"/>
-                </a:ln>
-                <a:solidFill>
-                  <a:schemeClr val="accent4">
-                    <a:lumMod val="20000"/>
-                    <a:lumOff val="80000"/>
-                  </a:schemeClr>
-                </a:solidFill>
-                <a:effectLst>
-                  <a:outerShdw dist="38100" dir="2700000" algn="tl" rotWithShape="0">
-                    <a:schemeClr val="accent2"/>
-                  </a:outerShdw>
-                </a:effectLst>
-              </a:rPr>
-              <a:t>н</a:t>
-            </a:r>
-            <a:r>
-              <a:rPr lang="ru-RU" sz="4800" b="1" cap="none" spc="0" dirty="0">
-                <a:ln w="6600">
-                  <a:solidFill>
-                    <a:schemeClr val="accent2"/>
-                  </a:solidFill>
-                  <a:prstDash val="solid"/>
-                </a:ln>
-                <a:solidFill>
-                  <a:schemeClr val="accent4">
-                    <a:lumMod val="20000"/>
-                    <a:lumOff val="80000"/>
-                  </a:schemeClr>
-                </a:solidFill>
-                <a:effectLst>
-                  <a:outerShdw dist="38100" dir="2700000" algn="tl" rotWithShape="0">
-                    <a:schemeClr val="accent2"/>
-                  </a:outerShdw>
-                </a:effectLst>
-              </a:rPr>
-              <a:t>е используем</a:t>
-            </a:r>
-          </a:p>
-        </p:txBody>
-      </p:sp>
-      <p:sp>
-        <p:nvSpPr>
-          <p:cNvPr id="14" name="Прямоугольник 13">
-            <a:extLst>
-              <a:ext uri="{FF2B5EF4-FFF2-40B4-BE49-F238E27FC236}">
-                <a16:creationId xmlns:a16="http://schemas.microsoft.com/office/drawing/2014/main" id="{6DE3CE37-0EA8-4C67-9950-8468FF2C1062}"/>
-              </a:ext>
-            </a:extLst>
-          </p:cNvPr>
-          <p:cNvSpPr/>
-          <p:nvPr/>
-        </p:nvSpPr>
-        <p:spPr>
-          <a:xfrm>
-            <a:off x="700398" y="5132328"/>
-            <a:ext cx="3262432" cy="1569660"/>
-          </a:xfrm>
-          <a:prstGeom prst="rect">
-            <a:avLst/>
-          </a:prstGeom>
-          <a:noFill/>
-          <a:ln>
-            <a:noFill/>
-          </a:ln>
-        </p:spPr>
-        <p:style>
-          <a:lnRef idx="0">
-            <a:scrgbClr r="0" g="0" b="0"/>
-          </a:lnRef>
-          <a:fillRef idx="0">
-            <a:scrgbClr r="0" g="0" b="0"/>
-          </a:fillRef>
-          <a:effectRef idx="0">
-            <a:scrgbClr r="0" g="0" b="0"/>
-          </a:effectRef>
-          <a:fontRef idx="minor">
-            <a:schemeClr val="accent5"/>
-          </a:fontRef>
-        </p:style>
-        <p:txBody>
-          <a:bodyPr wrap="none" lIns="91440" tIns="45720" rIns="91440" bIns="45720">
-            <a:spAutoFit/>
-          </a:bodyPr>
-          <a:lstStyle/>
-          <a:p>
-            <a:pPr algn="ctr"/>
-            <a:r>
-              <a:rPr lang="ru-RU" sz="4800" b="1" cap="none" spc="0" dirty="0">
-                <a:ln w="6600">
-                  <a:solidFill>
-                    <a:schemeClr val="accent2"/>
-                  </a:solidFill>
-                  <a:prstDash val="solid"/>
-                </a:ln>
-                <a:solidFill>
-                  <a:schemeClr val="accent4">
-                    <a:lumMod val="20000"/>
-                    <a:lumOff val="80000"/>
-                  </a:schemeClr>
-                </a:solidFill>
-                <a:effectLst>
-                  <a:outerShdw dist="38100" dir="2700000" algn="tl" rotWithShape="0">
-                    <a:schemeClr val="accent2"/>
-                  </a:outerShdw>
-                </a:effectLst>
-              </a:rPr>
-              <a:t>случайный </a:t>
-            </a:r>
-          </a:p>
-          <a:p>
-            <a:pPr algn="ctr"/>
-            <a:r>
-              <a:rPr lang="ru-RU" sz="4800" b="1" cap="none" spc="0" dirty="0">
-                <a:ln w="6600">
-                  <a:solidFill>
-                    <a:schemeClr val="accent2"/>
-                  </a:solidFill>
-                  <a:prstDash val="solid"/>
-                </a:ln>
-                <a:solidFill>
-                  <a:schemeClr val="accent4">
-                    <a:lumMod val="20000"/>
-                    <a:lumOff val="80000"/>
-                  </a:schemeClr>
-                </a:solidFill>
-                <a:effectLst>
-                  <a:outerShdw dist="38100" dir="2700000" algn="tl" rotWithShape="0">
-                    <a:schemeClr val="accent2"/>
-                  </a:outerShdw>
-                </a:effectLst>
-              </a:rPr>
-              <a:t>номер</a:t>
-            </a:r>
-          </a:p>
-        </p:txBody>
-      </p:sp>
-      <p:cxnSp>
-        <p:nvCxnSpPr>
-          <p:cNvPr id="20" name="Прямая соединительная линия 19">
-            <a:extLst>
-              <a:ext uri="{FF2B5EF4-FFF2-40B4-BE49-F238E27FC236}">
-                <a16:creationId xmlns:a16="http://schemas.microsoft.com/office/drawing/2014/main" id="{DF84E8E5-2381-42A6-8B1A-8CF4A5E98B25}"/>
-              </a:ext>
-            </a:extLst>
-          </p:cNvPr>
-          <p:cNvCxnSpPr>
-            <a:cxnSpLocks/>
-          </p:cNvCxnSpPr>
-          <p:nvPr/>
-        </p:nvCxnSpPr>
-        <p:spPr>
-          <a:xfrm>
-            <a:off x="971600" y="2924944"/>
-            <a:ext cx="2016224" cy="1569660"/>
-          </a:xfrm>
-          <a:prstGeom prst="line">
-            <a:avLst/>
-          </a:prstGeom>
-          <a:ln w="76200">
-            <a:solidFill>
-              <a:srgbClr val="FF0000"/>
-            </a:solidFill>
-          </a:ln>
-        </p:spPr>
-        <p:style>
-          <a:lnRef idx="1">
-            <a:schemeClr val="accent1"/>
-          </a:lnRef>
-          <a:fillRef idx="0">
-            <a:schemeClr val="accent1"/>
-          </a:fillRef>
-          <a:effectRef idx="0">
-            <a:schemeClr val="accent1"/>
-          </a:effectRef>
-          <a:fontRef idx="minor">
-            <a:schemeClr val="tx1"/>
-          </a:fontRef>
-        </p:style>
-      </p:cxnSp>
-      <p:cxnSp>
-        <p:nvCxnSpPr>
-          <p:cNvPr id="22" name="Прямая соединительная линия 21">
-            <a:extLst>
-              <a:ext uri="{FF2B5EF4-FFF2-40B4-BE49-F238E27FC236}">
-                <a16:creationId xmlns:a16="http://schemas.microsoft.com/office/drawing/2014/main" id="{4E34B900-3916-44FB-9415-1A475192A25E}"/>
-              </a:ext>
-            </a:extLst>
-          </p:cNvPr>
-          <p:cNvCxnSpPr>
-            <a:cxnSpLocks/>
-          </p:cNvCxnSpPr>
-          <p:nvPr/>
-        </p:nvCxnSpPr>
-        <p:spPr>
-          <a:xfrm flipV="1">
-            <a:off x="862520" y="2889809"/>
-            <a:ext cx="1765264" cy="1604795"/>
-          </a:xfrm>
-          <a:prstGeom prst="line">
-            <a:avLst/>
-          </a:prstGeom>
-          <a:ln w="76200">
-            <a:solidFill>
-              <a:srgbClr val="FF0000"/>
-            </a:solidFill>
-          </a:ln>
-        </p:spPr>
-        <p:style>
-          <a:lnRef idx="1">
-            <a:schemeClr val="accent1"/>
-          </a:lnRef>
-          <a:fillRef idx="0">
-            <a:schemeClr val="accent1"/>
-          </a:fillRef>
-          <a:effectRef idx="0">
-            <a:schemeClr val="accent1"/>
-          </a:effectRef>
-          <a:fontRef idx="minor">
-            <a:schemeClr val="tx1"/>
-          </a:fontRef>
-        </p:style>
-      </p:cxnSp>
-      <p:cxnSp>
-        <p:nvCxnSpPr>
-          <p:cNvPr id="25" name="Прямая со стрелкой 24">
-            <a:extLst>
-              <a:ext uri="{FF2B5EF4-FFF2-40B4-BE49-F238E27FC236}">
-                <a16:creationId xmlns:a16="http://schemas.microsoft.com/office/drawing/2014/main" id="{DF3B2A25-82FC-4171-815D-1B1ED49B5CFB}"/>
-              </a:ext>
-            </a:extLst>
-          </p:cNvPr>
-          <p:cNvCxnSpPr>
-            <a:cxnSpLocks/>
-          </p:cNvCxnSpPr>
-          <p:nvPr/>
-        </p:nvCxnSpPr>
-        <p:spPr>
-          <a:xfrm>
-            <a:off x="2790611" y="1700808"/>
-            <a:ext cx="1061309" cy="360040"/>
-          </a:xfrm>
-          <a:prstGeom prst="straightConnector1">
-            <a:avLst/>
-          </a:prstGeom>
-          <a:ln w="76200">
-            <a:tailEnd type="triangle"/>
-          </a:ln>
-        </p:spPr>
-        <p:style>
-          <a:lnRef idx="1">
-            <a:schemeClr val="accent1"/>
-          </a:lnRef>
-          <a:fillRef idx="0">
-            <a:schemeClr val="accent1"/>
-          </a:fillRef>
-          <a:effectRef idx="0">
-            <a:schemeClr val="accent1"/>
-          </a:effectRef>
-          <a:fontRef idx="minor">
-            <a:schemeClr val="tx1"/>
-          </a:fontRef>
-        </p:style>
-      </p:cxnSp>
-      <p:cxnSp>
-        <p:nvCxnSpPr>
-          <p:cNvPr id="28" name="Прямая со стрелкой 27">
-            <a:extLst>
-              <a:ext uri="{FF2B5EF4-FFF2-40B4-BE49-F238E27FC236}">
-                <a16:creationId xmlns:a16="http://schemas.microsoft.com/office/drawing/2014/main" id="{72CC0850-3D1E-48F4-B35D-AAA32A052B0C}"/>
-              </a:ext>
-            </a:extLst>
-          </p:cNvPr>
-          <p:cNvCxnSpPr>
-            <a:cxnSpLocks/>
-            <a:stCxn id="13" idx="1"/>
-          </p:cNvCxnSpPr>
-          <p:nvPr/>
-        </p:nvCxnSpPr>
-        <p:spPr>
-          <a:xfrm flipH="1" flipV="1">
-            <a:off x="3358384" y="3692206"/>
-            <a:ext cx="1182820" cy="158495"/>
-          </a:xfrm>
-          <a:prstGeom prst="straightConnector1">
-            <a:avLst/>
-          </a:prstGeom>
-          <a:ln w="76200">
-            <a:tailEnd type="triangle"/>
-          </a:ln>
-        </p:spPr>
-        <p:style>
-          <a:lnRef idx="1">
-            <a:schemeClr val="accent1"/>
-          </a:lnRef>
-          <a:fillRef idx="0">
-            <a:schemeClr val="accent1"/>
-          </a:fillRef>
-          <a:effectRef idx="0">
-            <a:schemeClr val="accent1"/>
-          </a:effectRef>
-          <a:fontRef idx="minor">
-            <a:schemeClr val="tx1"/>
-          </a:fontRef>
-        </p:style>
-      </p:cxnSp>
-      <p:cxnSp>
-        <p:nvCxnSpPr>
-          <p:cNvPr id="31" name="Прямая со стрелкой 30">
-            <a:extLst>
-              <a:ext uri="{FF2B5EF4-FFF2-40B4-BE49-F238E27FC236}">
-                <a16:creationId xmlns:a16="http://schemas.microsoft.com/office/drawing/2014/main" id="{2E5778DD-1476-4170-A8BB-2133BFD96265}"/>
-              </a:ext>
-            </a:extLst>
-          </p:cNvPr>
-          <p:cNvCxnSpPr>
-            <a:cxnSpLocks/>
-          </p:cNvCxnSpPr>
-          <p:nvPr/>
-        </p:nvCxnSpPr>
-        <p:spPr>
-          <a:xfrm flipV="1">
-            <a:off x="3432562" y="5814953"/>
-            <a:ext cx="1283454" cy="283706"/>
-          </a:xfrm>
-          <a:prstGeom prst="straightConnector1">
-            <a:avLst/>
-          </a:prstGeom>
-          <a:ln w="76200">
-            <a:tailEnd type="triangle"/>
-          </a:ln>
-        </p:spPr>
-        <p:style>
-          <a:lnRef idx="1">
-            <a:schemeClr val="accent1"/>
-          </a:lnRef>
-          <a:fillRef idx="0">
-            <a:schemeClr val="accent1"/>
-          </a:fillRef>
-          <a:effectRef idx="0">
-            <a:schemeClr val="accent1"/>
-          </a:effectRef>
-          <a:fontRef idx="minor">
-            <a:schemeClr val="tx1"/>
-          </a:fontRef>
-        </p:style>
-      </p:cxnSp>
-    </p:spTree>
-    <p:extLst>
-      <p:ext uri="{BB962C8B-B14F-4D97-AF65-F5344CB8AC3E}">
-        <p14:creationId xmlns:p14="http://schemas.microsoft.com/office/powerpoint/2010/main" val="4133648104"/>
-      </p:ext>
-    </p:extLst>
-  </p:cSld>
-  <p:clrMapOvr>
-    <a:masterClrMapping/>
-  </p:clrMapOvr>
-</p:sld>
-</file>
-
-<file path=ppt/slides/slide4.xml><?xml version="1.0" encoding="utf-8"?>
-<p:sld xmlns:a="http://schemas.openxmlformats.org/drawingml/2006/main" xmlns:r="http://schemas.openxmlformats.org/officeDocument/2006/relationships" xmlns:p="http://schemas.openxmlformats.org/presentationml/2006/main">
-  <p:cSld>
-    <p:spTree>
-      <p:nvGrpSpPr>
-        <p:cNvPr id="1" name=""/>
-        <p:cNvGrpSpPr/>
-        <p:nvPr/>
-      </p:nvGrpSpPr>
-      <p:grpSpPr>
-        <a:xfrm>
-          <a:off x="0" y="0"/>
-          <a:ext cx="0" cy="0"/>
-          <a:chOff x="0" y="0"/>
-          <a:chExt cx="0" cy="0"/>
-        </a:xfrm>
-      </p:grpSpPr>
-      <p:sp>
-        <p:nvSpPr>
-          <p:cNvPr id="2" name="Заголовок 1">
-            <a:extLst>
-              <a:ext uri="{FF2B5EF4-FFF2-40B4-BE49-F238E27FC236}">
-                <a16:creationId xmlns:a16="http://schemas.microsoft.com/office/drawing/2014/main" id="{C5299A1A-433D-4031-9B0C-FB379FFA4775}"/>
-              </a:ext>
-            </a:extLst>
-          </p:cNvPr>
-          <p:cNvSpPr>
-            <a:spLocks noGrp="1"/>
-          </p:cNvSpPr>
-          <p:nvPr>
-            <p:ph type="title"/>
-          </p:nvPr>
-        </p:nvSpPr>
-        <p:spPr>
-          <a:xfrm>
-            <a:off x="628650" y="365126"/>
-            <a:ext cx="7886700" cy="1325563"/>
-          </a:xfrm>
-        </p:spPr>
-        <p:txBody>
-          <a:bodyPr/>
-          <a:lstStyle/>
-          <a:p>
-            <a:pPr algn="ctr"/>
-            <a:r>
-              <a:rPr lang="ru-RU" dirty="0"/>
-              <a:t>Целевая аудитория</a:t>
-            </a:r>
-          </a:p>
-        </p:txBody>
-      </p:sp>
-      <p:sp>
-        <p:nvSpPr>
-          <p:cNvPr id="3" name="Объект 2">
-            <a:extLst>
-              <a:ext uri="{FF2B5EF4-FFF2-40B4-BE49-F238E27FC236}">
-                <a16:creationId xmlns:a16="http://schemas.microsoft.com/office/drawing/2014/main" id="{D9BF59DC-19F9-486B-8CEB-D7A6862F535F}"/>
-              </a:ext>
-            </a:extLst>
-          </p:cNvPr>
-          <p:cNvSpPr>
-            <a:spLocks noGrp="1"/>
-          </p:cNvSpPr>
-          <p:nvPr>
-            <p:ph idx="1"/>
-          </p:nvPr>
-        </p:nvSpPr>
-        <p:spPr>
-          <a:xfrm>
-            <a:off x="605198" y="1665832"/>
-            <a:ext cx="7886700" cy="4351338"/>
-          </a:xfrm>
-        </p:spPr>
-        <p:txBody>
-          <a:bodyPr/>
-          <a:lstStyle/>
-          <a:p>
-            <a:pPr algn="ctr"/>
-            <a:endParaRPr lang="ru-RU" dirty="0"/>
-          </a:p>
-          <a:p>
-            <a:pPr algn="ctr"/>
-            <a:r>
-              <a:rPr lang="ru-RU" dirty="0"/>
-              <a:t>Компании- владельцы общественных </a:t>
-            </a:r>
-            <a:r>
-              <a:rPr lang="en-US" dirty="0"/>
-              <a:t>Internet- </a:t>
-            </a:r>
-            <a:r>
-              <a:rPr lang="ru-RU" dirty="0"/>
-              <a:t>сетей</a:t>
-            </a:r>
-          </a:p>
-          <a:p>
-            <a:pPr algn="ctr"/>
-            <a:r>
-              <a:rPr lang="ru-RU" dirty="0"/>
-              <a:t>Владельцы крупных сетей общего питания(</a:t>
-            </a:r>
-            <a:r>
-              <a:rPr lang="en-US" dirty="0"/>
-              <a:t>BK, KFC </a:t>
-            </a:r>
-            <a:r>
-              <a:rPr lang="ru-RU" dirty="0"/>
-              <a:t>и </a:t>
-            </a:r>
-            <a:r>
-              <a:rPr lang="ru-RU" dirty="0" err="1"/>
-              <a:t>тд</a:t>
-            </a:r>
-            <a:r>
-              <a:rPr lang="ru-RU" dirty="0"/>
-              <a:t>.)</a:t>
-            </a:r>
-          </a:p>
-          <a:p>
-            <a:pPr algn="ctr"/>
-            <a:r>
-              <a:rPr lang="ru-RU" dirty="0"/>
-              <a:t>Крупные Торговые центры и сетевые магазины</a:t>
-            </a:r>
-          </a:p>
-          <a:p>
-            <a:pPr algn="ctr"/>
-            <a:r>
-              <a:rPr lang="ru-RU" dirty="0"/>
-              <a:t>ФСБ</a:t>
-            </a:r>
-          </a:p>
-          <a:p>
-            <a:endParaRPr lang="ru-RU" dirty="0"/>
-          </a:p>
-        </p:txBody>
-      </p:sp>
-      <p:pic>
-        <p:nvPicPr>
-          <p:cNvPr id="8194" name="Picture 2" descr="http://www.fiactive.com/postpic/2011/05/famous-fast-food-logos_16199.jpg">
-            <a:extLst>
-              <a:ext uri="{FF2B5EF4-FFF2-40B4-BE49-F238E27FC236}">
-                <a16:creationId xmlns:a16="http://schemas.microsoft.com/office/drawing/2014/main" id="{EE0D67F4-AC9B-4C8F-9DEF-818F2D0B581E}"/>
-              </a:ext>
-            </a:extLst>
-          </p:cNvPr>
-          <p:cNvPicPr>
-            <a:picLocks noChangeAspect="1" noChangeArrowheads="1"/>
-          </p:cNvPicPr>
-          <p:nvPr/>
-        </p:nvPicPr>
-        <p:blipFill>
-          <a:blip r:embed="rId2">
-            <a:extLst>
-              <a:ext uri="{28A0092B-C50C-407E-A947-70E740481C1C}">
-                <a14:useLocalDpi xmlns:a14="http://schemas.microsoft.com/office/drawing/2010/main" val="0"/>
-              </a:ext>
-            </a:extLst>
-          </a:blip>
-          <a:srcRect/>
-          <a:stretch>
-            <a:fillRect/>
-          </a:stretch>
-        </p:blipFill>
-        <p:spPr bwMode="auto">
-          <a:xfrm>
-            <a:off x="251520" y="3732917"/>
-            <a:ext cx="4788024" cy="2590188"/>
-          </a:xfrm>
-          <a:prstGeom prst="rect">
-            <a:avLst/>
-          </a:prstGeom>
-          <a:noFill/>
-          <a:extLst>
-            <a:ext uri="{909E8E84-426E-40DD-AFC4-6F175D3DCCD1}">
-              <a14:hiddenFill xmlns:a14="http://schemas.microsoft.com/office/drawing/2010/main">
-                <a:solidFill>
-                  <a:srgbClr val="FFFFFF"/>
-                </a:solidFill>
-              </a14:hiddenFill>
-            </a:ext>
-          </a:extLst>
-        </p:spPr>
-      </p:pic>
-      <p:pic>
-        <p:nvPicPr>
-          <p:cNvPr id="8196" name="Picture 4" descr="https://media.istockphoto.com/photos/green-checkmark-picture-id503451933?k=6&amp;m=503451933&amp;s=612x612&amp;w=0&amp;h=6QQzz3myBotXfTM4SjWip6pAlB9xGlWubXJRMGGp5jE=">
-            <a:extLst>
-              <a:ext uri="{FF2B5EF4-FFF2-40B4-BE49-F238E27FC236}">
-                <a16:creationId xmlns:a16="http://schemas.microsoft.com/office/drawing/2014/main" id="{72BC7531-8539-420C-98F9-31ACB8AB6423}"/>
-              </a:ext>
-            </a:extLst>
-          </p:cNvPr>
-          <p:cNvPicPr>
-            <a:picLocks noChangeAspect="1" noChangeArrowheads="1"/>
-          </p:cNvPicPr>
-          <p:nvPr/>
-        </p:nvPicPr>
-        <p:blipFill>
-          <a:blip r:embed="rId3" cstate="print">
-            <a:extLst>
-              <a:ext uri="{28A0092B-C50C-407E-A947-70E740481C1C}">
-                <a14:useLocalDpi xmlns:a14="http://schemas.microsoft.com/office/drawing/2010/main" val="0"/>
-              </a:ext>
-            </a:extLst>
-          </a:blip>
-          <a:srcRect/>
-          <a:stretch>
-            <a:fillRect/>
-          </a:stretch>
-        </p:blipFill>
-        <p:spPr bwMode="auto">
-          <a:xfrm>
-            <a:off x="5220072" y="3943160"/>
-            <a:ext cx="2050555" cy="1537916"/>
-          </a:xfrm>
-          <a:prstGeom prst="rect">
-            <a:avLst/>
-          </a:prstGeom>
-          <a:noFill/>
-          <a:extLst>
-            <a:ext uri="{909E8E84-426E-40DD-AFC4-6F175D3DCCD1}">
-              <a14:hiddenFill xmlns:a14="http://schemas.microsoft.com/office/drawing/2010/main">
-                <a:solidFill>
-                  <a:srgbClr val="FFFFFF"/>
-                </a:solidFill>
-              </a14:hiddenFill>
-            </a:ext>
-          </a:extLst>
-        </p:spPr>
-      </p:pic>
-    </p:spTree>
-    <p:extLst>
-      <p:ext uri="{BB962C8B-B14F-4D97-AF65-F5344CB8AC3E}">
-        <p14:creationId xmlns:p14="http://schemas.microsoft.com/office/powerpoint/2010/main" val="1589438402"/>
-      </p:ext>
-    </p:extLst>
-  </p:cSld>
-  <p:clrMapOvr>
-    <a:masterClrMapping/>
-  </p:clrMapOvr>
-  <p:timing>
-    <p:tnLst>
-      <p:par>
-        <p:cTn id="1" dur="indefinite" restart="never" nodeType="tmRoot">
-          <p:childTnLst>
-            <p:seq concurrent="1" nextAc="seek">
-              <p:cTn id="2" dur="indefinite" nodeType="mainSeq">
-                <p:childTnLst>
-                  <p:par>
-                    <p:cTn id="3" fill="hold">
-                      <p:stCondLst>
-                        <p:cond delay="indefinite"/>
-                        <p:cond evt="onBegin" delay="0">
-                          <p:tn val="2"/>
-                        </p:cond>
-                      </p:stCondLst>
-                      <p:childTnLst>
-                        <p:par>
-                          <p:cTn id="4" fill="hold">
-                            <p:stCondLst>
-                              <p:cond delay="0"/>
-                            </p:stCondLst>
-                            <p:childTnLst>
-                              <p:par>
-                                <p:cTn id="5" presetID="1" presetClass="entr" presetSubtype="0" fill="hold" nodeType="afterEffect">
-                                  <p:stCondLst>
-                                    <p:cond delay="4000"/>
-                                  </p:stCondLst>
-                                  <p:childTnLst>
-                                    <p:set>
-                                      <p:cBhvr>
-                                        <p:cTn id="6" dur="1" fill="hold">
-                                          <p:stCondLst>
-                                            <p:cond delay="0"/>
-                                          </p:stCondLst>
-                                        </p:cTn>
-                                        <p:tgtEl>
-                                          <p:spTgt spid="8196"/>
-                                        </p:tgtEl>
-                                        <p:attrNameLst>
-                                          <p:attrName>style.visibility</p:attrName>
-                                        </p:attrNameLst>
-                                      </p:cBhvr>
-                                      <p:to>
-                                        <p:strVal val="visible"/>
-                                      </p:to>
-                                    </p:set>
-                                  </p:childTnLst>
-                                </p:cTn>
-                              </p:par>
-                            </p:childTnLst>
-                          </p:cTn>
-                        </p:par>
-                      </p:childTnLst>
-                    </p:cTn>
-                  </p:par>
-                </p:childTnLst>
-              </p:cTn>
-              <p:prevCondLst>
-                <p:cond evt="onPrev" delay="0">
-                  <p:tgtEl>
-                    <p:sldTgt/>
-                  </p:tgtEl>
-                </p:cond>
-              </p:prevCondLst>
-              <p:nextCondLst>
-                <p:cond evt="onNext" delay="0">
-                  <p:tgtEl>
-                    <p:sldTgt/>
-                  </p:tgtEl>
-                </p:cond>
-              </p:nextCondLst>
-            </p:seq>
-          </p:childTnLst>
-        </p:cTn>
-      </p:par>
-    </p:tnLst>
-  </p:timing>
-</p:sld>
-</file>
-
-<file path=ppt/slides/slide5.xml><?xml version="1.0" encoding="utf-8"?>
+<file path=ppt/slides/slide10.xml><?xml version="1.0" encoding="utf-8"?>
 <p:sld xmlns:a="http://schemas.openxmlformats.org/drawingml/2006/main" xmlns:r="http://schemas.openxmlformats.org/officeDocument/2006/relationships" xmlns:p="http://schemas.openxmlformats.org/presentationml/2006/main">
   <p:cSld>
     <p:spTree>
@@ -9107,6 +7258,129 @@
           </a:fontRef>
         </p:style>
       </p:cxnSp>
+      <p:sp>
+        <p:nvSpPr>
+          <p:cNvPr id="18" name="Объект 2">
+            <a:extLst>
+              <a:ext uri="{FF2B5EF4-FFF2-40B4-BE49-F238E27FC236}">
+                <a16:creationId xmlns:a16="http://schemas.microsoft.com/office/drawing/2014/main" id="{39CC1DAE-6DEE-4D27-8A22-847752DC363A}"/>
+              </a:ext>
+            </a:extLst>
+          </p:cNvPr>
+          <p:cNvSpPr>
+            <a:spLocks noGrp="1"/>
+          </p:cNvSpPr>
+          <p:nvPr>
+            <p:ph idx="1"/>
+          </p:nvPr>
+        </p:nvSpPr>
+        <p:spPr>
+          <a:xfrm>
+            <a:off x="628650" y="3123692"/>
+            <a:ext cx="8237754" cy="3329644"/>
+          </a:xfrm>
+        </p:spPr>
+        <p:txBody>
+          <a:bodyPr>
+            <a:noAutofit/>
+          </a:bodyPr>
+          <a:lstStyle/>
+          <a:p>
+            <a:pPr marL="0" indent="0" algn="ctr">
+              <a:buNone/>
+            </a:pPr>
+            <a:r>
+              <a:rPr lang="ru-RU" dirty="0"/>
+              <a:t>Почему же наш выбор пал на язык Си?</a:t>
+            </a:r>
+          </a:p>
+          <a:p>
+            <a:pPr algn="just"/>
+            <a:r>
+              <a:rPr lang="ru-RU" dirty="0"/>
+              <a:t>Си считается самым быстрым высокоуровневым языком программирования в мире. </a:t>
+            </a:r>
+          </a:p>
+          <a:p>
+            <a:pPr algn="just"/>
+            <a:r>
+              <a:rPr lang="ru-RU" dirty="0"/>
+              <a:t>Независимость от архитектуры </a:t>
+            </a:r>
+          </a:p>
+          <a:p>
+            <a:pPr algn="just"/>
+            <a:r>
+              <a:rPr lang="ru-RU" dirty="0"/>
+              <a:t>Так как мы используем простой язык программирования и стандартный процедурный подход, то это позволяет нам сократить до минимального значения расход памяти при работе с большими данными.</a:t>
+            </a:r>
+          </a:p>
+        </p:txBody>
+      </p:sp>
+    </p:spTree>
+    <p:extLst>
+      <p:ext uri="{BB962C8B-B14F-4D97-AF65-F5344CB8AC3E}">
+        <p14:creationId xmlns:p14="http://schemas.microsoft.com/office/powerpoint/2010/main" val="4124289369"/>
+      </p:ext>
+    </p:extLst>
+  </p:cSld>
+  <p:clrMapOvr>
+    <a:masterClrMapping/>
+  </p:clrMapOvr>
+</p:sld>
+</file>
+
+<file path=ppt/slides/slide11.xml><?xml version="1.0" encoding="utf-8"?>
+<p:sld xmlns:a="http://schemas.openxmlformats.org/drawingml/2006/main" xmlns:r="http://schemas.openxmlformats.org/officeDocument/2006/relationships" xmlns:p="http://schemas.openxmlformats.org/presentationml/2006/main">
+  <p:cSld>
+    <p:spTree>
+      <p:nvGrpSpPr>
+        <p:cNvPr id="1" name=""/>
+        <p:cNvGrpSpPr/>
+        <p:nvPr/>
+      </p:nvGrpSpPr>
+      <p:grpSpPr>
+        <a:xfrm>
+          <a:off x="0" y="0"/>
+          <a:ext cx="0" cy="0"/>
+          <a:chOff x="0" y="0"/>
+          <a:chExt cx="0" cy="0"/>
+        </a:xfrm>
+      </p:grpSpPr>
+      <p:sp>
+        <p:nvSpPr>
+          <p:cNvPr id="2" name="Заголовок 1">
+            <a:extLst>
+              <a:ext uri="{FF2B5EF4-FFF2-40B4-BE49-F238E27FC236}">
+                <a16:creationId xmlns:a16="http://schemas.microsoft.com/office/drawing/2014/main" id="{94385669-6EE2-41AC-A7BF-3EED75BFC452}"/>
+              </a:ext>
+            </a:extLst>
+          </p:cNvPr>
+          <p:cNvSpPr>
+            <a:spLocks noGrp="1"/>
+          </p:cNvSpPr>
+          <p:nvPr>
+            <p:ph type="title"/>
+          </p:nvPr>
+        </p:nvSpPr>
+        <p:spPr>
+          <a:xfrm>
+            <a:off x="628650" y="-277305"/>
+            <a:ext cx="7886700" cy="1325563"/>
+          </a:xfrm>
+        </p:spPr>
+        <p:txBody>
+          <a:bodyPr/>
+          <a:lstStyle/>
+          <a:p>
+            <a:pPr algn="ctr"/>
+            <a:r>
+              <a:rPr lang="ru-RU" dirty="0"/>
+              <a:t>Реализация</a:t>
+            </a:r>
+          </a:p>
+        </p:txBody>
+      </p:sp>
       <p:pic>
         <p:nvPicPr>
           <p:cNvPr id="4100" name="Picture 4" descr="https://upload.wikimedia.org/wikipedia/commons/thumb/d/da/Binary_search_tree.svg/1200px-Binary_search_tree.svg.png">
@@ -9136,8 +7410,8 @@
         </p:blipFill>
         <p:spPr bwMode="auto">
           <a:xfrm>
-            <a:off x="277596" y="3094285"/>
-            <a:ext cx="2246649" cy="1872208"/>
+            <a:off x="277596" y="3428999"/>
+            <a:ext cx="2246649" cy="1537493"/>
           </a:xfrm>
           <a:prstGeom prst="rect">
             <a:avLst/>
@@ -9431,10 +7705,69 @@
           </a:fontRef>
         </p:style>
       </p:cxnSp>
+      <p:sp>
+        <p:nvSpPr>
+          <p:cNvPr id="16" name="Объект 2">
+            <a:extLst>
+              <a:ext uri="{FF2B5EF4-FFF2-40B4-BE49-F238E27FC236}">
+                <a16:creationId xmlns:a16="http://schemas.microsoft.com/office/drawing/2014/main" id="{8AF03FA8-8A90-4C20-871A-E64D0C399BBB}"/>
+              </a:ext>
+            </a:extLst>
+          </p:cNvPr>
+          <p:cNvSpPr>
+            <a:spLocks noGrp="1"/>
+          </p:cNvSpPr>
+          <p:nvPr>
+            <p:ph idx="1"/>
+          </p:nvPr>
+        </p:nvSpPr>
+        <p:spPr>
+          <a:xfrm>
+            <a:off x="0" y="673320"/>
+            <a:ext cx="9036496" cy="4210864"/>
+          </a:xfrm>
+        </p:spPr>
+        <p:txBody>
+          <a:bodyPr>
+            <a:noAutofit/>
+          </a:bodyPr>
+          <a:lstStyle/>
+          <a:p>
+            <a:pPr algn="just"/>
+            <a:r>
+              <a:rPr lang="ru-RU" dirty="0"/>
+              <a:t>Проведя исследования работы программы, мы выяснили, что наибольшее время программа тратит на последовательный обход базы данных. Именно поэтому мы используем обычные массивы с блочным выделением памяти, что позволяет нам наиболее эффективно использовать не только возможности процессора при загрузке в </a:t>
+            </a:r>
+            <a:r>
+              <a:rPr lang="ru-RU" dirty="0" err="1"/>
+              <a:t>кеш</a:t>
+            </a:r>
+            <a:r>
+              <a:rPr lang="ru-RU" dirty="0"/>
+              <a:t> и обработке данных, но и сократить до минимума занимаемый объём оперативной памяти.</a:t>
+            </a:r>
+          </a:p>
+          <a:p>
+            <a:pPr algn="just"/>
+            <a:r>
+              <a:rPr lang="ru-RU" dirty="0"/>
+              <a:t>Хорошо, мы получили информацию о пользователе. Как по этим данным определить кто этот пользователь. Мы используем наивный </a:t>
+            </a:r>
+            <a:r>
+              <a:rPr lang="ru-RU" dirty="0" err="1"/>
+              <a:t>баесовский</a:t>
+            </a:r>
+            <a:r>
+              <a:rPr lang="ru-RU" dirty="0"/>
+              <a:t> классификатор. Это одно из наиболее мощных средств классификации.</a:t>
+            </a:r>
+          </a:p>
+        </p:txBody>
+      </p:sp>
     </p:spTree>
     <p:extLst>
       <p:ext uri="{BB962C8B-B14F-4D97-AF65-F5344CB8AC3E}">
-        <p14:creationId xmlns:p14="http://schemas.microsoft.com/office/powerpoint/2010/main" val="4124289369"/>
+        <p14:creationId xmlns:p14="http://schemas.microsoft.com/office/powerpoint/2010/main" val="1468473466"/>
       </p:ext>
     </p:extLst>
   </p:cSld>
@@ -9597,6 +7930,2550 @@
 </p:sld>
 </file>
 
+<file path=ppt/slides/slide12.xml><?xml version="1.0" encoding="utf-8"?>
+<p:sld xmlns:a="http://schemas.openxmlformats.org/drawingml/2006/main" xmlns:r="http://schemas.openxmlformats.org/officeDocument/2006/relationships" xmlns:p="http://schemas.openxmlformats.org/presentationml/2006/main">
+  <p:cSld>
+    <p:spTree>
+      <p:nvGrpSpPr>
+        <p:cNvPr id="1" name=""/>
+        <p:cNvGrpSpPr/>
+        <p:nvPr/>
+      </p:nvGrpSpPr>
+      <p:grpSpPr>
+        <a:xfrm>
+          <a:off x="0" y="0"/>
+          <a:ext cx="0" cy="0"/>
+          <a:chOff x="0" y="0"/>
+          <a:chExt cx="0" cy="0"/>
+        </a:xfrm>
+      </p:grpSpPr>
+      <p:sp>
+        <p:nvSpPr>
+          <p:cNvPr id="2" name="Заголовок 1">
+            <a:extLst>
+              <a:ext uri="{FF2B5EF4-FFF2-40B4-BE49-F238E27FC236}">
+                <a16:creationId xmlns:a16="http://schemas.microsoft.com/office/drawing/2014/main" id="{A21DC0B1-0EE6-4BBE-83B3-7F277E45C4FB}"/>
+              </a:ext>
+            </a:extLst>
+          </p:cNvPr>
+          <p:cNvSpPr>
+            <a:spLocks noGrp="1"/>
+          </p:cNvSpPr>
+          <p:nvPr>
+            <p:ph type="title"/>
+          </p:nvPr>
+        </p:nvSpPr>
+        <p:spPr>
+          <a:xfrm>
+            <a:off x="628650" y="1"/>
+            <a:ext cx="7886700" cy="620688"/>
+          </a:xfrm>
+        </p:spPr>
+        <p:txBody>
+          <a:bodyPr/>
+          <a:lstStyle/>
+          <a:p>
+            <a:pPr algn="ctr"/>
+            <a:r>
+              <a:rPr lang="ru-RU" dirty="0"/>
+              <a:t>РАБОТОСПОСОБНОСТЬ</a:t>
+            </a:r>
+          </a:p>
+        </p:txBody>
+      </p:sp>
+      <p:pic>
+        <p:nvPicPr>
+          <p:cNvPr id="2054" name="Picture 6" descr="https://sun9-7.userapi.com/c840739/v840739299/72a59/3qCQcJxc-eY.jpg">
+            <a:extLst>
+              <a:ext uri="{FF2B5EF4-FFF2-40B4-BE49-F238E27FC236}">
+                <a16:creationId xmlns:a16="http://schemas.microsoft.com/office/drawing/2014/main" id="{9DB8CBAD-1410-49EA-A43B-2A121BCBFD80}"/>
+              </a:ext>
+            </a:extLst>
+          </p:cNvPr>
+          <p:cNvPicPr>
+            <a:picLocks noChangeAspect="1" noChangeArrowheads="1"/>
+          </p:cNvPicPr>
+          <p:nvPr/>
+        </p:nvPicPr>
+        <p:blipFill>
+          <a:blip r:embed="rId2">
+            <a:extLst>
+              <a:ext uri="{28A0092B-C50C-407E-A947-70E740481C1C}">
+                <a14:useLocalDpi xmlns:a14="http://schemas.microsoft.com/office/drawing/2010/main" val="0"/>
+              </a:ext>
+            </a:extLst>
+          </a:blip>
+          <a:srcRect/>
+          <a:stretch>
+            <a:fillRect/>
+          </a:stretch>
+        </p:blipFill>
+        <p:spPr bwMode="auto">
+          <a:xfrm>
+            <a:off x="516097" y="620690"/>
+            <a:ext cx="2160240" cy="2160240"/>
+          </a:xfrm>
+          <a:prstGeom prst="rect">
+            <a:avLst/>
+          </a:prstGeom>
+          <a:noFill/>
+          <a:extLst>
+            <a:ext uri="{909E8E84-426E-40DD-AFC4-6F175D3DCCD1}">
+              <a14:hiddenFill xmlns:a14="http://schemas.microsoft.com/office/drawing/2010/main">
+                <a:solidFill>
+                  <a:srgbClr val="FFFFFF"/>
+                </a:solidFill>
+              </a14:hiddenFill>
+            </a:ext>
+          </a:extLst>
+        </p:spPr>
+      </p:pic>
+      <p:pic>
+        <p:nvPicPr>
+          <p:cNvPr id="2056" name="Picture 8" descr="https://sun9-7.userapi.com/c840739/v840739299/72a60/OtSnMRRpBpw.jpg">
+            <a:extLst>
+              <a:ext uri="{FF2B5EF4-FFF2-40B4-BE49-F238E27FC236}">
+                <a16:creationId xmlns:a16="http://schemas.microsoft.com/office/drawing/2014/main" id="{D0954A24-2254-4658-9C27-C58372D0A31B}"/>
+              </a:ext>
+            </a:extLst>
+          </p:cNvPr>
+          <p:cNvPicPr>
+            <a:picLocks noGrp="1" noChangeAspect="1" noChangeArrowheads="1"/>
+          </p:cNvPicPr>
+          <p:nvPr>
+            <p:ph idx="1"/>
+          </p:nvPr>
+        </p:nvPicPr>
+        <p:blipFill>
+          <a:blip r:embed="rId3">
+            <a:extLst>
+              <a:ext uri="{28A0092B-C50C-407E-A947-70E740481C1C}">
+                <a14:useLocalDpi xmlns:a14="http://schemas.microsoft.com/office/drawing/2010/main" val="0"/>
+              </a:ext>
+            </a:extLst>
+          </a:blip>
+          <a:srcRect/>
+          <a:stretch>
+            <a:fillRect/>
+          </a:stretch>
+        </p:blipFill>
+        <p:spPr bwMode="auto">
+          <a:xfrm>
+            <a:off x="3491880" y="620689"/>
+            <a:ext cx="2160240" cy="2160240"/>
+          </a:xfrm>
+          <a:prstGeom prst="rect">
+            <a:avLst/>
+          </a:prstGeom>
+          <a:noFill/>
+          <a:extLst>
+            <a:ext uri="{909E8E84-426E-40DD-AFC4-6F175D3DCCD1}">
+              <a14:hiddenFill xmlns:a14="http://schemas.microsoft.com/office/drawing/2010/main">
+                <a:solidFill>
+                  <a:srgbClr val="FFFFFF"/>
+                </a:solidFill>
+              </a14:hiddenFill>
+            </a:ext>
+          </a:extLst>
+        </p:spPr>
+      </p:pic>
+      <p:pic>
+        <p:nvPicPr>
+          <p:cNvPr id="2058" name="Picture 10" descr="https://sun9-4.userapi.com/c840739/v840739299/72a6d/IyS23fN4428.jpg">
+            <a:extLst>
+              <a:ext uri="{FF2B5EF4-FFF2-40B4-BE49-F238E27FC236}">
+                <a16:creationId xmlns:a16="http://schemas.microsoft.com/office/drawing/2014/main" id="{1409FB64-D8B4-444F-BB06-9ADBDD5BE71D}"/>
+              </a:ext>
+            </a:extLst>
+          </p:cNvPr>
+          <p:cNvPicPr>
+            <a:picLocks noChangeAspect="1" noChangeArrowheads="1"/>
+          </p:cNvPicPr>
+          <p:nvPr/>
+        </p:nvPicPr>
+        <p:blipFill>
+          <a:blip r:embed="rId4" cstate="print">
+            <a:extLst>
+              <a:ext uri="{28A0092B-C50C-407E-A947-70E740481C1C}">
+                <a14:useLocalDpi xmlns:a14="http://schemas.microsoft.com/office/drawing/2010/main" val="0"/>
+              </a:ext>
+            </a:extLst>
+          </a:blip>
+          <a:srcRect/>
+          <a:stretch>
+            <a:fillRect/>
+          </a:stretch>
+        </p:blipFill>
+        <p:spPr bwMode="auto">
+          <a:xfrm>
+            <a:off x="6469022" y="655348"/>
+            <a:ext cx="1752621" cy="2125581"/>
+          </a:xfrm>
+          <a:prstGeom prst="rect">
+            <a:avLst/>
+          </a:prstGeom>
+          <a:noFill/>
+          <a:extLst>
+            <a:ext uri="{909E8E84-426E-40DD-AFC4-6F175D3DCCD1}">
+              <a14:hiddenFill xmlns:a14="http://schemas.microsoft.com/office/drawing/2010/main">
+                <a:solidFill>
+                  <a:srgbClr val="FFFFFF"/>
+                </a:solidFill>
+              </a14:hiddenFill>
+            </a:ext>
+          </a:extLst>
+        </p:spPr>
+      </p:pic>
+      <p:sp>
+        <p:nvSpPr>
+          <p:cNvPr id="6" name="Прямоугольник 5">
+            <a:extLst>
+              <a:ext uri="{FF2B5EF4-FFF2-40B4-BE49-F238E27FC236}">
+                <a16:creationId xmlns:a16="http://schemas.microsoft.com/office/drawing/2014/main" id="{15670289-61BA-4F4A-8856-7EE4CD53E4E8}"/>
+              </a:ext>
+            </a:extLst>
+          </p:cNvPr>
+          <p:cNvSpPr/>
+          <p:nvPr/>
+        </p:nvSpPr>
+        <p:spPr>
+          <a:xfrm>
+            <a:off x="238568" y="3140969"/>
+            <a:ext cx="2715295" cy="707886"/>
+          </a:xfrm>
+          <a:prstGeom prst="rect">
+            <a:avLst/>
+          </a:prstGeom>
+          <a:noFill/>
+        </p:spPr>
+        <p:txBody>
+          <a:bodyPr wrap="none" lIns="91440" tIns="45720" rIns="91440" bIns="45720">
+            <a:spAutoFit/>
+          </a:bodyPr>
+          <a:lstStyle/>
+          <a:p>
+            <a:pPr algn="ctr"/>
+            <a:r>
+              <a:rPr lang="en-US" sz="4000" dirty="0">
+                <a:ln w="0"/>
+                <a:effectLst>
+                  <a:outerShdw blurRad="38100" dist="19050" dir="2700000" algn="tl" rotWithShape="0">
+                    <a:schemeClr val="dk1">
+                      <a:alpha val="40000"/>
+                    </a:schemeClr>
+                  </a:outerShdw>
+                </a:effectLst>
+              </a:rPr>
+              <a:t>Tor </a:t>
+            </a:r>
+            <a:r>
+              <a:rPr lang="ru-RU" sz="4000" dirty="0">
+                <a:ln w="0"/>
+                <a:effectLst>
+                  <a:outerShdw blurRad="38100" dist="19050" dir="2700000" algn="tl" rotWithShape="0">
+                    <a:schemeClr val="dk1">
+                      <a:alpha val="40000"/>
+                    </a:schemeClr>
+                  </a:outerShdw>
+                </a:effectLst>
+              </a:rPr>
+              <a:t>Браузер</a:t>
+            </a:r>
+            <a:endParaRPr lang="ru-RU" sz="4000" b="0" cap="none" spc="0" dirty="0">
+              <a:ln w="0"/>
+              <a:solidFill>
+                <a:schemeClr val="tx1"/>
+              </a:solidFill>
+              <a:effectLst>
+                <a:outerShdw blurRad="38100" dist="19050" dir="2700000" algn="tl" rotWithShape="0">
+                  <a:schemeClr val="dk1">
+                    <a:alpha val="40000"/>
+                  </a:schemeClr>
+                </a:outerShdw>
+              </a:effectLst>
+            </a:endParaRPr>
+          </a:p>
+        </p:txBody>
+      </p:sp>
+      <p:sp>
+        <p:nvSpPr>
+          <p:cNvPr id="12" name="Прямоугольник 11">
+            <a:extLst>
+              <a:ext uri="{FF2B5EF4-FFF2-40B4-BE49-F238E27FC236}">
+                <a16:creationId xmlns:a16="http://schemas.microsoft.com/office/drawing/2014/main" id="{4B8D8324-D306-452A-86FD-244C47FC0FFC}"/>
+              </a:ext>
+            </a:extLst>
+          </p:cNvPr>
+          <p:cNvSpPr/>
+          <p:nvPr/>
+        </p:nvSpPr>
+        <p:spPr>
+          <a:xfrm>
+            <a:off x="3254018" y="2833192"/>
+            <a:ext cx="2430281" cy="1323439"/>
+          </a:xfrm>
+          <a:prstGeom prst="rect">
+            <a:avLst/>
+          </a:prstGeom>
+          <a:noFill/>
+        </p:spPr>
+        <p:txBody>
+          <a:bodyPr wrap="none" lIns="91440" tIns="45720" rIns="91440" bIns="45720">
+            <a:spAutoFit/>
+          </a:bodyPr>
+          <a:lstStyle/>
+          <a:p>
+            <a:pPr algn="ctr"/>
+            <a:r>
+              <a:rPr lang="ru-RU" sz="4000" dirty="0">
+                <a:ln w="0"/>
+                <a:effectLst>
+                  <a:outerShdw blurRad="38100" dist="19050" dir="2700000" algn="tl" rotWithShape="0">
+                    <a:schemeClr val="dk1">
+                      <a:alpha val="40000"/>
+                    </a:schemeClr>
+                  </a:outerShdw>
+                </a:effectLst>
+              </a:rPr>
+              <a:t>Режим </a:t>
+            </a:r>
+          </a:p>
+          <a:p>
+            <a:pPr algn="ctr"/>
+            <a:r>
+              <a:rPr lang="ru-RU" sz="4000" dirty="0">
+                <a:ln w="0"/>
+                <a:effectLst>
+                  <a:outerShdw blurRad="38100" dist="19050" dir="2700000" algn="tl" rotWithShape="0">
+                    <a:schemeClr val="dk1">
+                      <a:alpha val="40000"/>
+                    </a:schemeClr>
+                  </a:outerShdw>
+                </a:effectLst>
+              </a:rPr>
+              <a:t>инкогнито</a:t>
+            </a:r>
+            <a:endParaRPr lang="ru-RU" sz="4000" b="0" cap="none" spc="0" dirty="0">
+              <a:ln w="0"/>
+              <a:solidFill>
+                <a:schemeClr val="tx1"/>
+              </a:solidFill>
+              <a:effectLst>
+                <a:outerShdw blurRad="38100" dist="19050" dir="2700000" algn="tl" rotWithShape="0">
+                  <a:schemeClr val="dk1">
+                    <a:alpha val="40000"/>
+                  </a:schemeClr>
+                </a:outerShdw>
+              </a:effectLst>
+            </a:endParaRPr>
+          </a:p>
+        </p:txBody>
+      </p:sp>
+      <p:sp>
+        <p:nvSpPr>
+          <p:cNvPr id="13" name="Прямоугольник 12">
+            <a:extLst>
+              <a:ext uri="{FF2B5EF4-FFF2-40B4-BE49-F238E27FC236}">
+                <a16:creationId xmlns:a16="http://schemas.microsoft.com/office/drawing/2014/main" id="{5B80CAFE-FC67-4556-B8FF-6D04E4DCFBA5}"/>
+              </a:ext>
+            </a:extLst>
+          </p:cNvPr>
+          <p:cNvSpPr/>
+          <p:nvPr/>
+        </p:nvSpPr>
+        <p:spPr>
+          <a:xfrm>
+            <a:off x="5871712" y="2833191"/>
+            <a:ext cx="3065262" cy="1323439"/>
+          </a:xfrm>
+          <a:prstGeom prst="rect">
+            <a:avLst/>
+          </a:prstGeom>
+          <a:noFill/>
+        </p:spPr>
+        <p:txBody>
+          <a:bodyPr wrap="none" lIns="91440" tIns="45720" rIns="91440" bIns="45720">
+            <a:spAutoFit/>
+          </a:bodyPr>
+          <a:lstStyle/>
+          <a:p>
+            <a:pPr algn="ctr"/>
+            <a:r>
+              <a:rPr lang="ru-RU" sz="4000" b="0" cap="none" spc="0" dirty="0">
+                <a:ln w="0"/>
+                <a:solidFill>
+                  <a:schemeClr val="tx1"/>
+                </a:solidFill>
+                <a:effectLst>
+                  <a:outerShdw blurRad="38100" dist="19050" dir="2700000" algn="tl" rotWithShape="0">
+                    <a:schemeClr val="dk1">
+                      <a:alpha val="40000"/>
+                    </a:schemeClr>
+                  </a:outerShdw>
+                </a:effectLst>
+              </a:rPr>
+              <a:t>Шифрование</a:t>
+            </a:r>
+          </a:p>
+          <a:p>
+            <a:pPr algn="ctr"/>
+            <a:r>
+              <a:rPr lang="ru-RU" sz="4000" dirty="0">
+                <a:ln w="0"/>
+                <a:effectLst>
+                  <a:outerShdw blurRad="38100" dist="19050" dir="2700000" algn="tl" rotWithShape="0">
+                    <a:schemeClr val="dk1">
+                      <a:alpha val="40000"/>
+                    </a:schemeClr>
+                  </a:outerShdw>
+                </a:effectLst>
+              </a:rPr>
+              <a:t>данных</a:t>
+            </a:r>
+            <a:endParaRPr lang="ru-RU" sz="4000" b="0" cap="none" spc="0" dirty="0">
+              <a:ln w="0"/>
+              <a:solidFill>
+                <a:schemeClr val="tx1"/>
+              </a:solidFill>
+              <a:effectLst>
+                <a:outerShdw blurRad="38100" dist="19050" dir="2700000" algn="tl" rotWithShape="0">
+                  <a:schemeClr val="dk1">
+                    <a:alpha val="40000"/>
+                  </a:schemeClr>
+                </a:outerShdw>
+              </a:effectLst>
+            </a:endParaRPr>
+          </a:p>
+        </p:txBody>
+      </p:sp>
+      <p:sp>
+        <p:nvSpPr>
+          <p:cNvPr id="9" name="Объект 2">
+            <a:extLst>
+              <a:ext uri="{FF2B5EF4-FFF2-40B4-BE49-F238E27FC236}">
+                <a16:creationId xmlns:a16="http://schemas.microsoft.com/office/drawing/2014/main" id="{C9E8F011-8271-47DC-BBF1-2856B36C9C36}"/>
+              </a:ext>
+            </a:extLst>
+          </p:cNvPr>
+          <p:cNvSpPr txBox="1">
+            <a:spLocks/>
+          </p:cNvSpPr>
+          <p:nvPr/>
+        </p:nvSpPr>
+        <p:spPr>
+          <a:xfrm>
+            <a:off x="107504" y="4077072"/>
+            <a:ext cx="8797928" cy="2376264"/>
+          </a:xfrm>
+          <a:prstGeom prst="rect">
+            <a:avLst/>
+          </a:prstGeom>
+        </p:spPr>
+        <p:txBody>
+          <a:bodyPr vert="horz" lIns="91440" tIns="45720" rIns="91440" bIns="45720" rtlCol="0">
+            <a:noAutofit/>
+          </a:bodyPr>
+          <a:lstStyle>
+            <a:lvl1pPr marL="171450" indent="-171450" algn="l" defTabSz="685800" rtl="0" eaLnBrk="1" latinLnBrk="0" hangingPunct="1">
+              <a:lnSpc>
+                <a:spcPct val="90000"/>
+              </a:lnSpc>
+              <a:spcBef>
+                <a:spcPts val="750"/>
+              </a:spcBef>
+              <a:buFont typeface="Arial" panose="020B0604020202020204" pitchFamily="34" charset="0"/>
+              <a:buChar char="•"/>
+              <a:defRPr sz="2100" kern="1200">
+                <a:solidFill>
+                  <a:schemeClr val="tx1"/>
+                </a:solidFill>
+                <a:latin typeface="+mn-lt"/>
+                <a:ea typeface="+mn-ea"/>
+                <a:cs typeface="+mn-cs"/>
+              </a:defRPr>
+            </a:lvl1pPr>
+            <a:lvl2pPr marL="514350" indent="-171450" algn="l" defTabSz="685800" rtl="0" eaLnBrk="1" latinLnBrk="0" hangingPunct="1">
+              <a:lnSpc>
+                <a:spcPct val="90000"/>
+              </a:lnSpc>
+              <a:spcBef>
+                <a:spcPts val="375"/>
+              </a:spcBef>
+              <a:buFont typeface="Arial" panose="020B0604020202020204" pitchFamily="34" charset="0"/>
+              <a:buChar char="•"/>
+              <a:defRPr sz="1800" kern="1200">
+                <a:solidFill>
+                  <a:schemeClr val="tx1"/>
+                </a:solidFill>
+                <a:latin typeface="+mn-lt"/>
+                <a:ea typeface="+mn-ea"/>
+                <a:cs typeface="+mn-cs"/>
+              </a:defRPr>
+            </a:lvl2pPr>
+            <a:lvl3pPr marL="857250" indent="-171450" algn="l" defTabSz="685800" rtl="0" eaLnBrk="1" latinLnBrk="0" hangingPunct="1">
+              <a:lnSpc>
+                <a:spcPct val="90000"/>
+              </a:lnSpc>
+              <a:spcBef>
+                <a:spcPts val="375"/>
+              </a:spcBef>
+              <a:buFont typeface="Arial" panose="020B0604020202020204" pitchFamily="34" charset="0"/>
+              <a:buChar char="•"/>
+              <a:defRPr sz="1500" kern="1200">
+                <a:solidFill>
+                  <a:schemeClr val="tx1"/>
+                </a:solidFill>
+                <a:latin typeface="+mn-lt"/>
+                <a:ea typeface="+mn-ea"/>
+                <a:cs typeface="+mn-cs"/>
+              </a:defRPr>
+            </a:lvl3pPr>
+            <a:lvl4pPr marL="1200150" indent="-171450" algn="l" defTabSz="685800" rtl="0" eaLnBrk="1" latinLnBrk="0" hangingPunct="1">
+              <a:lnSpc>
+                <a:spcPct val="90000"/>
+              </a:lnSpc>
+              <a:spcBef>
+                <a:spcPts val="375"/>
+              </a:spcBef>
+              <a:buFont typeface="Arial" panose="020B0604020202020204" pitchFamily="34" charset="0"/>
+              <a:buChar char="•"/>
+              <a:defRPr sz="1350" kern="1200">
+                <a:solidFill>
+                  <a:schemeClr val="tx1"/>
+                </a:solidFill>
+                <a:latin typeface="+mn-lt"/>
+                <a:ea typeface="+mn-ea"/>
+                <a:cs typeface="+mn-cs"/>
+              </a:defRPr>
+            </a:lvl4pPr>
+            <a:lvl5pPr marL="1543050" indent="-171450" algn="l" defTabSz="685800" rtl="0" eaLnBrk="1" latinLnBrk="0" hangingPunct="1">
+              <a:lnSpc>
+                <a:spcPct val="90000"/>
+              </a:lnSpc>
+              <a:spcBef>
+                <a:spcPts val="375"/>
+              </a:spcBef>
+              <a:buFont typeface="Arial" panose="020B0604020202020204" pitchFamily="34" charset="0"/>
+              <a:buChar char="•"/>
+              <a:defRPr sz="1350" kern="1200">
+                <a:solidFill>
+                  <a:schemeClr val="tx1"/>
+                </a:solidFill>
+                <a:latin typeface="+mn-lt"/>
+                <a:ea typeface="+mn-ea"/>
+                <a:cs typeface="+mn-cs"/>
+              </a:defRPr>
+            </a:lvl5pPr>
+            <a:lvl6pPr marL="1885950" indent="-171450" algn="l" defTabSz="685800" rtl="0" eaLnBrk="1" latinLnBrk="0" hangingPunct="1">
+              <a:lnSpc>
+                <a:spcPct val="90000"/>
+              </a:lnSpc>
+              <a:spcBef>
+                <a:spcPts val="375"/>
+              </a:spcBef>
+              <a:buFont typeface="Arial" panose="020B0604020202020204" pitchFamily="34" charset="0"/>
+              <a:buChar char="•"/>
+              <a:defRPr sz="1350" kern="1200">
+                <a:solidFill>
+                  <a:schemeClr val="tx1"/>
+                </a:solidFill>
+                <a:latin typeface="+mn-lt"/>
+                <a:ea typeface="+mn-ea"/>
+                <a:cs typeface="+mn-cs"/>
+              </a:defRPr>
+            </a:lvl6pPr>
+            <a:lvl7pPr marL="2228850" indent="-171450" algn="l" defTabSz="685800" rtl="0" eaLnBrk="1" latinLnBrk="0" hangingPunct="1">
+              <a:lnSpc>
+                <a:spcPct val="90000"/>
+              </a:lnSpc>
+              <a:spcBef>
+                <a:spcPts val="375"/>
+              </a:spcBef>
+              <a:buFont typeface="Arial" panose="020B0604020202020204" pitchFamily="34" charset="0"/>
+              <a:buChar char="•"/>
+              <a:defRPr sz="1350" kern="1200">
+                <a:solidFill>
+                  <a:schemeClr val="tx1"/>
+                </a:solidFill>
+                <a:latin typeface="+mn-lt"/>
+                <a:ea typeface="+mn-ea"/>
+                <a:cs typeface="+mn-cs"/>
+              </a:defRPr>
+            </a:lvl7pPr>
+            <a:lvl8pPr marL="2571750" indent="-171450" algn="l" defTabSz="685800" rtl="0" eaLnBrk="1" latinLnBrk="0" hangingPunct="1">
+              <a:lnSpc>
+                <a:spcPct val="90000"/>
+              </a:lnSpc>
+              <a:spcBef>
+                <a:spcPts val="375"/>
+              </a:spcBef>
+              <a:buFont typeface="Arial" panose="020B0604020202020204" pitchFamily="34" charset="0"/>
+              <a:buChar char="•"/>
+              <a:defRPr sz="1350" kern="1200">
+                <a:solidFill>
+                  <a:schemeClr val="tx1"/>
+                </a:solidFill>
+                <a:latin typeface="+mn-lt"/>
+                <a:ea typeface="+mn-ea"/>
+                <a:cs typeface="+mn-cs"/>
+              </a:defRPr>
+            </a:lvl8pPr>
+            <a:lvl9pPr marL="2914650" indent="-171450" algn="l" defTabSz="685800" rtl="0" eaLnBrk="1" latinLnBrk="0" hangingPunct="1">
+              <a:lnSpc>
+                <a:spcPct val="90000"/>
+              </a:lnSpc>
+              <a:spcBef>
+                <a:spcPts val="375"/>
+              </a:spcBef>
+              <a:buFont typeface="Arial" panose="020B0604020202020204" pitchFamily="34" charset="0"/>
+              <a:buChar char="•"/>
+              <a:defRPr sz="1350" kern="1200">
+                <a:solidFill>
+                  <a:schemeClr val="tx1"/>
+                </a:solidFill>
+                <a:latin typeface="+mn-lt"/>
+                <a:ea typeface="+mn-ea"/>
+                <a:cs typeface="+mn-cs"/>
+              </a:defRPr>
+            </a:lvl9pPr>
+          </a:lstStyle>
+          <a:p>
+            <a:pPr algn="just"/>
+            <a:endParaRPr lang="ru-RU" dirty="0"/>
+          </a:p>
+          <a:p>
+            <a:pPr algn="just"/>
+            <a:r>
+              <a:rPr lang="ru-RU" dirty="0"/>
+              <a:t>Все мы использовали или слышали о таких средствах защиты как TOR- браузер, режим Инкогнито, шифрование данных. Но мы и не собираемся обходить эти средства защиты и подглядывать за пользователем. Мы используем только те данные, что передаются в открытом виде - адреса назначения, размеры пакетов, типы протоколов и др.</a:t>
+            </a:r>
+          </a:p>
+        </p:txBody>
+      </p:sp>
+    </p:spTree>
+    <p:extLst>
+      <p:ext uri="{BB962C8B-B14F-4D97-AF65-F5344CB8AC3E}">
+        <p14:creationId xmlns:p14="http://schemas.microsoft.com/office/powerpoint/2010/main" val="584204114"/>
+      </p:ext>
+    </p:extLst>
+  </p:cSld>
+  <p:clrMapOvr>
+    <a:masterClrMapping/>
+  </p:clrMapOvr>
+</p:sld>
+</file>
+
+<file path=ppt/slides/slide13.xml><?xml version="1.0" encoding="utf-8"?>
+<p:sld xmlns:a="http://schemas.openxmlformats.org/drawingml/2006/main" xmlns:r="http://schemas.openxmlformats.org/officeDocument/2006/relationships" xmlns:p="http://schemas.openxmlformats.org/presentationml/2006/main">
+  <p:cSld>
+    <p:spTree>
+      <p:nvGrpSpPr>
+        <p:cNvPr id="1" name=""/>
+        <p:cNvGrpSpPr/>
+        <p:nvPr/>
+      </p:nvGrpSpPr>
+      <p:grpSpPr>
+        <a:xfrm>
+          <a:off x="0" y="0"/>
+          <a:ext cx="0" cy="0"/>
+          <a:chOff x="0" y="0"/>
+          <a:chExt cx="0" cy="0"/>
+        </a:xfrm>
+      </p:grpSpPr>
+      <p:sp>
+        <p:nvSpPr>
+          <p:cNvPr id="2" name="Заголовок 1">
+            <a:extLst>
+              <a:ext uri="{FF2B5EF4-FFF2-40B4-BE49-F238E27FC236}">
+                <a16:creationId xmlns:a16="http://schemas.microsoft.com/office/drawing/2014/main" id="{85143508-2674-4280-9571-FF9044BFBA95}"/>
+              </a:ext>
+            </a:extLst>
+          </p:cNvPr>
+          <p:cNvSpPr>
+            <a:spLocks noGrp="1"/>
+          </p:cNvSpPr>
+          <p:nvPr>
+            <p:ph type="title"/>
+          </p:nvPr>
+        </p:nvSpPr>
+        <p:spPr>
+          <a:xfrm>
+            <a:off x="628650" y="75341"/>
+            <a:ext cx="7886700" cy="620689"/>
+          </a:xfrm>
+        </p:spPr>
+        <p:txBody>
+          <a:bodyPr>
+            <a:normAutofit/>
+          </a:bodyPr>
+          <a:lstStyle/>
+          <a:p>
+            <a:pPr algn="ctr"/>
+            <a:r>
+              <a:rPr lang="ru-RU" dirty="0"/>
+              <a:t>Как заключение</a:t>
+            </a:r>
+          </a:p>
+        </p:txBody>
+      </p:sp>
+      <p:sp>
+        <p:nvSpPr>
+          <p:cNvPr id="3" name="Объект 2">
+            <a:extLst>
+              <a:ext uri="{FF2B5EF4-FFF2-40B4-BE49-F238E27FC236}">
+                <a16:creationId xmlns:a16="http://schemas.microsoft.com/office/drawing/2014/main" id="{4F3646B4-3758-4F78-9F72-829247BBEC2F}"/>
+              </a:ext>
+            </a:extLst>
+          </p:cNvPr>
+          <p:cNvSpPr>
+            <a:spLocks noGrp="1"/>
+          </p:cNvSpPr>
+          <p:nvPr>
+            <p:ph idx="1"/>
+          </p:nvPr>
+        </p:nvSpPr>
+        <p:spPr>
+          <a:xfrm>
+            <a:off x="107504" y="980728"/>
+            <a:ext cx="8928992" cy="5196235"/>
+          </a:xfrm>
+        </p:spPr>
+        <p:txBody>
+          <a:bodyPr/>
+          <a:lstStyle/>
+          <a:p>
+            <a:pPr algn="just"/>
+            <a:r>
+              <a:rPr lang="ru-RU" dirty="0"/>
+              <a:t>Мы предлагаем совершенно новый подход в образе идентификации пользователей, взамен имеющимся методам блокировки адресов, малоэффективность которых легко прослеживается на примере блокировок РКН. Доступ на заблокированные сайты может получить даже человек незнакомый с механизмами блокировок. РКН тратит огромные ресурсы, блокируя мессенджер </a:t>
+            </a:r>
+            <a:r>
+              <a:rPr lang="en-US" dirty="0"/>
+              <a:t>Telegram</a:t>
+            </a:r>
+            <a:r>
+              <a:rPr lang="ru-RU" dirty="0"/>
+              <a:t>, но это не приносит своих плодов. </a:t>
+            </a:r>
+          </a:p>
+        </p:txBody>
+      </p:sp>
+      <p:pic>
+        <p:nvPicPr>
+          <p:cNvPr id="4" name="Рисунок 3">
+            <a:extLst>
+              <a:ext uri="{FF2B5EF4-FFF2-40B4-BE49-F238E27FC236}">
+                <a16:creationId xmlns:a16="http://schemas.microsoft.com/office/drawing/2014/main" id="{C25A8044-997E-4CA7-AAEE-4481B524DC60}"/>
+              </a:ext>
+            </a:extLst>
+          </p:cNvPr>
+          <p:cNvPicPr>
+            <a:picLocks noChangeAspect="1"/>
+          </p:cNvPicPr>
+          <p:nvPr/>
+        </p:nvPicPr>
+        <p:blipFill>
+          <a:blip r:embed="rId2"/>
+          <a:stretch>
+            <a:fillRect/>
+          </a:stretch>
+        </p:blipFill>
+        <p:spPr>
+          <a:xfrm>
+            <a:off x="2267744" y="2836630"/>
+            <a:ext cx="4752528" cy="4021369"/>
+          </a:xfrm>
+          <a:prstGeom prst="rect">
+            <a:avLst/>
+          </a:prstGeom>
+        </p:spPr>
+      </p:pic>
+    </p:spTree>
+    <p:extLst>
+      <p:ext uri="{BB962C8B-B14F-4D97-AF65-F5344CB8AC3E}">
+        <p14:creationId xmlns:p14="http://schemas.microsoft.com/office/powerpoint/2010/main" val="361878210"/>
+      </p:ext>
+    </p:extLst>
+  </p:cSld>
+  <p:clrMapOvr>
+    <a:masterClrMapping/>
+  </p:clrMapOvr>
+</p:sld>
+</file>
+
+<file path=ppt/slides/slide14.xml><?xml version="1.0" encoding="utf-8"?>
+<p:sld xmlns:a="http://schemas.openxmlformats.org/drawingml/2006/main" xmlns:r="http://schemas.openxmlformats.org/officeDocument/2006/relationships" xmlns:p="http://schemas.openxmlformats.org/presentationml/2006/main">
+  <p:cSld>
+    <p:spTree>
+      <p:nvGrpSpPr>
+        <p:cNvPr id="1" name=""/>
+        <p:cNvGrpSpPr/>
+        <p:nvPr/>
+      </p:nvGrpSpPr>
+      <p:grpSpPr>
+        <a:xfrm>
+          <a:off x="0" y="0"/>
+          <a:ext cx="0" cy="0"/>
+          <a:chOff x="0" y="0"/>
+          <a:chExt cx="0" cy="0"/>
+        </a:xfrm>
+      </p:grpSpPr>
+      <p:sp>
+        <p:nvSpPr>
+          <p:cNvPr id="2" name="Заголовок 1">
+            <a:extLst>
+              <a:ext uri="{FF2B5EF4-FFF2-40B4-BE49-F238E27FC236}">
+                <a16:creationId xmlns:a16="http://schemas.microsoft.com/office/drawing/2014/main" id="{C7FA9F6B-48E5-4D43-A0D1-F7AA4DDD08AD}"/>
+              </a:ext>
+            </a:extLst>
+          </p:cNvPr>
+          <p:cNvSpPr>
+            <a:spLocks noGrp="1"/>
+          </p:cNvSpPr>
+          <p:nvPr>
+            <p:ph type="title"/>
+          </p:nvPr>
+        </p:nvSpPr>
+        <p:spPr>
+          <a:xfrm>
+            <a:off x="628650" y="116632"/>
+            <a:ext cx="7886700" cy="720081"/>
+          </a:xfrm>
+        </p:spPr>
+        <p:txBody>
+          <a:bodyPr>
+            <a:normAutofit/>
+          </a:bodyPr>
+          <a:lstStyle/>
+          <a:p>
+            <a:pPr algn="ctr"/>
+            <a:r>
+              <a:rPr lang="ru-RU" dirty="0"/>
+              <a:t>Вывод</a:t>
+            </a:r>
+          </a:p>
+        </p:txBody>
+      </p:sp>
+      <p:sp>
+        <p:nvSpPr>
+          <p:cNvPr id="3" name="Объект 2">
+            <a:extLst>
+              <a:ext uri="{FF2B5EF4-FFF2-40B4-BE49-F238E27FC236}">
+                <a16:creationId xmlns:a16="http://schemas.microsoft.com/office/drawing/2014/main" id="{17FD9E40-67F5-463F-BA3A-EB1B853C2B8D}"/>
+              </a:ext>
+            </a:extLst>
+          </p:cNvPr>
+          <p:cNvSpPr>
+            <a:spLocks noGrp="1"/>
+          </p:cNvSpPr>
+          <p:nvPr>
+            <p:ph idx="1"/>
+          </p:nvPr>
+        </p:nvSpPr>
+        <p:spPr>
+          <a:xfrm>
+            <a:off x="643222" y="980728"/>
+            <a:ext cx="7886700" cy="5196235"/>
+          </a:xfrm>
+        </p:spPr>
+        <p:txBody>
+          <a:bodyPr/>
+          <a:lstStyle/>
+          <a:p>
+            <a:pPr algn="just"/>
+            <a:r>
+              <a:rPr lang="ru-RU" dirty="0"/>
+              <a:t>1. Наша программа с точностью выполняет свою основную функцию- идентифицирует пользователей в сети.</a:t>
+            </a:r>
+          </a:p>
+          <a:p>
+            <a:pPr algn="just"/>
+            <a:r>
+              <a:rPr lang="ru-RU" dirty="0"/>
+              <a:t>2. Она является современным актуальным решением данной проблемы- не имеет аналогов и превосходит конкурентов по многим параметрам.</a:t>
+            </a:r>
+          </a:p>
+          <a:p>
+            <a:pPr algn="just"/>
+            <a:r>
+              <a:rPr lang="ru-RU" dirty="0"/>
+              <a:t>3. Имеет целевую аудиторию во всех отраслях, теперь открыты обширные возможности в области рекламной деятельности.</a:t>
+            </a:r>
+          </a:p>
+          <a:p>
+            <a:pPr algn="just"/>
+            <a:r>
+              <a:rPr lang="ru-RU" dirty="0"/>
+              <a:t>4. Все реализовано на Си- это гибкость, переносимость и простота.</a:t>
+            </a:r>
+          </a:p>
+          <a:p>
+            <a:endParaRPr lang="ru-RU" dirty="0"/>
+          </a:p>
+          <a:p>
+            <a:endParaRPr lang="ru-RU" dirty="0"/>
+          </a:p>
+          <a:p>
+            <a:pPr marL="0" indent="0" algn="ctr">
+              <a:buNone/>
+            </a:pPr>
+            <a:r>
+              <a:rPr lang="ru-RU" dirty="0"/>
+              <a:t>Человек в современном обществе способен на многое, а с помощью нашей программы, это становится еще проще.</a:t>
+            </a:r>
+          </a:p>
+        </p:txBody>
+      </p:sp>
+    </p:spTree>
+    <p:extLst>
+      <p:ext uri="{BB962C8B-B14F-4D97-AF65-F5344CB8AC3E}">
+        <p14:creationId xmlns:p14="http://schemas.microsoft.com/office/powerpoint/2010/main" val="3511249259"/>
+      </p:ext>
+    </p:extLst>
+  </p:cSld>
+  <p:clrMapOvr>
+    <a:masterClrMapping/>
+  </p:clrMapOvr>
+</p:sld>
+</file>
+
+<file path=ppt/slides/slide2.xml><?xml version="1.0" encoding="utf-8"?>
+<p:sld xmlns:a="http://schemas.openxmlformats.org/drawingml/2006/main" xmlns:r="http://schemas.openxmlformats.org/officeDocument/2006/relationships" xmlns:p="http://schemas.openxmlformats.org/presentationml/2006/main">
+  <p:cSld>
+    <p:spTree>
+      <p:nvGrpSpPr>
+        <p:cNvPr id="1" name=""/>
+        <p:cNvGrpSpPr/>
+        <p:nvPr/>
+      </p:nvGrpSpPr>
+      <p:grpSpPr>
+        <a:xfrm>
+          <a:off x="0" y="0"/>
+          <a:ext cx="0" cy="0"/>
+          <a:chOff x="0" y="0"/>
+          <a:chExt cx="0" cy="0"/>
+        </a:xfrm>
+      </p:grpSpPr>
+      <p:sp>
+        <p:nvSpPr>
+          <p:cNvPr id="4" name="Заголовок 1">
+            <a:extLst>
+              <a:ext uri="{FF2B5EF4-FFF2-40B4-BE49-F238E27FC236}">
+                <a16:creationId xmlns:a16="http://schemas.microsoft.com/office/drawing/2014/main" id="{75805E72-F890-4988-AC79-8FF3A6F13F08}"/>
+              </a:ext>
+            </a:extLst>
+          </p:cNvPr>
+          <p:cNvSpPr txBox="1">
+            <a:spLocks/>
+          </p:cNvSpPr>
+          <p:nvPr/>
+        </p:nvSpPr>
+        <p:spPr>
+          <a:xfrm>
+            <a:off x="1" y="-18186"/>
+            <a:ext cx="9144000" cy="656880"/>
+          </a:xfrm>
+          <a:prstGeom prst="rect">
+            <a:avLst/>
+          </a:prstGeom>
+        </p:spPr>
+        <p:txBody>
+          <a:bodyPr vert="horz" lIns="91440" tIns="45720" rIns="91440" bIns="45720" rtlCol="0" anchor="ctr">
+            <a:normAutofit/>
+          </a:bodyPr>
+          <a:lstStyle>
+            <a:lvl1pPr algn="l" defTabSz="685800" rtl="0" eaLnBrk="1" latinLnBrk="0" hangingPunct="1">
+              <a:lnSpc>
+                <a:spcPct val="90000"/>
+              </a:lnSpc>
+              <a:spcBef>
+                <a:spcPct val="0"/>
+              </a:spcBef>
+              <a:buNone/>
+              <a:defRPr sz="3300" kern="1200">
+                <a:solidFill>
+                  <a:schemeClr val="tx1"/>
+                </a:solidFill>
+                <a:latin typeface="+mj-lt"/>
+                <a:ea typeface="+mj-ea"/>
+                <a:cs typeface="+mj-cs"/>
+              </a:defRPr>
+            </a:lvl1pPr>
+          </a:lstStyle>
+          <a:p>
+            <a:pPr algn="ctr"/>
+            <a:r>
+              <a:rPr lang="ru-RU" dirty="0"/>
+              <a:t> Проблема</a:t>
+            </a:r>
+          </a:p>
+        </p:txBody>
+      </p:sp>
+      <p:sp>
+        <p:nvSpPr>
+          <p:cNvPr id="5" name="Прямоугольник 4">
+            <a:extLst>
+              <a:ext uri="{FF2B5EF4-FFF2-40B4-BE49-F238E27FC236}">
+                <a16:creationId xmlns:a16="http://schemas.microsoft.com/office/drawing/2014/main" id="{508A557B-0374-4C45-966A-B5F9ACD53AEB}"/>
+              </a:ext>
+            </a:extLst>
+          </p:cNvPr>
+          <p:cNvSpPr/>
+          <p:nvPr/>
+        </p:nvSpPr>
+        <p:spPr>
+          <a:xfrm>
+            <a:off x="395537" y="538757"/>
+            <a:ext cx="8748464" cy="523220"/>
+          </a:xfrm>
+          <a:prstGeom prst="rect">
+            <a:avLst/>
+          </a:prstGeom>
+          <a:noFill/>
+        </p:spPr>
+        <p:txBody>
+          <a:bodyPr wrap="square" lIns="91440" tIns="45720" rIns="91440" bIns="45720">
+            <a:spAutoFit/>
+          </a:bodyPr>
+          <a:lstStyle/>
+          <a:p>
+            <a:r>
+              <a:rPr lang="ru-RU" sz="2800" dirty="0"/>
+              <a:t>Идентификация пользователя  на основе его трафика</a:t>
+            </a:r>
+          </a:p>
+        </p:txBody>
+      </p:sp>
+      <p:pic>
+        <p:nvPicPr>
+          <p:cNvPr id="6" name="Рисунок 5">
+            <a:extLst>
+              <a:ext uri="{FF2B5EF4-FFF2-40B4-BE49-F238E27FC236}">
+                <a16:creationId xmlns:a16="http://schemas.microsoft.com/office/drawing/2014/main" id="{B45903B4-6E58-44C6-B1BD-79350E1A3D6F}"/>
+              </a:ext>
+            </a:extLst>
+          </p:cNvPr>
+          <p:cNvPicPr>
+            <a:picLocks noChangeAspect="1"/>
+          </p:cNvPicPr>
+          <p:nvPr/>
+        </p:nvPicPr>
+        <p:blipFill>
+          <a:blip r:embed="rId2"/>
+          <a:stretch>
+            <a:fillRect/>
+          </a:stretch>
+        </p:blipFill>
+        <p:spPr>
+          <a:xfrm>
+            <a:off x="2339752" y="1386538"/>
+            <a:ext cx="5048250" cy="2219325"/>
+          </a:xfrm>
+          <a:prstGeom prst="rect">
+            <a:avLst/>
+          </a:prstGeom>
+        </p:spPr>
+      </p:pic>
+      <p:sp>
+        <p:nvSpPr>
+          <p:cNvPr id="3" name="Объект 2">
+            <a:extLst>
+              <a:ext uri="{FF2B5EF4-FFF2-40B4-BE49-F238E27FC236}">
+                <a16:creationId xmlns:a16="http://schemas.microsoft.com/office/drawing/2014/main" id="{E52F5AD3-B693-4EF9-A75C-4957335F565F}"/>
+              </a:ext>
+            </a:extLst>
+          </p:cNvPr>
+          <p:cNvSpPr>
+            <a:spLocks noGrp="1"/>
+          </p:cNvSpPr>
+          <p:nvPr>
+            <p:ph idx="1"/>
+          </p:nvPr>
+        </p:nvSpPr>
+        <p:spPr>
+          <a:xfrm>
+            <a:off x="798967" y="3861048"/>
+            <a:ext cx="7886700" cy="2549476"/>
+          </a:xfrm>
+        </p:spPr>
+        <p:txBody>
+          <a:bodyPr/>
+          <a:lstStyle/>
+          <a:p>
+            <a:r>
+              <a:rPr lang="ru-RU" dirty="0"/>
+              <a:t>Программе достаточно, чтобы посетитель просто подключился к интернету. </a:t>
+            </a:r>
+          </a:p>
+          <a:p>
+            <a:r>
+              <a:rPr lang="ru-RU" dirty="0"/>
+              <a:t>Программа «узнает» его, если он уже приходил раньше.</a:t>
+            </a:r>
+          </a:p>
+          <a:p>
+            <a:r>
+              <a:rPr lang="ru-RU" dirty="0"/>
+              <a:t>Если же он пришел впервые, то она его запомнит как нового посетителя, и при повторном посещении уже «узнает» его.</a:t>
+            </a:r>
+          </a:p>
+        </p:txBody>
+      </p:sp>
+    </p:spTree>
+    <p:extLst>
+      <p:ext uri="{BB962C8B-B14F-4D97-AF65-F5344CB8AC3E}">
+        <p14:creationId xmlns:p14="http://schemas.microsoft.com/office/powerpoint/2010/main" val="115385504"/>
+      </p:ext>
+    </p:extLst>
+  </p:cSld>
+  <p:clrMapOvr>
+    <a:masterClrMapping/>
+  </p:clrMapOvr>
+</p:sld>
+</file>
+
+<file path=ppt/slides/slide3.xml><?xml version="1.0" encoding="utf-8"?>
+<p:sld xmlns:a="http://schemas.openxmlformats.org/drawingml/2006/main" xmlns:r="http://schemas.openxmlformats.org/officeDocument/2006/relationships" xmlns:p="http://schemas.openxmlformats.org/presentationml/2006/main">
+  <p:cSld>
+    <p:spTree>
+      <p:nvGrpSpPr>
+        <p:cNvPr id="1" name=""/>
+        <p:cNvGrpSpPr/>
+        <p:nvPr/>
+      </p:nvGrpSpPr>
+      <p:grpSpPr>
+        <a:xfrm>
+          <a:off x="0" y="0"/>
+          <a:ext cx="0" cy="0"/>
+          <a:chOff x="0" y="0"/>
+          <a:chExt cx="0" cy="0"/>
+        </a:xfrm>
+      </p:grpSpPr>
+      <p:sp>
+        <p:nvSpPr>
+          <p:cNvPr id="10" name="Заголовок 9">
+            <a:extLst>
+              <a:ext uri="{FF2B5EF4-FFF2-40B4-BE49-F238E27FC236}">
+                <a16:creationId xmlns:a16="http://schemas.microsoft.com/office/drawing/2014/main" id="{0F2181CE-DB1C-4D23-A49F-C43145E963AA}"/>
+              </a:ext>
+            </a:extLst>
+          </p:cNvPr>
+          <p:cNvSpPr>
+            <a:spLocks noGrp="1"/>
+          </p:cNvSpPr>
+          <p:nvPr>
+            <p:ph type="title"/>
+          </p:nvPr>
+        </p:nvSpPr>
+        <p:spPr>
+          <a:xfrm>
+            <a:off x="628650" y="18255"/>
+            <a:ext cx="7886700" cy="1106489"/>
+          </a:xfrm>
+        </p:spPr>
+        <p:txBody>
+          <a:bodyPr/>
+          <a:lstStyle/>
+          <a:p>
+            <a:pPr algn="ctr"/>
+            <a:r>
+              <a:rPr lang="ru-RU" dirty="0"/>
+              <a:t>Описание проблемы</a:t>
+            </a:r>
+          </a:p>
+        </p:txBody>
+      </p:sp>
+      <p:sp>
+        <p:nvSpPr>
+          <p:cNvPr id="11" name="Объект 10">
+            <a:extLst>
+              <a:ext uri="{FF2B5EF4-FFF2-40B4-BE49-F238E27FC236}">
+                <a16:creationId xmlns:a16="http://schemas.microsoft.com/office/drawing/2014/main" id="{AF8A1361-53D0-4822-8A1A-683483CCF1D1}"/>
+              </a:ext>
+            </a:extLst>
+          </p:cNvPr>
+          <p:cNvSpPr>
+            <a:spLocks noGrp="1"/>
+          </p:cNvSpPr>
+          <p:nvPr>
+            <p:ph idx="1"/>
+          </p:nvPr>
+        </p:nvSpPr>
+        <p:spPr>
+          <a:xfrm>
+            <a:off x="628650" y="1307649"/>
+            <a:ext cx="7886700" cy="4869314"/>
+          </a:xfrm>
+        </p:spPr>
+        <p:txBody>
+          <a:bodyPr/>
+          <a:lstStyle/>
+          <a:p>
+            <a:pPr algn="just"/>
+            <a:r>
+              <a:rPr lang="ru-RU" dirty="0"/>
+              <a:t>При повторном входе пользователя в сеть, наша программа собирает отправленные и полученные пакеты данных, обрабатывает их и сравнивает полученные результаты с имеющимися в базе данных пользователей. Если он заходит в эту сеть впервые( программа не видит возможные варианты для этого пользователя), то он добавляется в базу данных, иначе, если этот пользователь уже заходил в данную сеть, то программа его распознает с довольно высокой точностью.</a:t>
+            </a:r>
+          </a:p>
+          <a:p>
+            <a:endParaRPr lang="ru-RU" dirty="0"/>
+          </a:p>
+        </p:txBody>
+      </p:sp>
+      <p:pic>
+        <p:nvPicPr>
+          <p:cNvPr id="12" name="Объект 9" descr="Изображение выглядит как электроника, компьютер&#10;&#10;Описание создано с высокой степенью достоверности">
+            <a:extLst>
+              <a:ext uri="{FF2B5EF4-FFF2-40B4-BE49-F238E27FC236}">
+                <a16:creationId xmlns:a16="http://schemas.microsoft.com/office/drawing/2014/main" id="{36B318CC-26DB-42E9-9D6A-D5B3822C9261}"/>
+              </a:ext>
+            </a:extLst>
+          </p:cNvPr>
+          <p:cNvPicPr>
+            <a:picLocks noChangeAspect="1"/>
+          </p:cNvPicPr>
+          <p:nvPr/>
+        </p:nvPicPr>
+        <p:blipFill>
+          <a:blip r:embed="rId2">
+            <a:extLst>
+              <a:ext uri="{28A0092B-C50C-407E-A947-70E740481C1C}">
+                <a14:useLocalDpi xmlns:a14="http://schemas.microsoft.com/office/drawing/2010/main" val="0"/>
+              </a:ext>
+            </a:extLst>
+          </a:blip>
+          <a:stretch>
+            <a:fillRect/>
+          </a:stretch>
+        </p:blipFill>
+        <p:spPr>
+          <a:xfrm>
+            <a:off x="126189" y="5396550"/>
+            <a:ext cx="2172180" cy="1161646"/>
+          </a:xfrm>
+          <a:prstGeom prst="rect">
+            <a:avLst/>
+          </a:prstGeom>
+        </p:spPr>
+      </p:pic>
+      <p:sp>
+        <p:nvSpPr>
+          <p:cNvPr id="13" name="Прямоугольник 12">
+            <a:extLst>
+              <a:ext uri="{FF2B5EF4-FFF2-40B4-BE49-F238E27FC236}">
+                <a16:creationId xmlns:a16="http://schemas.microsoft.com/office/drawing/2014/main" id="{9234EA5E-417A-4018-A8BE-F1198BB988D5}"/>
+              </a:ext>
+            </a:extLst>
+          </p:cNvPr>
+          <p:cNvSpPr/>
+          <p:nvPr/>
+        </p:nvSpPr>
+        <p:spPr>
+          <a:xfrm>
+            <a:off x="3275856" y="5318021"/>
+            <a:ext cx="3045718" cy="1163960"/>
+          </a:xfrm>
+          <a:prstGeom prst="rect">
+            <a:avLst/>
+          </a:prstGeom>
+        </p:spPr>
+        <p:style>
+          <a:lnRef idx="2">
+            <a:schemeClr val="accent1">
+              <a:shade val="50000"/>
+            </a:schemeClr>
+          </a:lnRef>
+          <a:fillRef idx="1">
+            <a:schemeClr val="accent1"/>
+          </a:fillRef>
+          <a:effectRef idx="0">
+            <a:schemeClr val="accent1"/>
+          </a:effectRef>
+          <a:fontRef idx="minor">
+            <a:schemeClr val="lt1"/>
+          </a:fontRef>
+        </p:style>
+        <p:txBody>
+          <a:bodyPr rtlCol="0" anchor="ctr"/>
+          <a:lstStyle/>
+          <a:p>
+            <a:pPr algn="ctr"/>
+            <a:endParaRPr lang="ru-RU"/>
+          </a:p>
+        </p:txBody>
+      </p:sp>
+      <p:sp>
+        <p:nvSpPr>
+          <p:cNvPr id="14" name="Прямоугольник 13">
+            <a:extLst>
+              <a:ext uri="{FF2B5EF4-FFF2-40B4-BE49-F238E27FC236}">
+                <a16:creationId xmlns:a16="http://schemas.microsoft.com/office/drawing/2014/main" id="{8109B4EF-34DE-4D04-95E4-0264B71AF6CA}"/>
+              </a:ext>
+            </a:extLst>
+          </p:cNvPr>
+          <p:cNvSpPr/>
+          <p:nvPr/>
+        </p:nvSpPr>
+        <p:spPr>
+          <a:xfrm>
+            <a:off x="3320343" y="5500926"/>
+            <a:ext cx="2860481" cy="707886"/>
+          </a:xfrm>
+          <a:prstGeom prst="rect">
+            <a:avLst/>
+          </a:prstGeom>
+          <a:noFill/>
+        </p:spPr>
+        <p:txBody>
+          <a:bodyPr wrap="square" lIns="91440" tIns="45720" rIns="91440" bIns="45720">
+            <a:spAutoFit/>
+          </a:bodyPr>
+          <a:lstStyle/>
+          <a:p>
+            <a:pPr algn="ctr"/>
+            <a:r>
+              <a:rPr lang="ru-RU" sz="4000" b="1" dirty="0">
+                <a:ln w="0"/>
+                <a:solidFill>
+                  <a:schemeClr val="tx1">
+                    <a:lumMod val="95000"/>
+                    <a:lumOff val="5000"/>
+                  </a:schemeClr>
+                </a:solidFill>
+                <a:effectLst>
+                  <a:outerShdw blurRad="38100" dist="25400" dir="5400000" algn="ctr" rotWithShape="0">
+                    <a:srgbClr val="6E747A">
+                      <a:alpha val="43000"/>
+                    </a:srgbClr>
+                  </a:outerShdw>
+                </a:effectLst>
+              </a:rPr>
+              <a:t>Программа</a:t>
+            </a:r>
+            <a:endParaRPr lang="ru-RU" sz="4000" b="1" cap="none" spc="0" dirty="0">
+              <a:ln w="0"/>
+              <a:solidFill>
+                <a:schemeClr val="tx1">
+                  <a:lumMod val="95000"/>
+                  <a:lumOff val="5000"/>
+                </a:schemeClr>
+              </a:solidFill>
+              <a:effectLst>
+                <a:outerShdw blurRad="38100" dist="25400" dir="5400000" algn="ctr" rotWithShape="0">
+                  <a:srgbClr val="6E747A">
+                    <a:alpha val="43000"/>
+                  </a:srgbClr>
+                </a:outerShdw>
+              </a:effectLst>
+            </a:endParaRPr>
+          </a:p>
+        </p:txBody>
+      </p:sp>
+      <p:pic>
+        <p:nvPicPr>
+          <p:cNvPr id="15" name="Picture 2" descr="https://im0-tub-ru.yandex.net/i?id=0639696a6aefda54e518567bbf18ed73&amp;n=13">
+            <a:extLst>
+              <a:ext uri="{FF2B5EF4-FFF2-40B4-BE49-F238E27FC236}">
+                <a16:creationId xmlns:a16="http://schemas.microsoft.com/office/drawing/2014/main" id="{7A085CBF-8CAE-4673-8A2E-674EEF1FA068}"/>
+              </a:ext>
+            </a:extLst>
+          </p:cNvPr>
+          <p:cNvPicPr>
+            <a:picLocks noChangeAspect="1" noChangeArrowheads="1"/>
+          </p:cNvPicPr>
+          <p:nvPr/>
+        </p:nvPicPr>
+        <p:blipFill>
+          <a:blip r:embed="rId3" cstate="print">
+            <a:extLst>
+              <a:ext uri="{28A0092B-C50C-407E-A947-70E740481C1C}">
+                <a14:useLocalDpi xmlns:a14="http://schemas.microsoft.com/office/drawing/2010/main" val="0"/>
+              </a:ext>
+            </a:extLst>
+          </a:blip>
+          <a:srcRect/>
+          <a:stretch>
+            <a:fillRect/>
+          </a:stretch>
+        </p:blipFill>
+        <p:spPr bwMode="auto">
+          <a:xfrm>
+            <a:off x="2348177" y="5173388"/>
+            <a:ext cx="811785" cy="597175"/>
+          </a:xfrm>
+          <a:prstGeom prst="rect">
+            <a:avLst/>
+          </a:prstGeom>
+          <a:noFill/>
+          <a:extLst>
+            <a:ext uri="{909E8E84-426E-40DD-AFC4-6F175D3DCCD1}">
+              <a14:hiddenFill xmlns:a14="http://schemas.microsoft.com/office/drawing/2010/main">
+                <a:solidFill>
+                  <a:srgbClr val="FFFFFF"/>
+                </a:solidFill>
+              </a14:hiddenFill>
+            </a:ext>
+          </a:extLst>
+        </p:spPr>
+      </p:pic>
+      <p:pic>
+        <p:nvPicPr>
+          <p:cNvPr id="16" name="Рисунок 15" descr="Изображение выглядит как мебель&#10;&#10;Описание создано с высокой степенью достоверности">
+            <a:extLst>
+              <a:ext uri="{FF2B5EF4-FFF2-40B4-BE49-F238E27FC236}">
+                <a16:creationId xmlns:a16="http://schemas.microsoft.com/office/drawing/2014/main" id="{8AE044DF-A069-4E0E-A1A1-A4F1BB37896B}"/>
+              </a:ext>
+            </a:extLst>
+          </p:cNvPr>
+          <p:cNvPicPr>
+            <a:picLocks noChangeAspect="1"/>
+          </p:cNvPicPr>
+          <p:nvPr/>
+        </p:nvPicPr>
+        <p:blipFill>
+          <a:blip r:embed="rId4" cstate="print">
+            <a:extLst>
+              <a:ext uri="{28A0092B-C50C-407E-A947-70E740481C1C}">
+                <a14:useLocalDpi xmlns:a14="http://schemas.microsoft.com/office/drawing/2010/main" val="0"/>
+              </a:ext>
+            </a:extLst>
+          </a:blip>
+          <a:stretch>
+            <a:fillRect/>
+          </a:stretch>
+        </p:blipFill>
+        <p:spPr>
+          <a:xfrm>
+            <a:off x="7327580" y="4579906"/>
+            <a:ext cx="1754043" cy="1754043"/>
+          </a:xfrm>
+          <a:prstGeom prst="rect">
+            <a:avLst/>
+          </a:prstGeom>
+        </p:spPr>
+      </p:pic>
+      <p:sp>
+        <p:nvSpPr>
+          <p:cNvPr id="17" name="Стрелка: вправо 16">
+            <a:extLst>
+              <a:ext uri="{FF2B5EF4-FFF2-40B4-BE49-F238E27FC236}">
+                <a16:creationId xmlns:a16="http://schemas.microsoft.com/office/drawing/2014/main" id="{D94839EE-3313-48D8-9EA3-80CDDF686A8D}"/>
+              </a:ext>
+            </a:extLst>
+          </p:cNvPr>
+          <p:cNvSpPr/>
+          <p:nvPr/>
+        </p:nvSpPr>
+        <p:spPr>
+          <a:xfrm>
+            <a:off x="2447315" y="5722831"/>
+            <a:ext cx="703970" cy="333526"/>
+          </a:xfrm>
+          <a:prstGeom prst="rightArrow">
+            <a:avLst/>
+          </a:prstGeom>
+        </p:spPr>
+        <p:style>
+          <a:lnRef idx="2">
+            <a:schemeClr val="accent1">
+              <a:shade val="50000"/>
+            </a:schemeClr>
+          </a:lnRef>
+          <a:fillRef idx="1">
+            <a:schemeClr val="accent1"/>
+          </a:fillRef>
+          <a:effectRef idx="0">
+            <a:schemeClr val="accent1"/>
+          </a:effectRef>
+          <a:fontRef idx="minor">
+            <a:schemeClr val="lt1"/>
+          </a:fontRef>
+        </p:style>
+        <p:txBody>
+          <a:bodyPr rtlCol="0" anchor="ctr"/>
+          <a:lstStyle/>
+          <a:p>
+            <a:pPr algn="ctr"/>
+            <a:endParaRPr lang="ru-RU"/>
+          </a:p>
+        </p:txBody>
+      </p:sp>
+      <p:sp>
+        <p:nvSpPr>
+          <p:cNvPr id="18" name="Стрелка: вправо 17">
+            <a:extLst>
+              <a:ext uri="{FF2B5EF4-FFF2-40B4-BE49-F238E27FC236}">
+                <a16:creationId xmlns:a16="http://schemas.microsoft.com/office/drawing/2014/main" id="{B12F59AB-CD0B-4404-BC19-2D3B974DDDF2}"/>
+              </a:ext>
+            </a:extLst>
+          </p:cNvPr>
+          <p:cNvSpPr/>
+          <p:nvPr/>
+        </p:nvSpPr>
+        <p:spPr>
+          <a:xfrm>
+            <a:off x="6469222" y="5643847"/>
+            <a:ext cx="1155757" cy="333526"/>
+          </a:xfrm>
+          <a:prstGeom prst="rightArrow">
+            <a:avLst/>
+          </a:prstGeom>
+        </p:spPr>
+        <p:style>
+          <a:lnRef idx="2">
+            <a:schemeClr val="accent1">
+              <a:shade val="50000"/>
+            </a:schemeClr>
+          </a:lnRef>
+          <a:fillRef idx="1">
+            <a:schemeClr val="accent1"/>
+          </a:fillRef>
+          <a:effectRef idx="0">
+            <a:schemeClr val="accent1"/>
+          </a:effectRef>
+          <a:fontRef idx="minor">
+            <a:schemeClr val="lt1"/>
+          </a:fontRef>
+        </p:style>
+        <p:txBody>
+          <a:bodyPr rtlCol="0" anchor="ctr"/>
+          <a:lstStyle/>
+          <a:p>
+            <a:pPr algn="ctr"/>
+            <a:endParaRPr lang="ru-RU"/>
+          </a:p>
+        </p:txBody>
+      </p:sp>
+      <p:sp>
+        <p:nvSpPr>
+          <p:cNvPr id="19" name="Прямоугольник 18">
+            <a:extLst>
+              <a:ext uri="{FF2B5EF4-FFF2-40B4-BE49-F238E27FC236}">
+                <a16:creationId xmlns:a16="http://schemas.microsoft.com/office/drawing/2014/main" id="{B54B515C-0DDD-4052-A85A-8E8509A44B4C}"/>
+              </a:ext>
+            </a:extLst>
+          </p:cNvPr>
+          <p:cNvSpPr/>
+          <p:nvPr/>
+        </p:nvSpPr>
+        <p:spPr>
+          <a:xfrm>
+            <a:off x="7939945" y="6328092"/>
+            <a:ext cx="529312" cy="307777"/>
+          </a:xfrm>
+          <a:prstGeom prst="rect">
+            <a:avLst/>
+          </a:prstGeom>
+          <a:noFill/>
+        </p:spPr>
+        <p:txBody>
+          <a:bodyPr wrap="none" lIns="91440" tIns="45720" rIns="91440" bIns="45720">
+            <a:spAutoFit/>
+          </a:bodyPr>
+          <a:lstStyle/>
+          <a:p>
+            <a:pPr algn="ctr"/>
+            <a:r>
+              <a:rPr lang="ru-RU" sz="1400" dirty="0">
+                <a:ln w="0"/>
+                <a:effectLst>
+                  <a:outerShdw blurRad="38100" dist="19050" dir="2700000" algn="tl" rotWithShape="0">
+                    <a:schemeClr val="dk1">
+                      <a:alpha val="40000"/>
+                    </a:schemeClr>
+                  </a:outerShdw>
+                </a:effectLst>
+              </a:rPr>
+              <a:t>Вася</a:t>
+            </a:r>
+            <a:endParaRPr lang="ru-RU" sz="1400" b="0" cap="none" spc="0" dirty="0">
+              <a:ln w="0"/>
+              <a:solidFill>
+                <a:schemeClr val="tx1"/>
+              </a:solidFill>
+              <a:effectLst>
+                <a:outerShdw blurRad="38100" dist="19050" dir="2700000" algn="tl" rotWithShape="0">
+                  <a:schemeClr val="dk1">
+                    <a:alpha val="40000"/>
+                  </a:schemeClr>
+                </a:outerShdw>
+              </a:effectLst>
+            </a:endParaRPr>
+          </a:p>
+        </p:txBody>
+      </p:sp>
+      <p:sp>
+        <p:nvSpPr>
+          <p:cNvPr id="20" name="Прямоугольник 19">
+            <a:extLst>
+              <a:ext uri="{FF2B5EF4-FFF2-40B4-BE49-F238E27FC236}">
+                <a16:creationId xmlns:a16="http://schemas.microsoft.com/office/drawing/2014/main" id="{261EBE4A-FF66-41E6-8FA5-B1321478DAE0}"/>
+              </a:ext>
+            </a:extLst>
+          </p:cNvPr>
+          <p:cNvSpPr/>
+          <p:nvPr/>
+        </p:nvSpPr>
+        <p:spPr>
+          <a:xfrm>
+            <a:off x="6486821" y="5396550"/>
+            <a:ext cx="886398" cy="307777"/>
+          </a:xfrm>
+          <a:prstGeom prst="rect">
+            <a:avLst/>
+          </a:prstGeom>
+          <a:noFill/>
+        </p:spPr>
+        <p:txBody>
+          <a:bodyPr wrap="none" lIns="91440" tIns="45720" rIns="91440" bIns="45720">
+            <a:spAutoFit/>
+          </a:bodyPr>
+          <a:lstStyle/>
+          <a:p>
+            <a:pPr algn="ctr"/>
+            <a:r>
+              <a:rPr lang="ru-RU" sz="1400" b="0" cap="none" spc="0" dirty="0">
+                <a:ln w="0"/>
+                <a:solidFill>
+                  <a:schemeClr val="tx1"/>
+                </a:solidFill>
+                <a:effectLst>
+                  <a:outerShdw blurRad="38100" dist="19050" dir="2700000" algn="tl" rotWithShape="0">
+                    <a:schemeClr val="dk1">
+                      <a:alpha val="40000"/>
+                    </a:schemeClr>
+                  </a:outerShdw>
+                </a:effectLst>
+              </a:rPr>
+              <a:t>Это Вася!</a:t>
+            </a:r>
+          </a:p>
+        </p:txBody>
+      </p:sp>
+      <p:pic>
+        <p:nvPicPr>
+          <p:cNvPr id="21" name="Рисунок 20">
+            <a:extLst>
+              <a:ext uri="{FF2B5EF4-FFF2-40B4-BE49-F238E27FC236}">
+                <a16:creationId xmlns:a16="http://schemas.microsoft.com/office/drawing/2014/main" id="{5F43DB7F-3CF1-4DFC-BEE3-35982EC33C30}"/>
+              </a:ext>
+            </a:extLst>
+          </p:cNvPr>
+          <p:cNvPicPr>
+            <a:picLocks noChangeAspect="1"/>
+          </p:cNvPicPr>
+          <p:nvPr/>
+        </p:nvPicPr>
+        <p:blipFill>
+          <a:blip r:embed="rId5"/>
+          <a:stretch>
+            <a:fillRect/>
+          </a:stretch>
+        </p:blipFill>
+        <p:spPr>
+          <a:xfrm>
+            <a:off x="371492" y="4475620"/>
+            <a:ext cx="8401016" cy="573074"/>
+          </a:xfrm>
+          <a:prstGeom prst="rect">
+            <a:avLst/>
+          </a:prstGeom>
+        </p:spPr>
+      </p:pic>
+    </p:spTree>
+    <p:extLst>
+      <p:ext uri="{BB962C8B-B14F-4D97-AF65-F5344CB8AC3E}">
+        <p14:creationId xmlns:p14="http://schemas.microsoft.com/office/powerpoint/2010/main" val="3758895329"/>
+      </p:ext>
+    </p:extLst>
+  </p:cSld>
+  <p:clrMapOvr>
+    <a:masterClrMapping/>
+  </p:clrMapOvr>
+</p:sld>
+</file>
+
+<file path=ppt/slides/slide4.xml><?xml version="1.0" encoding="utf-8"?>
+<p:sld xmlns:a="http://schemas.openxmlformats.org/drawingml/2006/main" xmlns:r="http://schemas.openxmlformats.org/officeDocument/2006/relationships" xmlns:p="http://schemas.openxmlformats.org/presentationml/2006/main">
+  <p:cSld>
+    <p:spTree>
+      <p:nvGrpSpPr>
+        <p:cNvPr id="1" name=""/>
+        <p:cNvGrpSpPr/>
+        <p:nvPr/>
+      </p:nvGrpSpPr>
+      <p:grpSpPr>
+        <a:xfrm>
+          <a:off x="0" y="0"/>
+          <a:ext cx="0" cy="0"/>
+          <a:chOff x="0" y="0"/>
+          <a:chExt cx="0" cy="0"/>
+        </a:xfrm>
+      </p:grpSpPr>
+      <p:sp>
+        <p:nvSpPr>
+          <p:cNvPr id="2" name="Заголовок 1">
+            <a:extLst>
+              <a:ext uri="{FF2B5EF4-FFF2-40B4-BE49-F238E27FC236}">
+                <a16:creationId xmlns:a16="http://schemas.microsoft.com/office/drawing/2014/main" id="{32A6C695-41CC-4440-AA94-6E4E28352071}"/>
+              </a:ext>
+            </a:extLst>
+          </p:cNvPr>
+          <p:cNvSpPr>
+            <a:spLocks noGrp="1"/>
+          </p:cNvSpPr>
+          <p:nvPr>
+            <p:ph type="title"/>
+          </p:nvPr>
+        </p:nvSpPr>
+        <p:spPr>
+          <a:xfrm>
+            <a:off x="628650" y="365126"/>
+            <a:ext cx="7886700" cy="410793"/>
+          </a:xfrm>
+        </p:spPr>
+        <p:txBody>
+          <a:bodyPr>
+            <a:normAutofit fontScale="90000"/>
+          </a:bodyPr>
+          <a:lstStyle/>
+          <a:p>
+            <a:pPr algn="ctr"/>
+            <a:r>
+              <a:rPr lang="ru-RU" dirty="0"/>
+              <a:t>Актуальность проекта</a:t>
+            </a:r>
+          </a:p>
+        </p:txBody>
+      </p:sp>
+      <p:pic>
+        <p:nvPicPr>
+          <p:cNvPr id="9" name="Рисунок 8" descr="Изображение выглядит как векторная графика&#10;&#10;Описание создано с очень высокой степенью достоверности">
+            <a:extLst>
+              <a:ext uri="{FF2B5EF4-FFF2-40B4-BE49-F238E27FC236}">
+                <a16:creationId xmlns:a16="http://schemas.microsoft.com/office/drawing/2014/main" id="{1DA16C6C-92EC-42E4-938D-B218CE9712FC}"/>
+              </a:ext>
+            </a:extLst>
+          </p:cNvPr>
+          <p:cNvPicPr>
+            <a:picLocks noChangeAspect="1"/>
+          </p:cNvPicPr>
+          <p:nvPr/>
+        </p:nvPicPr>
+        <p:blipFill>
+          <a:blip r:embed="rId2" cstate="print">
+            <a:extLst>
+              <a:ext uri="{28A0092B-C50C-407E-A947-70E740481C1C}">
+                <a14:useLocalDpi xmlns:a14="http://schemas.microsoft.com/office/drawing/2010/main" val="0"/>
+              </a:ext>
+            </a:extLst>
+          </a:blip>
+          <a:stretch>
+            <a:fillRect/>
+          </a:stretch>
+        </p:blipFill>
+        <p:spPr>
+          <a:xfrm>
+            <a:off x="-11277" y="570522"/>
+            <a:ext cx="2801888" cy="2101416"/>
+          </a:xfrm>
+          <a:prstGeom prst="rect">
+            <a:avLst/>
+          </a:prstGeom>
+        </p:spPr>
+      </p:pic>
+      <p:sp>
+        <p:nvSpPr>
+          <p:cNvPr id="10" name="Прямоугольник 9">
+            <a:extLst>
+              <a:ext uri="{FF2B5EF4-FFF2-40B4-BE49-F238E27FC236}">
+                <a16:creationId xmlns:a16="http://schemas.microsoft.com/office/drawing/2014/main" id="{E22A7955-9D7F-40A1-B8DD-DF60D89D0AB5}"/>
+              </a:ext>
+            </a:extLst>
+          </p:cNvPr>
+          <p:cNvSpPr/>
+          <p:nvPr/>
+        </p:nvSpPr>
+        <p:spPr>
+          <a:xfrm>
+            <a:off x="2205159" y="1043047"/>
+            <a:ext cx="4312719" cy="707886"/>
+          </a:xfrm>
+          <a:prstGeom prst="rect">
+            <a:avLst/>
+          </a:prstGeom>
+          <a:noFill/>
+        </p:spPr>
+        <p:txBody>
+          <a:bodyPr wrap="none" lIns="91440" tIns="45720" rIns="91440" bIns="45720">
+            <a:spAutoFit/>
+          </a:bodyPr>
+          <a:lstStyle/>
+          <a:p>
+            <a:pPr algn="ctr"/>
+            <a:r>
+              <a:rPr lang="en-US" sz="4000" b="0" cap="none" spc="0" dirty="0">
+                <a:ln w="0"/>
+                <a:solidFill>
+                  <a:schemeClr val="tx1"/>
+                </a:solidFill>
+                <a:effectLst>
+                  <a:outerShdw blurRad="38100" dist="19050" dir="2700000" algn="tl" rotWithShape="0">
+                    <a:schemeClr val="dk1">
+                      <a:alpha val="40000"/>
+                    </a:schemeClr>
+                  </a:outerShdw>
+                </a:effectLst>
+              </a:rPr>
+              <a:t>Browser Fingerprint</a:t>
+            </a:r>
+            <a:endParaRPr lang="ru-RU" sz="4000" b="0" cap="none" spc="0" dirty="0">
+              <a:ln w="0"/>
+              <a:solidFill>
+                <a:schemeClr val="tx1"/>
+              </a:solidFill>
+              <a:effectLst>
+                <a:outerShdw blurRad="38100" dist="19050" dir="2700000" algn="tl" rotWithShape="0">
+                  <a:schemeClr val="dk1">
+                    <a:alpha val="40000"/>
+                  </a:schemeClr>
+                </a:outerShdw>
+              </a:effectLst>
+            </a:endParaRPr>
+          </a:p>
+        </p:txBody>
+      </p:sp>
+      <p:sp>
+        <p:nvSpPr>
+          <p:cNvPr id="12" name="Прямоугольник 11">
+            <a:extLst>
+              <a:ext uri="{FF2B5EF4-FFF2-40B4-BE49-F238E27FC236}">
+                <a16:creationId xmlns:a16="http://schemas.microsoft.com/office/drawing/2014/main" id="{7098EA1B-808A-4975-BB87-2B93CB1F4E0B}"/>
+              </a:ext>
+            </a:extLst>
+          </p:cNvPr>
+          <p:cNvSpPr/>
+          <p:nvPr/>
+        </p:nvSpPr>
+        <p:spPr>
+          <a:xfrm>
+            <a:off x="3818065" y="1610953"/>
+            <a:ext cx="4682052" cy="923330"/>
+          </a:xfrm>
+          <a:prstGeom prst="rect">
+            <a:avLst/>
+          </a:prstGeom>
+          <a:noFill/>
+          <a:ln>
+            <a:noFill/>
+          </a:ln>
+        </p:spPr>
+        <p:style>
+          <a:lnRef idx="0">
+            <a:scrgbClr r="0" g="0" b="0"/>
+          </a:lnRef>
+          <a:fillRef idx="0">
+            <a:scrgbClr r="0" g="0" b="0"/>
+          </a:fillRef>
+          <a:effectRef idx="0">
+            <a:scrgbClr r="0" g="0" b="0"/>
+          </a:effectRef>
+          <a:fontRef idx="minor">
+            <a:schemeClr val="accent5"/>
+          </a:fontRef>
+        </p:style>
+        <p:txBody>
+          <a:bodyPr wrap="none" lIns="91440" tIns="45720" rIns="91440" bIns="45720">
+            <a:spAutoFit/>
+          </a:bodyPr>
+          <a:lstStyle/>
+          <a:p>
+            <a:pPr algn="ctr"/>
+            <a:r>
+              <a:rPr lang="ru-RU" sz="5400" b="1" dirty="0">
+                <a:ln w="6600">
+                  <a:solidFill>
+                    <a:schemeClr val="accent2"/>
+                  </a:solidFill>
+                  <a:prstDash val="solid"/>
+                </a:ln>
+                <a:solidFill>
+                  <a:schemeClr val="accent4">
+                    <a:lumMod val="20000"/>
+                    <a:lumOff val="80000"/>
+                  </a:schemeClr>
+                </a:solidFill>
+                <a:effectLst>
+                  <a:outerShdw dist="38100" dir="2700000" algn="tl" rotWithShape="0">
+                    <a:schemeClr val="accent2"/>
+                  </a:outerShdw>
+                </a:effectLst>
+              </a:rPr>
+              <a:t>не конкуренты</a:t>
+            </a:r>
+            <a:endParaRPr lang="ru-RU" sz="5400" b="1" cap="none" spc="0" dirty="0">
+              <a:ln w="6600">
+                <a:solidFill>
+                  <a:schemeClr val="accent2"/>
+                </a:solidFill>
+                <a:prstDash val="solid"/>
+              </a:ln>
+              <a:solidFill>
+                <a:schemeClr val="accent4">
+                  <a:lumMod val="20000"/>
+                  <a:lumOff val="80000"/>
+                </a:schemeClr>
+              </a:solidFill>
+              <a:effectLst>
+                <a:outerShdw dist="38100" dir="2700000" algn="tl" rotWithShape="0">
+                  <a:schemeClr val="accent2"/>
+                </a:outerShdw>
+              </a:effectLst>
+            </a:endParaRPr>
+          </a:p>
+        </p:txBody>
+      </p:sp>
+      <p:cxnSp>
+        <p:nvCxnSpPr>
+          <p:cNvPr id="25" name="Прямая со стрелкой 24">
+            <a:extLst>
+              <a:ext uri="{FF2B5EF4-FFF2-40B4-BE49-F238E27FC236}">
+                <a16:creationId xmlns:a16="http://schemas.microsoft.com/office/drawing/2014/main" id="{DF3B2A25-82FC-4171-815D-1B1ED49B5CFB}"/>
+              </a:ext>
+            </a:extLst>
+          </p:cNvPr>
+          <p:cNvCxnSpPr>
+            <a:cxnSpLocks/>
+          </p:cNvCxnSpPr>
+          <p:nvPr/>
+        </p:nvCxnSpPr>
+        <p:spPr>
+          <a:xfrm>
+            <a:off x="2790611" y="1700808"/>
+            <a:ext cx="1061309" cy="360040"/>
+          </a:xfrm>
+          <a:prstGeom prst="straightConnector1">
+            <a:avLst/>
+          </a:prstGeom>
+          <a:ln w="76200">
+            <a:tailEnd type="triangle"/>
+          </a:ln>
+        </p:spPr>
+        <p:style>
+          <a:lnRef idx="1">
+            <a:schemeClr val="accent1"/>
+          </a:lnRef>
+          <a:fillRef idx="0">
+            <a:schemeClr val="accent1"/>
+          </a:fillRef>
+          <a:effectRef idx="0">
+            <a:schemeClr val="accent1"/>
+          </a:effectRef>
+          <a:fontRef idx="minor">
+            <a:schemeClr val="tx1"/>
+          </a:fontRef>
+        </p:style>
+      </p:cxnSp>
+      <p:sp>
+        <p:nvSpPr>
+          <p:cNvPr id="17" name="Объект 2">
+            <a:extLst>
+              <a:ext uri="{FF2B5EF4-FFF2-40B4-BE49-F238E27FC236}">
+                <a16:creationId xmlns:a16="http://schemas.microsoft.com/office/drawing/2014/main" id="{E98000C1-DE8E-47F0-9D02-AB5BA4C1DB88}"/>
+              </a:ext>
+            </a:extLst>
+          </p:cNvPr>
+          <p:cNvSpPr>
+            <a:spLocks noGrp="1"/>
+          </p:cNvSpPr>
+          <p:nvPr>
+            <p:ph idx="1"/>
+          </p:nvPr>
+        </p:nvSpPr>
+        <p:spPr>
+          <a:xfrm>
+            <a:off x="0" y="2668409"/>
+            <a:ext cx="9143999" cy="4351338"/>
+          </a:xfrm>
+        </p:spPr>
+        <p:txBody>
+          <a:bodyPr>
+            <a:normAutofit lnSpcReduction="10000"/>
+          </a:bodyPr>
+          <a:lstStyle/>
+          <a:p>
+            <a:pPr fontAlgn="base"/>
+            <a:r>
+              <a:rPr lang="ru-RU" b="1" dirty="0"/>
+              <a:t>Отпечаток браузера (</a:t>
+            </a:r>
+            <a:r>
+              <a:rPr lang="ru-RU" b="1" dirty="0" err="1"/>
+              <a:t>Browser</a:t>
+            </a:r>
+            <a:r>
+              <a:rPr lang="ru-RU" b="1" dirty="0"/>
+              <a:t> </a:t>
+            </a:r>
+            <a:r>
+              <a:rPr lang="ru-RU" b="1" dirty="0" err="1"/>
+              <a:t>Fingerprint</a:t>
+            </a:r>
+            <a:r>
+              <a:rPr lang="ru-RU" b="1" dirty="0"/>
+              <a:t>)</a:t>
+            </a:r>
+            <a:r>
+              <a:rPr lang="ru-RU" dirty="0"/>
+              <a:t> – это уникальный идентификатор конфигураций веб-браузера и операционной системы, который формируется на основе собранных данных различными технологиями отслеживания.</a:t>
+            </a:r>
+          </a:p>
+          <a:p>
+            <a:pPr fontAlgn="base"/>
+            <a:r>
+              <a:rPr lang="ru-RU" dirty="0"/>
+              <a:t>Основное различие с нашей программой состоит в том, что мы работаем на сетевом уровне и используем только те данные, которые пользователь отправляет сам. В то время как отпечаток браузера в независимости от согласия пользователя.</a:t>
+            </a:r>
+          </a:p>
+          <a:p>
+            <a:pPr marL="0" indent="0" fontAlgn="base">
+              <a:buNone/>
+            </a:pPr>
+            <a:r>
+              <a:rPr lang="ru-RU" dirty="0"/>
+              <a:t>Почему наше круче:</a:t>
+            </a:r>
+          </a:p>
+          <a:p>
+            <a:pPr fontAlgn="base"/>
+            <a:r>
+              <a:rPr lang="ru-RU" dirty="0"/>
+              <a:t>Чтобы это работало, нужно чтобы пользователь зашел на конкретный сайт. Нам же достаточно того, чтобы пользователь просто подключился к сети.</a:t>
+            </a:r>
+          </a:p>
+          <a:p>
+            <a:pPr fontAlgn="base"/>
+            <a:r>
+              <a:rPr lang="ru-RU" dirty="0"/>
+              <a:t>Отпечаток легко изменить поменяв один из параметров, например размер окна браузера. Чтобы обмануть нашу программу, подобных действий крайне недостаточно. </a:t>
+            </a:r>
+          </a:p>
+        </p:txBody>
+      </p:sp>
+    </p:spTree>
+    <p:extLst>
+      <p:ext uri="{BB962C8B-B14F-4D97-AF65-F5344CB8AC3E}">
+        <p14:creationId xmlns:p14="http://schemas.microsoft.com/office/powerpoint/2010/main" val="4133648104"/>
+      </p:ext>
+    </p:extLst>
+  </p:cSld>
+  <p:clrMapOvr>
+    <a:masterClrMapping/>
+  </p:clrMapOvr>
+</p:sld>
+</file>
+
+<file path=ppt/slides/slide5.xml><?xml version="1.0" encoding="utf-8"?>
+<p:sld xmlns:a="http://schemas.openxmlformats.org/drawingml/2006/main" xmlns:r="http://schemas.openxmlformats.org/officeDocument/2006/relationships" xmlns:p="http://schemas.openxmlformats.org/presentationml/2006/main">
+  <p:cSld>
+    <p:spTree>
+      <p:nvGrpSpPr>
+        <p:cNvPr id="1" name=""/>
+        <p:cNvGrpSpPr/>
+        <p:nvPr/>
+      </p:nvGrpSpPr>
+      <p:grpSpPr>
+        <a:xfrm>
+          <a:off x="0" y="0"/>
+          <a:ext cx="0" cy="0"/>
+          <a:chOff x="0" y="0"/>
+          <a:chExt cx="0" cy="0"/>
+        </a:xfrm>
+      </p:grpSpPr>
+      <p:sp>
+        <p:nvSpPr>
+          <p:cNvPr id="2" name="Заголовок 1">
+            <a:extLst>
+              <a:ext uri="{FF2B5EF4-FFF2-40B4-BE49-F238E27FC236}">
+                <a16:creationId xmlns:a16="http://schemas.microsoft.com/office/drawing/2014/main" id="{32A6C695-41CC-4440-AA94-6E4E28352071}"/>
+              </a:ext>
+            </a:extLst>
+          </p:cNvPr>
+          <p:cNvSpPr>
+            <a:spLocks noGrp="1"/>
+          </p:cNvSpPr>
+          <p:nvPr>
+            <p:ph type="title"/>
+          </p:nvPr>
+        </p:nvSpPr>
+        <p:spPr>
+          <a:xfrm>
+            <a:off x="628650" y="365126"/>
+            <a:ext cx="7886700" cy="410793"/>
+          </a:xfrm>
+        </p:spPr>
+        <p:txBody>
+          <a:bodyPr>
+            <a:normAutofit fontScale="90000"/>
+          </a:bodyPr>
+          <a:lstStyle/>
+          <a:p>
+            <a:pPr algn="ctr"/>
+            <a:r>
+              <a:rPr lang="ru-RU" dirty="0"/>
+              <a:t>Актуальность проекта</a:t>
+            </a:r>
+          </a:p>
+        </p:txBody>
+      </p:sp>
+      <p:sp>
+        <p:nvSpPr>
+          <p:cNvPr id="4" name="Прямоугольник 3">
+            <a:extLst>
+              <a:ext uri="{FF2B5EF4-FFF2-40B4-BE49-F238E27FC236}">
+                <a16:creationId xmlns:a16="http://schemas.microsoft.com/office/drawing/2014/main" id="{482C89F9-12BE-4993-9BC7-A77C951BB519}"/>
+              </a:ext>
+            </a:extLst>
+          </p:cNvPr>
+          <p:cNvSpPr/>
+          <p:nvPr/>
+        </p:nvSpPr>
+        <p:spPr>
+          <a:xfrm>
+            <a:off x="97043" y="1621198"/>
+            <a:ext cx="3361818" cy="584775"/>
+          </a:xfrm>
+          <a:prstGeom prst="rect">
+            <a:avLst/>
+          </a:prstGeom>
+          <a:noFill/>
+        </p:spPr>
+        <p:txBody>
+          <a:bodyPr wrap="none" lIns="91440" tIns="45720" rIns="91440" bIns="45720">
+            <a:spAutoFit/>
+          </a:bodyPr>
+          <a:lstStyle/>
+          <a:p>
+            <a:pPr algn="ctr"/>
+            <a:r>
+              <a:rPr lang="en-US" sz="3200" dirty="0"/>
+              <a:t>04-7D-7B-97-0C-9F</a:t>
+            </a:r>
+            <a:endParaRPr lang="ru-RU" sz="3200" b="0" cap="none" spc="0" dirty="0">
+              <a:ln w="0"/>
+              <a:solidFill>
+                <a:schemeClr val="tx1"/>
+              </a:solidFill>
+              <a:effectLst>
+                <a:outerShdw blurRad="38100" dist="19050" dir="2700000" algn="tl" rotWithShape="0">
+                  <a:schemeClr val="dk1">
+                    <a:alpha val="40000"/>
+                  </a:schemeClr>
+                </a:outerShdw>
+              </a:effectLst>
+            </a:endParaRPr>
+          </a:p>
+        </p:txBody>
+      </p:sp>
+      <p:sp>
+        <p:nvSpPr>
+          <p:cNvPr id="5" name="Прямоугольник 4">
+            <a:extLst>
+              <a:ext uri="{FF2B5EF4-FFF2-40B4-BE49-F238E27FC236}">
+                <a16:creationId xmlns:a16="http://schemas.microsoft.com/office/drawing/2014/main" id="{36A36E01-6DF4-4A4D-BB35-3F3539212FF6}"/>
+              </a:ext>
+            </a:extLst>
+          </p:cNvPr>
+          <p:cNvSpPr/>
+          <p:nvPr/>
+        </p:nvSpPr>
+        <p:spPr>
+          <a:xfrm>
+            <a:off x="467625" y="1017786"/>
+            <a:ext cx="2620654" cy="707886"/>
+          </a:xfrm>
+          <a:prstGeom prst="rect">
+            <a:avLst/>
+          </a:prstGeom>
+          <a:noFill/>
+        </p:spPr>
+        <p:txBody>
+          <a:bodyPr wrap="none" lIns="91440" tIns="45720" rIns="91440" bIns="45720">
+            <a:spAutoFit/>
+          </a:bodyPr>
+          <a:lstStyle/>
+          <a:p>
+            <a:pPr algn="ctr"/>
+            <a:r>
+              <a:rPr lang="en-US" sz="4000" b="0" cap="none" spc="0" dirty="0">
+                <a:ln w="0"/>
+                <a:solidFill>
+                  <a:schemeClr val="tx1"/>
+                </a:solidFill>
+                <a:effectLst>
+                  <a:outerShdw blurRad="38100" dist="19050" dir="2700000" algn="tl" rotWithShape="0">
+                    <a:schemeClr val="dk1">
+                      <a:alpha val="40000"/>
+                    </a:schemeClr>
+                  </a:outerShdw>
+                </a:effectLst>
+              </a:rPr>
+              <a:t>MAC-</a:t>
+            </a:r>
+            <a:r>
+              <a:rPr lang="ru-RU" sz="4000" b="0" cap="none" spc="0" dirty="0">
+                <a:ln w="0"/>
+                <a:solidFill>
+                  <a:schemeClr val="tx1"/>
+                </a:solidFill>
+                <a:effectLst>
+                  <a:outerShdw blurRad="38100" dist="19050" dir="2700000" algn="tl" rotWithShape="0">
+                    <a:schemeClr val="dk1">
+                      <a:alpha val="40000"/>
+                    </a:schemeClr>
+                  </a:outerShdw>
+                </a:effectLst>
+              </a:rPr>
+              <a:t>адрес</a:t>
+            </a:r>
+          </a:p>
+        </p:txBody>
+      </p:sp>
+      <p:sp>
+        <p:nvSpPr>
+          <p:cNvPr id="13" name="Прямоугольник 12">
+            <a:extLst>
+              <a:ext uri="{FF2B5EF4-FFF2-40B4-BE49-F238E27FC236}">
+                <a16:creationId xmlns:a16="http://schemas.microsoft.com/office/drawing/2014/main" id="{9664BBC8-8FAA-4E4E-B217-E594B92F0844}"/>
+              </a:ext>
+            </a:extLst>
+          </p:cNvPr>
+          <p:cNvSpPr/>
+          <p:nvPr/>
+        </p:nvSpPr>
+        <p:spPr>
+          <a:xfrm>
+            <a:off x="4380179" y="1310173"/>
+            <a:ext cx="4135171" cy="830997"/>
+          </a:xfrm>
+          <a:prstGeom prst="rect">
+            <a:avLst/>
+          </a:prstGeom>
+          <a:noFill/>
+          <a:ln>
+            <a:noFill/>
+          </a:ln>
+        </p:spPr>
+        <p:style>
+          <a:lnRef idx="0">
+            <a:scrgbClr r="0" g="0" b="0"/>
+          </a:lnRef>
+          <a:fillRef idx="0">
+            <a:scrgbClr r="0" g="0" b="0"/>
+          </a:fillRef>
+          <a:effectRef idx="0">
+            <a:scrgbClr r="0" g="0" b="0"/>
+          </a:effectRef>
+          <a:fontRef idx="minor">
+            <a:schemeClr val="accent5"/>
+          </a:fontRef>
+        </p:style>
+        <p:txBody>
+          <a:bodyPr wrap="none" lIns="91440" tIns="45720" rIns="91440" bIns="45720">
+            <a:spAutoFit/>
+          </a:bodyPr>
+          <a:lstStyle/>
+          <a:p>
+            <a:pPr algn="ctr"/>
+            <a:r>
+              <a:rPr lang="ru-RU" sz="4800" b="1" dirty="0">
+                <a:ln w="6600">
+                  <a:solidFill>
+                    <a:schemeClr val="accent2"/>
+                  </a:solidFill>
+                  <a:prstDash val="solid"/>
+                </a:ln>
+                <a:solidFill>
+                  <a:schemeClr val="accent4">
+                    <a:lumMod val="20000"/>
+                    <a:lumOff val="80000"/>
+                  </a:schemeClr>
+                </a:solidFill>
+                <a:effectLst>
+                  <a:outerShdw dist="38100" dir="2700000" algn="tl" rotWithShape="0">
+                    <a:schemeClr val="accent2"/>
+                  </a:outerShdw>
+                </a:effectLst>
+              </a:rPr>
+              <a:t>н</a:t>
+            </a:r>
+            <a:r>
+              <a:rPr lang="ru-RU" sz="4800" b="1" cap="none" spc="0" dirty="0">
+                <a:ln w="6600">
+                  <a:solidFill>
+                    <a:schemeClr val="accent2"/>
+                  </a:solidFill>
+                  <a:prstDash val="solid"/>
+                </a:ln>
+                <a:solidFill>
+                  <a:schemeClr val="accent4">
+                    <a:lumMod val="20000"/>
+                    <a:lumOff val="80000"/>
+                  </a:schemeClr>
+                </a:solidFill>
+                <a:effectLst>
+                  <a:outerShdw dist="38100" dir="2700000" algn="tl" rotWithShape="0">
+                    <a:schemeClr val="accent2"/>
+                  </a:outerShdw>
+                </a:effectLst>
+              </a:rPr>
+              <a:t>е используем</a:t>
+            </a:r>
+          </a:p>
+        </p:txBody>
+      </p:sp>
+      <p:cxnSp>
+        <p:nvCxnSpPr>
+          <p:cNvPr id="20" name="Прямая соединительная линия 19">
+            <a:extLst>
+              <a:ext uri="{FF2B5EF4-FFF2-40B4-BE49-F238E27FC236}">
+                <a16:creationId xmlns:a16="http://schemas.microsoft.com/office/drawing/2014/main" id="{DF84E8E5-2381-42A6-8B1A-8CF4A5E98B25}"/>
+              </a:ext>
+            </a:extLst>
+          </p:cNvPr>
+          <p:cNvCxnSpPr>
+            <a:cxnSpLocks/>
+          </p:cNvCxnSpPr>
+          <p:nvPr/>
+        </p:nvCxnSpPr>
+        <p:spPr>
+          <a:xfrm>
+            <a:off x="810575" y="799915"/>
+            <a:ext cx="2016224" cy="1569660"/>
+          </a:xfrm>
+          <a:prstGeom prst="line">
+            <a:avLst/>
+          </a:prstGeom>
+          <a:ln w="76200">
+            <a:solidFill>
+              <a:srgbClr val="FF0000"/>
+            </a:solidFill>
+          </a:ln>
+        </p:spPr>
+        <p:style>
+          <a:lnRef idx="1">
+            <a:schemeClr val="accent1"/>
+          </a:lnRef>
+          <a:fillRef idx="0">
+            <a:schemeClr val="accent1"/>
+          </a:fillRef>
+          <a:effectRef idx="0">
+            <a:schemeClr val="accent1"/>
+          </a:effectRef>
+          <a:fontRef idx="minor">
+            <a:schemeClr val="tx1"/>
+          </a:fontRef>
+        </p:style>
+      </p:cxnSp>
+      <p:cxnSp>
+        <p:nvCxnSpPr>
+          <p:cNvPr id="22" name="Прямая соединительная линия 21">
+            <a:extLst>
+              <a:ext uri="{FF2B5EF4-FFF2-40B4-BE49-F238E27FC236}">
+                <a16:creationId xmlns:a16="http://schemas.microsoft.com/office/drawing/2014/main" id="{4E34B900-3916-44FB-9415-1A475192A25E}"/>
+              </a:ext>
+            </a:extLst>
+          </p:cNvPr>
+          <p:cNvCxnSpPr>
+            <a:cxnSpLocks/>
+          </p:cNvCxnSpPr>
+          <p:nvPr/>
+        </p:nvCxnSpPr>
+        <p:spPr>
+          <a:xfrm flipV="1">
+            <a:off x="701495" y="764780"/>
+            <a:ext cx="1765264" cy="1604795"/>
+          </a:xfrm>
+          <a:prstGeom prst="line">
+            <a:avLst/>
+          </a:prstGeom>
+          <a:ln w="76200">
+            <a:solidFill>
+              <a:srgbClr val="FF0000"/>
+            </a:solidFill>
+          </a:ln>
+        </p:spPr>
+        <p:style>
+          <a:lnRef idx="1">
+            <a:schemeClr val="accent1"/>
+          </a:lnRef>
+          <a:fillRef idx="0">
+            <a:schemeClr val="accent1"/>
+          </a:fillRef>
+          <a:effectRef idx="0">
+            <a:schemeClr val="accent1"/>
+          </a:effectRef>
+          <a:fontRef idx="minor">
+            <a:schemeClr val="tx1"/>
+          </a:fontRef>
+        </p:style>
+      </p:cxnSp>
+      <p:cxnSp>
+        <p:nvCxnSpPr>
+          <p:cNvPr id="28" name="Прямая со стрелкой 27">
+            <a:extLst>
+              <a:ext uri="{FF2B5EF4-FFF2-40B4-BE49-F238E27FC236}">
+                <a16:creationId xmlns:a16="http://schemas.microsoft.com/office/drawing/2014/main" id="{72CC0850-3D1E-48F4-B35D-AAA32A052B0C}"/>
+              </a:ext>
+            </a:extLst>
+          </p:cNvPr>
+          <p:cNvCxnSpPr>
+            <a:cxnSpLocks/>
+            <a:stCxn id="13" idx="1"/>
+          </p:cNvCxnSpPr>
+          <p:nvPr/>
+        </p:nvCxnSpPr>
+        <p:spPr>
+          <a:xfrm flipH="1" flipV="1">
+            <a:off x="3197359" y="1567177"/>
+            <a:ext cx="1182820" cy="158495"/>
+          </a:xfrm>
+          <a:prstGeom prst="straightConnector1">
+            <a:avLst/>
+          </a:prstGeom>
+          <a:ln w="76200">
+            <a:tailEnd type="triangle"/>
+          </a:ln>
+        </p:spPr>
+        <p:style>
+          <a:lnRef idx="1">
+            <a:schemeClr val="accent1"/>
+          </a:lnRef>
+          <a:fillRef idx="0">
+            <a:schemeClr val="accent1"/>
+          </a:fillRef>
+          <a:effectRef idx="0">
+            <a:schemeClr val="accent1"/>
+          </a:effectRef>
+          <a:fontRef idx="minor">
+            <a:schemeClr val="tx1"/>
+          </a:fontRef>
+        </p:style>
+      </p:cxnSp>
+      <p:sp>
+        <p:nvSpPr>
+          <p:cNvPr id="17" name="Объект 2">
+            <a:extLst>
+              <a:ext uri="{FF2B5EF4-FFF2-40B4-BE49-F238E27FC236}">
+                <a16:creationId xmlns:a16="http://schemas.microsoft.com/office/drawing/2014/main" id="{FF284E7D-5698-4462-AB30-087AE4C81580}"/>
+              </a:ext>
+            </a:extLst>
+          </p:cNvPr>
+          <p:cNvSpPr>
+            <a:spLocks noGrp="1"/>
+          </p:cNvSpPr>
+          <p:nvPr>
+            <p:ph idx="1"/>
+          </p:nvPr>
+        </p:nvSpPr>
+        <p:spPr>
+          <a:xfrm>
+            <a:off x="0" y="2668409"/>
+            <a:ext cx="9143999" cy="4351338"/>
+          </a:xfrm>
+        </p:spPr>
+        <p:txBody>
+          <a:bodyPr>
+            <a:normAutofit/>
+          </a:bodyPr>
+          <a:lstStyle/>
+          <a:p>
+            <a:pPr fontAlgn="base"/>
+            <a:r>
+              <a:rPr lang="ru-RU" dirty="0"/>
+              <a:t>Возникает вопрос, если пользователи работают в нашей сети, почему бы нам не использовать </a:t>
+            </a:r>
+            <a:r>
+              <a:rPr lang="en-US" dirty="0"/>
+              <a:t>MAC-</a:t>
+            </a:r>
+            <a:r>
+              <a:rPr lang="ru-RU" dirty="0"/>
+              <a:t>адрес для идентификации пользователей, ведь </a:t>
+            </a:r>
+            <a:r>
+              <a:rPr lang="en-US" dirty="0"/>
+              <a:t>MAC-</a:t>
+            </a:r>
+            <a:r>
+              <a:rPr lang="ru-RU" dirty="0"/>
+              <a:t>адрес уникален для каждого устройства. </a:t>
+            </a:r>
+            <a:endParaRPr lang="en-US" dirty="0"/>
+          </a:p>
+          <a:p>
+            <a:pPr marL="0" indent="0" fontAlgn="base">
+              <a:buNone/>
+            </a:pPr>
+            <a:r>
+              <a:rPr lang="ru-RU" dirty="0"/>
+              <a:t>Наш ответ довольно прост и интуитивно понятен:</a:t>
+            </a:r>
+          </a:p>
+          <a:p>
+            <a:pPr fontAlgn="base"/>
+            <a:r>
+              <a:rPr lang="ru-RU" dirty="0"/>
+              <a:t>Современные сетевые карты позволяют с легкостью менять </a:t>
+            </a:r>
+            <a:r>
+              <a:rPr lang="en-US" dirty="0"/>
+              <a:t>MAC-</a:t>
+            </a:r>
+            <a:r>
+              <a:rPr lang="ru-RU" dirty="0"/>
+              <a:t>адреса. Поэтому подобное распознавание будет видеть при каждой такой смене - нового пользователя. К тому же такую систему легко обмануть, если злоумышленник выдаст себя за проверенного пользователя, если присвоит себе его </a:t>
+            </a:r>
+            <a:r>
+              <a:rPr lang="en-US" dirty="0"/>
+              <a:t>MAC-</a:t>
+            </a:r>
+            <a:r>
+              <a:rPr lang="ru-RU" dirty="0"/>
+              <a:t>адрес.</a:t>
+            </a:r>
+          </a:p>
+          <a:p>
+            <a:pPr marL="0" indent="0" fontAlgn="base">
+              <a:buNone/>
+            </a:pPr>
+            <a:r>
+              <a:rPr lang="ru-RU" dirty="0"/>
+              <a:t>Что же делает наша программа:</a:t>
+            </a:r>
+          </a:p>
+          <a:p>
+            <a:pPr fontAlgn="base"/>
+            <a:r>
+              <a:rPr lang="ru-RU" dirty="0"/>
+              <a:t>Она анализирует «сетевой характер» пользователя, который подделать, даже зная параметры конфигурации, очень сложно.</a:t>
+            </a:r>
+          </a:p>
+        </p:txBody>
+      </p:sp>
+    </p:spTree>
+    <p:extLst>
+      <p:ext uri="{BB962C8B-B14F-4D97-AF65-F5344CB8AC3E}">
+        <p14:creationId xmlns:p14="http://schemas.microsoft.com/office/powerpoint/2010/main" val="1350224919"/>
+      </p:ext>
+    </p:extLst>
+  </p:cSld>
+  <p:clrMapOvr>
+    <a:masterClrMapping/>
+  </p:clrMapOvr>
+</p:sld>
+</file>
+
 <file path=ppt/slides/slide6.xml><?xml version="1.0" encoding="utf-8"?>
 <p:sld xmlns:a="http://schemas.openxmlformats.org/drawingml/2006/main" xmlns:r="http://schemas.openxmlformats.org/officeDocument/2006/relationships" xmlns:p="http://schemas.openxmlformats.org/presentationml/2006/main">
   <p:cSld>
@@ -9619,7 +10496,7 @@
           <p:cNvPr id="2" name="Заголовок 1">
             <a:extLst>
               <a:ext uri="{FF2B5EF4-FFF2-40B4-BE49-F238E27FC236}">
-                <a16:creationId xmlns:a16="http://schemas.microsoft.com/office/drawing/2014/main" id="{A21DC0B1-0EE6-4BBE-83B3-7F277E45C4FB}"/>
+                <a16:creationId xmlns:a16="http://schemas.microsoft.com/office/drawing/2014/main" id="{32A6C695-41CC-4440-AA94-6E4E28352071}"/>
               </a:ext>
             </a:extLst>
           </p:cNvPr>
@@ -9632,8 +10509,462 @@
         </p:nvSpPr>
         <p:spPr>
           <a:xfrm>
-            <a:off x="628650" y="188641"/>
-            <a:ext cx="7886700" cy="936104"/>
+            <a:off x="628650" y="365126"/>
+            <a:ext cx="7886700" cy="410793"/>
+          </a:xfrm>
+        </p:spPr>
+        <p:txBody>
+          <a:bodyPr>
+            <a:normAutofit fontScale="90000"/>
+          </a:bodyPr>
+          <a:lstStyle/>
+          <a:p>
+            <a:pPr algn="ctr"/>
+            <a:r>
+              <a:rPr lang="ru-RU" dirty="0"/>
+              <a:t>Актуальность проекта</a:t>
+            </a:r>
+          </a:p>
+        </p:txBody>
+      </p:sp>
+      <p:sp>
+        <p:nvSpPr>
+          <p:cNvPr id="6" name="Прямоугольник 5">
+            <a:extLst>
+              <a:ext uri="{FF2B5EF4-FFF2-40B4-BE49-F238E27FC236}">
+                <a16:creationId xmlns:a16="http://schemas.microsoft.com/office/drawing/2014/main" id="{9A1BFAAE-CC69-422A-82B2-E0528F2E1740}"/>
+              </a:ext>
+            </a:extLst>
+          </p:cNvPr>
+          <p:cNvSpPr/>
+          <p:nvPr/>
+        </p:nvSpPr>
+        <p:spPr>
+          <a:xfrm>
+            <a:off x="4631318" y="5494546"/>
+            <a:ext cx="3390480" cy="369332"/>
+          </a:xfrm>
+          <a:prstGeom prst="rect">
+            <a:avLst/>
+          </a:prstGeom>
+          <a:noFill/>
+        </p:spPr>
+        <p:txBody>
+          <a:bodyPr wrap="none" lIns="91440" tIns="45720" rIns="91440" bIns="45720">
+            <a:spAutoFit/>
+          </a:bodyPr>
+          <a:lstStyle/>
+          <a:p>
+            <a:pPr algn="ctr"/>
+            <a:r>
+              <a:rPr lang="pt-BR" dirty="0"/>
+              <a:t>21DA:D3::2F3B:2AA:FF:FE28:9C5A</a:t>
+            </a:r>
+            <a:endParaRPr lang="ru-RU" sz="3200" b="0" cap="none" spc="0" dirty="0">
+              <a:ln w="0"/>
+              <a:solidFill>
+                <a:schemeClr val="tx1"/>
+              </a:solidFill>
+              <a:effectLst>
+                <a:outerShdw blurRad="38100" dist="19050" dir="2700000" algn="tl" rotWithShape="0">
+                  <a:schemeClr val="dk1">
+                    <a:alpha val="40000"/>
+                  </a:schemeClr>
+                </a:outerShdw>
+              </a:effectLst>
+            </a:endParaRPr>
+          </a:p>
+        </p:txBody>
+      </p:sp>
+      <p:sp>
+        <p:nvSpPr>
+          <p:cNvPr id="7" name="Прямоугольник 6">
+            <a:extLst>
+              <a:ext uri="{FF2B5EF4-FFF2-40B4-BE49-F238E27FC236}">
+                <a16:creationId xmlns:a16="http://schemas.microsoft.com/office/drawing/2014/main" id="{5D6A9DD4-AFFD-4904-86A4-2B70D044E0C2}"/>
+              </a:ext>
+            </a:extLst>
+          </p:cNvPr>
+          <p:cNvSpPr/>
+          <p:nvPr/>
+        </p:nvSpPr>
+        <p:spPr>
+          <a:xfrm>
+            <a:off x="5076056" y="4891134"/>
+            <a:ext cx="2501006" cy="707886"/>
+          </a:xfrm>
+          <a:prstGeom prst="rect">
+            <a:avLst/>
+          </a:prstGeom>
+          <a:noFill/>
+        </p:spPr>
+        <p:txBody>
+          <a:bodyPr wrap="none" lIns="91440" tIns="45720" rIns="91440" bIns="45720">
+            <a:spAutoFit/>
+          </a:bodyPr>
+          <a:lstStyle/>
+          <a:p>
+            <a:pPr algn="ctr"/>
+            <a:r>
+              <a:rPr lang="en-US" sz="4000" dirty="0">
+                <a:ln w="0"/>
+                <a:effectLst>
+                  <a:outerShdw blurRad="38100" dist="19050" dir="2700000" algn="tl" rotWithShape="0">
+                    <a:schemeClr val="dk1">
+                      <a:alpha val="40000"/>
+                    </a:schemeClr>
+                  </a:outerShdw>
+                </a:effectLst>
+              </a:rPr>
+              <a:t>IPv6</a:t>
+            </a:r>
+            <a:r>
+              <a:rPr lang="en-US" sz="4000" b="0" cap="none" spc="0" dirty="0">
+                <a:ln w="0"/>
+                <a:solidFill>
+                  <a:schemeClr val="tx1"/>
+                </a:solidFill>
+                <a:effectLst>
+                  <a:outerShdw blurRad="38100" dist="19050" dir="2700000" algn="tl" rotWithShape="0">
+                    <a:schemeClr val="dk1">
+                      <a:alpha val="40000"/>
+                    </a:schemeClr>
+                  </a:outerShdw>
+                </a:effectLst>
+              </a:rPr>
+              <a:t>-</a:t>
+            </a:r>
+            <a:r>
+              <a:rPr lang="ru-RU" sz="4000" b="0" cap="none" spc="0" dirty="0">
+                <a:ln w="0"/>
+                <a:solidFill>
+                  <a:schemeClr val="tx1"/>
+                </a:solidFill>
+                <a:effectLst>
+                  <a:outerShdw blurRad="38100" dist="19050" dir="2700000" algn="tl" rotWithShape="0">
+                    <a:schemeClr val="dk1">
+                      <a:alpha val="40000"/>
+                    </a:schemeClr>
+                  </a:outerShdw>
+                </a:effectLst>
+              </a:rPr>
+              <a:t>адрес</a:t>
+            </a:r>
+          </a:p>
+        </p:txBody>
+      </p:sp>
+      <p:sp>
+        <p:nvSpPr>
+          <p:cNvPr id="14" name="Прямоугольник 13">
+            <a:extLst>
+              <a:ext uri="{FF2B5EF4-FFF2-40B4-BE49-F238E27FC236}">
+                <a16:creationId xmlns:a16="http://schemas.microsoft.com/office/drawing/2014/main" id="{6DE3CE37-0EA8-4C67-9950-8468FF2C1062}"/>
+              </a:ext>
+            </a:extLst>
+          </p:cNvPr>
+          <p:cNvSpPr/>
+          <p:nvPr/>
+        </p:nvSpPr>
+        <p:spPr>
+          <a:xfrm>
+            <a:off x="790512" y="4712881"/>
+            <a:ext cx="3262432" cy="1569660"/>
+          </a:xfrm>
+          <a:prstGeom prst="rect">
+            <a:avLst/>
+          </a:prstGeom>
+          <a:noFill/>
+          <a:ln>
+            <a:noFill/>
+          </a:ln>
+        </p:spPr>
+        <p:style>
+          <a:lnRef idx="0">
+            <a:scrgbClr r="0" g="0" b="0"/>
+          </a:lnRef>
+          <a:fillRef idx="0">
+            <a:scrgbClr r="0" g="0" b="0"/>
+          </a:fillRef>
+          <a:effectRef idx="0">
+            <a:scrgbClr r="0" g="0" b="0"/>
+          </a:effectRef>
+          <a:fontRef idx="minor">
+            <a:schemeClr val="accent5"/>
+          </a:fontRef>
+        </p:style>
+        <p:txBody>
+          <a:bodyPr wrap="none" lIns="91440" tIns="45720" rIns="91440" bIns="45720">
+            <a:spAutoFit/>
+          </a:bodyPr>
+          <a:lstStyle/>
+          <a:p>
+            <a:pPr algn="ctr"/>
+            <a:r>
+              <a:rPr lang="ru-RU" sz="4800" b="1" cap="none" spc="0" dirty="0">
+                <a:ln w="6600">
+                  <a:solidFill>
+                    <a:schemeClr val="accent2"/>
+                  </a:solidFill>
+                  <a:prstDash val="solid"/>
+                </a:ln>
+                <a:solidFill>
+                  <a:schemeClr val="accent4">
+                    <a:lumMod val="20000"/>
+                    <a:lumOff val="80000"/>
+                  </a:schemeClr>
+                </a:solidFill>
+                <a:effectLst>
+                  <a:outerShdw dist="38100" dir="2700000" algn="tl" rotWithShape="0">
+                    <a:schemeClr val="accent2"/>
+                  </a:outerShdw>
+                </a:effectLst>
+              </a:rPr>
+              <a:t>случайный </a:t>
+            </a:r>
+          </a:p>
+          <a:p>
+            <a:pPr algn="ctr"/>
+            <a:r>
+              <a:rPr lang="ru-RU" sz="4800" b="1" cap="none" spc="0" dirty="0">
+                <a:ln w="6600">
+                  <a:solidFill>
+                    <a:schemeClr val="accent2"/>
+                  </a:solidFill>
+                  <a:prstDash val="solid"/>
+                </a:ln>
+                <a:solidFill>
+                  <a:schemeClr val="accent4">
+                    <a:lumMod val="20000"/>
+                    <a:lumOff val="80000"/>
+                  </a:schemeClr>
+                </a:solidFill>
+                <a:effectLst>
+                  <a:outerShdw dist="38100" dir="2700000" algn="tl" rotWithShape="0">
+                    <a:schemeClr val="accent2"/>
+                  </a:outerShdw>
+                </a:effectLst>
+              </a:rPr>
+              <a:t>номер</a:t>
+            </a:r>
+          </a:p>
+        </p:txBody>
+      </p:sp>
+      <p:cxnSp>
+        <p:nvCxnSpPr>
+          <p:cNvPr id="31" name="Прямая со стрелкой 30">
+            <a:extLst>
+              <a:ext uri="{FF2B5EF4-FFF2-40B4-BE49-F238E27FC236}">
+                <a16:creationId xmlns:a16="http://schemas.microsoft.com/office/drawing/2014/main" id="{2E5778DD-1476-4170-A8BB-2133BFD96265}"/>
+              </a:ext>
+            </a:extLst>
+          </p:cNvPr>
+          <p:cNvCxnSpPr>
+            <a:cxnSpLocks/>
+          </p:cNvCxnSpPr>
+          <p:nvPr/>
+        </p:nvCxnSpPr>
+        <p:spPr>
+          <a:xfrm flipV="1">
+            <a:off x="3522676" y="5395506"/>
+            <a:ext cx="1283454" cy="283706"/>
+          </a:xfrm>
+          <a:prstGeom prst="straightConnector1">
+            <a:avLst/>
+          </a:prstGeom>
+          <a:ln w="76200">
+            <a:tailEnd type="triangle"/>
+          </a:ln>
+        </p:spPr>
+        <p:style>
+          <a:lnRef idx="1">
+            <a:schemeClr val="accent1"/>
+          </a:lnRef>
+          <a:fillRef idx="0">
+            <a:schemeClr val="accent1"/>
+          </a:fillRef>
+          <a:effectRef idx="0">
+            <a:schemeClr val="accent1"/>
+          </a:effectRef>
+          <a:fontRef idx="minor">
+            <a:schemeClr val="tx1"/>
+          </a:fontRef>
+        </p:style>
+      </p:cxnSp>
+      <p:sp>
+        <p:nvSpPr>
+          <p:cNvPr id="17" name="Объект 2">
+            <a:extLst>
+              <a:ext uri="{FF2B5EF4-FFF2-40B4-BE49-F238E27FC236}">
+                <a16:creationId xmlns:a16="http://schemas.microsoft.com/office/drawing/2014/main" id="{42C3181F-98F8-45CF-A9FC-1DC52550FC85}"/>
+              </a:ext>
+            </a:extLst>
+          </p:cNvPr>
+          <p:cNvSpPr>
+            <a:spLocks noGrp="1"/>
+          </p:cNvSpPr>
+          <p:nvPr>
+            <p:ph idx="1"/>
+          </p:nvPr>
+        </p:nvSpPr>
+        <p:spPr>
+          <a:xfrm>
+            <a:off x="144017" y="893739"/>
+            <a:ext cx="8892480" cy="4351338"/>
+          </a:xfrm>
+        </p:spPr>
+        <p:txBody>
+          <a:bodyPr>
+            <a:normAutofit/>
+          </a:bodyPr>
+          <a:lstStyle/>
+          <a:p>
+            <a:pPr fontAlgn="base"/>
+            <a:r>
+              <a:rPr lang="ru-RU" dirty="0"/>
+              <a:t>В скором будущем нас всех ждет переход</a:t>
+            </a:r>
+            <a:r>
+              <a:rPr lang="en-US" dirty="0"/>
+              <a:t> </a:t>
+            </a:r>
+            <a:r>
+              <a:rPr lang="ru-RU" dirty="0"/>
+              <a:t>с </a:t>
+            </a:r>
+            <a:r>
+              <a:rPr lang="en-US" dirty="0"/>
+              <a:t>IPv4-</a:t>
+            </a:r>
+            <a:r>
+              <a:rPr lang="ru-RU" dirty="0"/>
+              <a:t>адресов на </a:t>
+            </a:r>
+            <a:r>
+              <a:rPr lang="en-US" dirty="0"/>
+              <a:t>IPv6-</a:t>
+            </a:r>
+            <a:r>
+              <a:rPr lang="ru-RU" dirty="0"/>
+              <a:t>адреса. Что же это означает? </a:t>
+            </a:r>
+          </a:p>
+          <a:p>
+            <a:pPr marL="0" indent="0" fontAlgn="base">
+              <a:buNone/>
+            </a:pPr>
+            <a:r>
+              <a:rPr lang="ru-RU" dirty="0"/>
+              <a:t>Что методы распознавания по </a:t>
+            </a:r>
+            <a:r>
+              <a:rPr lang="en-US" dirty="0"/>
+              <a:t>MAC-</a:t>
+            </a:r>
+            <a:r>
+              <a:rPr lang="ru-RU" dirty="0"/>
+              <a:t>адресу перестанут работать. А в системе с </a:t>
+            </a:r>
+            <a:r>
+              <a:rPr lang="en-US" dirty="0"/>
+              <a:t>IPv6-</a:t>
+            </a:r>
+            <a:r>
+              <a:rPr lang="ru-RU" dirty="0"/>
+              <a:t>устройства могут самостоятельно случайным образом генерировать свой </a:t>
+            </a:r>
+            <a:r>
+              <a:rPr lang="en-US" dirty="0"/>
+              <a:t>IPv6-</a:t>
+            </a:r>
+            <a:r>
+              <a:rPr lang="ru-RU" dirty="0"/>
+              <a:t>адрес. Это означает что при каждом входе в сеть конкретного пользователя, мы будем «видеть» в нём нового пользователя.</a:t>
+            </a:r>
+          </a:p>
+          <a:p>
+            <a:pPr fontAlgn="base"/>
+            <a:r>
+              <a:rPr lang="ru-RU" dirty="0"/>
+              <a:t>Нас же это не страшит! </a:t>
+            </a:r>
+          </a:p>
+          <a:p>
+            <a:pPr marL="0" indent="0" fontAlgn="base">
+              <a:buNone/>
+            </a:pPr>
+            <a:r>
+              <a:rPr lang="ru-RU" dirty="0"/>
+              <a:t>Мы изначально абстрагируемся от анализа его адреса в сети, что позволяет нам работать с протоколами </a:t>
+            </a:r>
+            <a:r>
+              <a:rPr lang="en-US" dirty="0"/>
+              <a:t>IPv4 </a:t>
+            </a:r>
+            <a:r>
+              <a:rPr lang="ru-RU" dirty="0"/>
+              <a:t>и </a:t>
+            </a:r>
+            <a:r>
+              <a:rPr lang="en-US" dirty="0"/>
+              <a:t>IPv6 </a:t>
+            </a:r>
+            <a:r>
+              <a:rPr lang="ru-RU" dirty="0"/>
+              <a:t>одинаково хорошо.</a:t>
+            </a:r>
+          </a:p>
+        </p:txBody>
+      </p:sp>
+    </p:spTree>
+    <p:extLst>
+      <p:ext uri="{BB962C8B-B14F-4D97-AF65-F5344CB8AC3E}">
+        <p14:creationId xmlns:p14="http://schemas.microsoft.com/office/powerpoint/2010/main" val="4205690642"/>
+      </p:ext>
+    </p:extLst>
+  </p:cSld>
+  <p:clrMapOvr>
+    <a:masterClrMapping/>
+  </p:clrMapOvr>
+</p:sld>
+</file>
+
+<file path=ppt/slides/slide7.xml><?xml version="1.0" encoding="utf-8"?>
+<p:sld xmlns:a="http://schemas.openxmlformats.org/drawingml/2006/main" xmlns:r="http://schemas.openxmlformats.org/officeDocument/2006/relationships" xmlns:p="http://schemas.openxmlformats.org/presentationml/2006/main">
+  <p:cSld>
+    <p:spTree>
+      <p:nvGrpSpPr>
+        <p:cNvPr id="1" name=""/>
+        <p:cNvGrpSpPr/>
+        <p:nvPr/>
+      </p:nvGrpSpPr>
+      <p:grpSpPr>
+        <a:xfrm>
+          <a:off x="0" y="0"/>
+          <a:ext cx="0" cy="0"/>
+          <a:chOff x="0" y="0"/>
+          <a:chExt cx="0" cy="0"/>
+        </a:xfrm>
+      </p:grpSpPr>
+      <p:sp>
+        <p:nvSpPr>
+          <p:cNvPr id="2" name="Заголовок 1">
+            <a:extLst>
+              <a:ext uri="{FF2B5EF4-FFF2-40B4-BE49-F238E27FC236}">
+                <a16:creationId xmlns:a16="http://schemas.microsoft.com/office/drawing/2014/main" id="{C5299A1A-433D-4031-9B0C-FB379FFA4775}"/>
+              </a:ext>
+            </a:extLst>
+          </p:cNvPr>
+          <p:cNvSpPr>
+            <a:spLocks noGrp="1"/>
+          </p:cNvSpPr>
+          <p:nvPr>
+            <p:ph type="title"/>
+          </p:nvPr>
+        </p:nvSpPr>
+        <p:spPr>
+          <a:xfrm>
+            <a:off x="628650" y="1"/>
+            <a:ext cx="7886700" cy="692696"/>
           </a:xfrm>
         </p:spPr>
         <p:txBody>
@@ -9643,17 +10974,58 @@
             <a:pPr algn="ctr"/>
             <a:r>
               <a:rPr lang="ru-RU" dirty="0"/>
-              <a:t>РАБОТОСПОСОБНОСТЬ</a:t>
+              <a:t>Целевая аудитория</a:t>
+            </a:r>
+          </a:p>
+        </p:txBody>
+      </p:sp>
+      <p:sp>
+        <p:nvSpPr>
+          <p:cNvPr id="3" name="Объект 2">
+            <a:extLst>
+              <a:ext uri="{FF2B5EF4-FFF2-40B4-BE49-F238E27FC236}">
+                <a16:creationId xmlns:a16="http://schemas.microsoft.com/office/drawing/2014/main" id="{D9BF59DC-19F9-486B-8CEB-D7A6862F535F}"/>
+              </a:ext>
+            </a:extLst>
+          </p:cNvPr>
+          <p:cNvSpPr>
+            <a:spLocks noGrp="1"/>
+          </p:cNvSpPr>
+          <p:nvPr>
+            <p:ph idx="1"/>
+          </p:nvPr>
+        </p:nvSpPr>
+        <p:spPr>
+          <a:xfrm>
+            <a:off x="628650" y="673319"/>
+            <a:ext cx="7886700" cy="4351338"/>
+          </a:xfrm>
+        </p:spPr>
+        <p:txBody>
+          <a:bodyPr/>
+          <a:lstStyle/>
+          <a:p>
+            <a:r>
+              <a:rPr lang="ru-RU" dirty="0"/>
+              <a:t>Подобная программа будет крайне полезна для владельцев крупных компаний, имеющих обширные </a:t>
+            </a:r>
+            <a:r>
+              <a:rPr lang="en-US" dirty="0"/>
+              <a:t>Internet-</a:t>
+            </a:r>
+            <a:r>
+              <a:rPr lang="ru-RU" dirty="0"/>
+              <a:t>сети. Она позволит «замечать» тех пользователей, которые часто приходят к ним в магазины или  в сети быстрого питания. На основе покупки конкретными пользователями конкретных товаров можно выделить не только спрос на определенный вид товара но и так же географическую ориентированность людей при покупке. Рассылка рекламы, актуальной для конкретного типа пользователей, индивидуальные предложения и индивидуальные опросы – все это становится возможным с помощью реализации нашей системы.</a:t>
             </a:r>
           </a:p>
         </p:txBody>
       </p:sp>
       <p:pic>
         <p:nvPicPr>
-          <p:cNvPr id="2054" name="Picture 6" descr="https://sun9-7.userapi.com/c840739/v840739299/72a59/3qCQcJxc-eY.jpg">
-            <a:extLst>
-              <a:ext uri="{FF2B5EF4-FFF2-40B4-BE49-F238E27FC236}">
-                <a16:creationId xmlns:a16="http://schemas.microsoft.com/office/drawing/2014/main" id="{9DB8CBAD-1410-49EA-A43B-2A121BCBFD80}"/>
+          <p:cNvPr id="6" name="Picture 2" descr="http://www.fiactive.com/postpic/2011/05/famous-fast-food-logos_16199.jpg">
+            <a:extLst>
+              <a:ext uri="{FF2B5EF4-FFF2-40B4-BE49-F238E27FC236}">
+                <a16:creationId xmlns:a16="http://schemas.microsoft.com/office/drawing/2014/main" id="{2A7AA0A2-42E1-402F-BF43-A6B3EA4D7519}"/>
               </a:ext>
             </a:extLst>
           </p:cNvPr>
@@ -9677,8 +11049,8 @@
         </p:blipFill>
         <p:spPr bwMode="auto">
           <a:xfrm>
-            <a:off x="696601" y="1916833"/>
-            <a:ext cx="2160240" cy="2160240"/>
+            <a:off x="251520" y="4077072"/>
+            <a:ext cx="4788024" cy="2590188"/>
           </a:xfrm>
           <a:prstGeom prst="rect">
             <a:avLst/>
@@ -9697,22 +11069,20 @@
       </p:pic>
       <p:pic>
         <p:nvPicPr>
-          <p:cNvPr id="2056" name="Picture 8" descr="https://sun9-7.userapi.com/c840739/v840739299/72a60/OtSnMRRpBpw.jpg">
-            <a:extLst>
-              <a:ext uri="{FF2B5EF4-FFF2-40B4-BE49-F238E27FC236}">
-                <a16:creationId xmlns:a16="http://schemas.microsoft.com/office/drawing/2014/main" id="{D0954A24-2254-4658-9C27-C58372D0A31B}"/>
+          <p:cNvPr id="7" name="Picture 4" descr="https://media.istockphoto.com/photos/green-checkmark-picture-id503451933?k=6&amp;m=503451933&amp;s=612x612&amp;w=0&amp;h=6QQzz3myBotXfTM4SjWip6pAlB9xGlWubXJRMGGp5jE=">
+            <a:extLst>
+              <a:ext uri="{FF2B5EF4-FFF2-40B4-BE49-F238E27FC236}">
+                <a16:creationId xmlns:a16="http://schemas.microsoft.com/office/drawing/2014/main" id="{564B822F-7794-49CB-A552-A24113B1A5A7}"/>
               </a:ext>
             </a:extLst>
           </p:cNvPr>
           <p:cNvPicPr>
-            <a:picLocks noGrp="1" noChangeAspect="1" noChangeArrowheads="1"/>
+            <a:picLocks noChangeAspect="1" noChangeArrowheads="1"/>
           </p:cNvPicPr>
-          <p:nvPr>
-            <p:ph idx="1"/>
-          </p:nvPr>
+          <p:nvPr/>
         </p:nvPicPr>
         <p:blipFill>
-          <a:blip r:embed="rId3">
+          <a:blip r:embed="rId3" cstate="print">
             <a:extLst>
               <a:ext uri="{28A0092B-C50C-407E-A947-70E740481C1C}">
                 <a14:useLocalDpi xmlns:a14="http://schemas.microsoft.com/office/drawing/2010/main" val="0"/>
@@ -9726,8 +11096,8 @@
         </p:blipFill>
         <p:spPr bwMode="auto">
           <a:xfrm>
-            <a:off x="3672384" y="1916832"/>
-            <a:ext cx="2160240" cy="2160240"/>
+            <a:off x="5220072" y="4287315"/>
+            <a:ext cx="2050555" cy="1537916"/>
           </a:xfrm>
           <a:prstGeom prst="rect">
             <a:avLst/>
@@ -9744,12 +11114,199 @@
           </a:extLst>
         </p:spPr>
       </p:pic>
+    </p:spTree>
+    <p:extLst>
+      <p:ext uri="{BB962C8B-B14F-4D97-AF65-F5344CB8AC3E}">
+        <p14:creationId xmlns:p14="http://schemas.microsoft.com/office/powerpoint/2010/main" val="1589438402"/>
+      </p:ext>
+    </p:extLst>
+  </p:cSld>
+  <p:clrMapOvr>
+    <a:masterClrMapping/>
+  </p:clrMapOvr>
+  <p:timing>
+    <p:tnLst>
+      <p:par>
+        <p:cTn id="1" dur="indefinite" restart="never" nodeType="tmRoot">
+          <p:childTnLst>
+            <p:seq concurrent="1" nextAc="seek">
+              <p:cTn id="2" dur="indefinite" nodeType="mainSeq">
+                <p:childTnLst>
+                  <p:par>
+                    <p:cTn id="3" fill="hold">
+                      <p:stCondLst>
+                        <p:cond delay="indefinite"/>
+                        <p:cond evt="onBegin" delay="0">
+                          <p:tn val="2"/>
+                        </p:cond>
+                      </p:stCondLst>
+                      <p:childTnLst>
+                        <p:par>
+                          <p:cTn id="4" fill="hold">
+                            <p:stCondLst>
+                              <p:cond delay="0"/>
+                            </p:stCondLst>
+                            <p:childTnLst>
+                              <p:par>
+                                <p:cTn id="5" presetID="1" presetClass="entr" presetSubtype="0" fill="hold" nodeType="afterEffect">
+                                  <p:stCondLst>
+                                    <p:cond delay="4000"/>
+                                  </p:stCondLst>
+                                  <p:childTnLst>
+                                    <p:set>
+                                      <p:cBhvr>
+                                        <p:cTn id="6" dur="1" fill="hold">
+                                          <p:stCondLst>
+                                            <p:cond delay="0"/>
+                                          </p:stCondLst>
+                                        </p:cTn>
+                                        <p:tgtEl>
+                                          <p:spTgt spid="7"/>
+                                        </p:tgtEl>
+                                        <p:attrNameLst>
+                                          <p:attrName>style.visibility</p:attrName>
+                                        </p:attrNameLst>
+                                      </p:cBhvr>
+                                      <p:to>
+                                        <p:strVal val="visible"/>
+                                      </p:to>
+                                    </p:set>
+                                  </p:childTnLst>
+                                </p:cTn>
+                              </p:par>
+                            </p:childTnLst>
+                          </p:cTn>
+                        </p:par>
+                      </p:childTnLst>
+                    </p:cTn>
+                  </p:par>
+                </p:childTnLst>
+              </p:cTn>
+              <p:prevCondLst>
+                <p:cond evt="onPrev" delay="0">
+                  <p:tgtEl>
+                    <p:sldTgt/>
+                  </p:tgtEl>
+                </p:cond>
+              </p:prevCondLst>
+              <p:nextCondLst>
+                <p:cond evt="onNext" delay="0">
+                  <p:tgtEl>
+                    <p:sldTgt/>
+                  </p:tgtEl>
+                </p:cond>
+              </p:nextCondLst>
+            </p:seq>
+          </p:childTnLst>
+        </p:cTn>
+      </p:par>
+    </p:tnLst>
+  </p:timing>
+</p:sld>
+</file>
+
+<file path=ppt/slides/slide8.xml><?xml version="1.0" encoding="utf-8"?>
+<p:sld xmlns:a="http://schemas.openxmlformats.org/drawingml/2006/main" xmlns:r="http://schemas.openxmlformats.org/officeDocument/2006/relationships" xmlns:p="http://schemas.openxmlformats.org/presentationml/2006/main">
+  <p:cSld>
+    <p:spTree>
+      <p:nvGrpSpPr>
+        <p:cNvPr id="1" name=""/>
+        <p:cNvGrpSpPr/>
+        <p:nvPr/>
+      </p:nvGrpSpPr>
+      <p:grpSpPr>
+        <a:xfrm>
+          <a:off x="0" y="0"/>
+          <a:ext cx="0" cy="0"/>
+          <a:chOff x="0" y="0"/>
+          <a:chExt cx="0" cy="0"/>
+        </a:xfrm>
+      </p:grpSpPr>
+      <p:sp>
+        <p:nvSpPr>
+          <p:cNvPr id="2" name="Заголовок 1">
+            <a:extLst>
+              <a:ext uri="{FF2B5EF4-FFF2-40B4-BE49-F238E27FC236}">
+                <a16:creationId xmlns:a16="http://schemas.microsoft.com/office/drawing/2014/main" id="{C5299A1A-433D-4031-9B0C-FB379FFA4775}"/>
+              </a:ext>
+            </a:extLst>
+          </p:cNvPr>
+          <p:cNvSpPr>
+            <a:spLocks noGrp="1"/>
+          </p:cNvSpPr>
+          <p:nvPr>
+            <p:ph type="title"/>
+          </p:nvPr>
+        </p:nvSpPr>
+        <p:spPr>
+          <a:xfrm>
+            <a:off x="628650" y="1"/>
+            <a:ext cx="7886700" cy="692696"/>
+          </a:xfrm>
+        </p:spPr>
+        <p:txBody>
+          <a:bodyPr/>
+          <a:lstStyle/>
+          <a:p>
+            <a:pPr algn="ctr"/>
+            <a:r>
+              <a:rPr lang="ru-RU" dirty="0"/>
+              <a:t>Целевая аудитория</a:t>
+            </a:r>
+          </a:p>
+        </p:txBody>
+      </p:sp>
+      <p:sp>
+        <p:nvSpPr>
+          <p:cNvPr id="3" name="Объект 2">
+            <a:extLst>
+              <a:ext uri="{FF2B5EF4-FFF2-40B4-BE49-F238E27FC236}">
+                <a16:creationId xmlns:a16="http://schemas.microsoft.com/office/drawing/2014/main" id="{D9BF59DC-19F9-486B-8CEB-D7A6862F535F}"/>
+              </a:ext>
+            </a:extLst>
+          </p:cNvPr>
+          <p:cNvSpPr>
+            <a:spLocks noGrp="1"/>
+          </p:cNvSpPr>
+          <p:nvPr>
+            <p:ph idx="1"/>
+          </p:nvPr>
+        </p:nvSpPr>
+        <p:spPr>
+          <a:xfrm>
+            <a:off x="605198" y="836712"/>
+            <a:ext cx="7886700" cy="5180458"/>
+          </a:xfrm>
+        </p:spPr>
+        <p:txBody>
+          <a:bodyPr/>
+          <a:lstStyle/>
+          <a:p>
+            <a:pPr algn="ctr"/>
+            <a:endParaRPr lang="ru-RU" dirty="0"/>
+          </a:p>
+          <a:p>
+            <a:r>
+              <a:rPr lang="ru-RU" dirty="0"/>
+              <a:t>Но так же не будем забывать и об обычных  пользователях. Что же получат они, от внедрения нашей программы в крупные общественные сети? Довольно интересные «дивиденды». К примеру, теперь индивидуальные скидки для каждого конкретного пользователя не становятся какой-то заоблачной мечтой. А всего-то необходимо просто зайти в </a:t>
+            </a:r>
+            <a:r>
+              <a:rPr lang="en-US" dirty="0"/>
+              <a:t>Internet-</a:t>
+            </a:r>
+            <a:r>
+              <a:rPr lang="ru-RU" dirty="0"/>
+              <a:t>сеть. Вы часто отовариваетесь в определенном магазине, и вам хочется попробовать что-то новое? Специально для Вас будет формироваться реклама о всех возможных магазинах, имеющих те или иные сходства с вашим любимым местом!</a:t>
+            </a:r>
+          </a:p>
+        </p:txBody>
+      </p:sp>
       <p:pic>
         <p:nvPicPr>
-          <p:cNvPr id="2058" name="Picture 10" descr="https://sun9-4.userapi.com/c840739/v840739299/72a6d/IyS23fN4428.jpg">
-            <a:extLst>
-              <a:ext uri="{FF2B5EF4-FFF2-40B4-BE49-F238E27FC236}">
-                <a16:creationId xmlns:a16="http://schemas.microsoft.com/office/drawing/2014/main" id="{1409FB64-D8B4-444F-BB06-9ADBDD5BE71D}"/>
+          <p:cNvPr id="1026" name="Picture 2" descr="https://kons-na-bis.com/odessa-test/images/loyal-customer-buy-products-girl.jpg">
+            <a:extLst>
+              <a:ext uri="{FF2B5EF4-FFF2-40B4-BE49-F238E27FC236}">
+                <a16:creationId xmlns:a16="http://schemas.microsoft.com/office/drawing/2014/main" id="{D31B70EC-76E9-4CA9-B904-7B70E302AC67}"/>
               </a:ext>
             </a:extLst>
           </p:cNvPr>
@@ -9759,7 +11316,7 @@
           <p:nvPr/>
         </p:nvPicPr>
         <p:blipFill>
-          <a:blip r:embed="rId4" cstate="print">
+          <a:blip r:embed="rId2" cstate="print">
             <a:extLst>
               <a:ext uri="{28A0092B-C50C-407E-A947-70E740481C1C}">
                 <a14:useLocalDpi xmlns:a14="http://schemas.microsoft.com/office/drawing/2010/main" val="0"/>
@@ -9773,8 +11330,8 @@
         </p:blipFill>
         <p:spPr bwMode="auto">
           <a:xfrm>
-            <a:off x="6649526" y="1951491"/>
-            <a:ext cx="1752621" cy="2125581"/>
+            <a:off x="6724891" y="4733446"/>
+            <a:ext cx="2419109" cy="2124554"/>
           </a:xfrm>
           <a:prstGeom prst="rect">
             <a:avLst/>
@@ -9791,83 +11348,59 @@
           </a:extLst>
         </p:spPr>
       </p:pic>
-      <p:sp>
-        <p:nvSpPr>
-          <p:cNvPr id="6" name="Прямоугольник 5">
-            <a:extLst>
-              <a:ext uri="{FF2B5EF4-FFF2-40B4-BE49-F238E27FC236}">
-                <a16:creationId xmlns:a16="http://schemas.microsoft.com/office/drawing/2014/main" id="{15670289-61BA-4F4A-8856-7EE4CD53E4E8}"/>
-              </a:ext>
-            </a:extLst>
-          </p:cNvPr>
-          <p:cNvSpPr/>
+      <p:pic>
+        <p:nvPicPr>
+          <p:cNvPr id="1028" name="Picture 4" descr="http://photos.lifeisphoto.ru/25/0/257619.jpg">
+            <a:extLst>
+              <a:ext uri="{FF2B5EF4-FFF2-40B4-BE49-F238E27FC236}">
+                <a16:creationId xmlns:a16="http://schemas.microsoft.com/office/drawing/2014/main" id="{B4EF4042-33AF-4131-9E82-EE8F0E982627}"/>
+              </a:ext>
+            </a:extLst>
+          </p:cNvPr>
+          <p:cNvPicPr>
+            <a:picLocks noChangeAspect="1" noChangeArrowheads="1"/>
+          </p:cNvPicPr>
           <p:nvPr/>
-        </p:nvSpPr>
-        <p:spPr>
-          <a:xfrm>
-            <a:off x="419072" y="4437112"/>
-            <a:ext cx="2715295" cy="707886"/>
+        </p:nvPicPr>
+        <p:blipFill>
+          <a:blip r:embed="rId3" cstate="print">
+            <a:extLst>
+              <a:ext uri="{28A0092B-C50C-407E-A947-70E740481C1C}">
+                <a14:useLocalDpi xmlns:a14="http://schemas.microsoft.com/office/drawing/2010/main" val="0"/>
+              </a:ext>
+            </a:extLst>
+          </a:blip>
+          <a:srcRect/>
+          <a:stretch>
+            <a:fillRect/>
+          </a:stretch>
+        </p:blipFill>
+        <p:spPr bwMode="auto">
+          <a:xfrm>
+            <a:off x="7823" y="4903947"/>
+            <a:ext cx="2550199" cy="1901843"/>
           </a:xfrm>
           <a:prstGeom prst="rect">
             <a:avLst/>
           </a:prstGeom>
           <a:noFill/>
-        </p:spPr>
-        <p:txBody>
-          <a:bodyPr wrap="none" lIns="91440" tIns="45720" rIns="91440" bIns="45720">
-            <a:spAutoFit/>
-          </a:bodyPr>
-          <a:lstStyle/>
-          <a:p>
-            <a:pPr algn="ctr"/>
-            <a:r>
-              <a:rPr lang="en-US" sz="4000" dirty="0">
-                <a:ln w="0"/>
-                <a:effectLst>
-                  <a:outerShdw blurRad="38100" dist="19050" dir="2700000" algn="tl" rotWithShape="0">
-                    <a:schemeClr val="dk1">
-                      <a:alpha val="40000"/>
-                    </a:schemeClr>
-                  </a:outerShdw>
-                </a:effectLst>
-              </a:rPr>
-              <a:t>Tor </a:t>
-            </a:r>
-            <a:r>
-              <a:rPr lang="ru-RU" sz="4000" dirty="0">
-                <a:ln w="0"/>
-                <a:effectLst>
-                  <a:outerShdw blurRad="38100" dist="19050" dir="2700000" algn="tl" rotWithShape="0">
-                    <a:schemeClr val="dk1">
-                      <a:alpha val="40000"/>
-                    </a:schemeClr>
-                  </a:outerShdw>
-                </a:effectLst>
-              </a:rPr>
-              <a:t>Браузер</a:t>
-            </a:r>
-            <a:endParaRPr lang="ru-RU" sz="4000" b="0" cap="none" spc="0" dirty="0">
-              <a:ln w="0"/>
-              <a:solidFill>
-                <a:schemeClr val="tx1"/>
-              </a:solidFill>
-              <a:effectLst>
-                <a:outerShdw blurRad="38100" dist="19050" dir="2700000" algn="tl" rotWithShape="0">
-                  <a:schemeClr val="dk1">
-                    <a:alpha val="40000"/>
-                  </a:schemeClr>
-                </a:outerShdw>
-              </a:effectLst>
-            </a:endParaRPr>
-          </a:p>
-        </p:txBody>
-      </p:sp>
-      <p:sp>
-        <p:nvSpPr>
-          <p:cNvPr id="12" name="Прямоугольник 11">
-            <a:extLst>
-              <a:ext uri="{FF2B5EF4-FFF2-40B4-BE49-F238E27FC236}">
-                <a16:creationId xmlns:a16="http://schemas.microsoft.com/office/drawing/2014/main" id="{4B8D8324-D306-452A-86FD-244C47FC0FFC}"/>
+          <a:extLst>
+            <a:ext uri="{909E8E84-426E-40DD-AFC4-6F175D3DCCD1}">
+              <a14:hiddenFill xmlns:a14="http://schemas.microsoft.com/office/drawing/2010/main">
+                <a:solidFill>
+                  <a:srgbClr val="FFFFFF"/>
+                </a:solidFill>
+              </a14:hiddenFill>
+            </a:ext>
+          </a:extLst>
+        </p:spPr>
+      </p:pic>
+      <p:sp>
+        <p:nvSpPr>
+          <p:cNvPr id="9" name="Прямоугольник 8">
+            <a:extLst>
+              <a:ext uri="{FF2B5EF4-FFF2-40B4-BE49-F238E27FC236}">
+                <a16:creationId xmlns:a16="http://schemas.microsoft.com/office/drawing/2014/main" id="{694A0348-B091-4C7E-901F-04EE6C570D2F}"/>
               </a:ext>
             </a:extLst>
           </p:cNvPr>
@@ -9876,8 +11409,54 @@
         </p:nvSpPr>
         <p:spPr>
           <a:xfrm>
-            <a:off x="3434522" y="4129335"/>
-            <a:ext cx="2430281" cy="1323439"/>
+            <a:off x="3275856" y="5318021"/>
+            <a:ext cx="2860481" cy="1163960"/>
+          </a:xfrm>
+          <a:prstGeom prst="rect">
+            <a:avLst/>
+          </a:prstGeom>
+        </p:spPr>
+        <p:style>
+          <a:lnRef idx="2">
+            <a:schemeClr val="accent1">
+              <a:shade val="50000"/>
+            </a:schemeClr>
+          </a:lnRef>
+          <a:fillRef idx="1">
+            <a:schemeClr val="accent1"/>
+          </a:fillRef>
+          <a:effectRef idx="0">
+            <a:schemeClr val="accent1"/>
+          </a:effectRef>
+          <a:fontRef idx="minor">
+            <a:schemeClr val="lt1"/>
+          </a:fontRef>
+        </p:style>
+        <p:txBody>
+          <a:bodyPr rtlCol="0" anchor="ctr"/>
+          <a:lstStyle/>
+          <a:p>
+            <a:pPr algn="ctr"/>
+            <a:endParaRPr lang="ru-RU"/>
+          </a:p>
+        </p:txBody>
+      </p:sp>
+      <p:sp>
+        <p:nvSpPr>
+          <p:cNvPr id="10" name="Прямоугольник 9">
+            <a:extLst>
+              <a:ext uri="{FF2B5EF4-FFF2-40B4-BE49-F238E27FC236}">
+                <a16:creationId xmlns:a16="http://schemas.microsoft.com/office/drawing/2014/main" id="{9E83B749-7D6D-4AC8-957C-C1DD7DA549C9}"/>
+              </a:ext>
+            </a:extLst>
+          </p:cNvPr>
+          <p:cNvSpPr/>
+          <p:nvPr/>
+        </p:nvSpPr>
+        <p:spPr>
+          <a:xfrm>
+            <a:off x="3320343" y="5500926"/>
+            <a:ext cx="2860481" cy="707886"/>
           </a:xfrm>
           <a:prstGeom prst="rect">
             <a:avLst/>
@@ -9885,51 +11464,44 @@
           <a:noFill/>
         </p:spPr>
         <p:txBody>
-          <a:bodyPr wrap="none" lIns="91440" tIns="45720" rIns="91440" bIns="45720">
+          <a:bodyPr wrap="square" lIns="91440" tIns="45720" rIns="91440" bIns="45720">
             <a:spAutoFit/>
           </a:bodyPr>
           <a:lstStyle/>
           <a:p>
             <a:pPr algn="ctr"/>
             <a:r>
-              <a:rPr lang="ru-RU" sz="4000" dirty="0">
+              <a:rPr lang="ru-RU" sz="4000" b="1" dirty="0">
                 <a:ln w="0"/>
+                <a:solidFill>
+                  <a:schemeClr val="tx1">
+                    <a:lumMod val="95000"/>
+                    <a:lumOff val="5000"/>
+                  </a:schemeClr>
+                </a:solidFill>
                 <a:effectLst>
-                  <a:outerShdw blurRad="38100" dist="19050" dir="2700000" algn="tl" rotWithShape="0">
-                    <a:schemeClr val="dk1">
-                      <a:alpha val="40000"/>
-                    </a:schemeClr>
+                  <a:outerShdw blurRad="38100" dist="25400" dir="5400000" algn="ctr" rotWithShape="0">
+                    <a:srgbClr val="6E747A">
+                      <a:alpha val="43000"/>
+                    </a:srgbClr>
                   </a:outerShdw>
                 </a:effectLst>
               </a:rPr>
-              <a:t>Режим </a:t>
-            </a:r>
-          </a:p>
-          <a:p>
-            <a:pPr algn="ctr"/>
-            <a:r>
-              <a:rPr lang="ru-RU" sz="4000" dirty="0">
-                <a:ln w="0"/>
-                <a:effectLst>
-                  <a:outerShdw blurRad="38100" dist="19050" dir="2700000" algn="tl" rotWithShape="0">
-                    <a:schemeClr val="dk1">
-                      <a:alpha val="40000"/>
-                    </a:schemeClr>
-                  </a:outerShdw>
-                </a:effectLst>
-              </a:rPr>
-              <a:t>инкогнито</a:t>
-            </a:r>
-            <a:endParaRPr lang="ru-RU" sz="4000" b="0" cap="none" spc="0" dirty="0">
+              <a:t>Программа</a:t>
+            </a:r>
+            <a:endParaRPr lang="ru-RU" sz="4000" b="1" cap="none" spc="0" dirty="0">
               <a:ln w="0"/>
               <a:solidFill>
-                <a:schemeClr val="tx1"/>
+                <a:schemeClr val="tx1">
+                  <a:lumMod val="95000"/>
+                  <a:lumOff val="5000"/>
+                </a:schemeClr>
               </a:solidFill>
               <a:effectLst>
-                <a:outerShdw blurRad="38100" dist="19050" dir="2700000" algn="tl" rotWithShape="0">
-                  <a:schemeClr val="dk1">
-                    <a:alpha val="40000"/>
-                  </a:schemeClr>
+                <a:outerShdw blurRad="38100" dist="25400" dir="5400000" algn="ctr" rotWithShape="0">
+                  <a:srgbClr val="6E747A">
+                    <a:alpha val="43000"/>
+                  </a:srgbClr>
                 </a:outerShdw>
               </a:effectLst>
             </a:endParaRPr>
@@ -9938,10 +11510,10 @@
       </p:sp>
       <p:sp>
         <p:nvSpPr>
-          <p:cNvPr id="13" name="Прямоугольник 12">
-            <a:extLst>
-              <a:ext uri="{FF2B5EF4-FFF2-40B4-BE49-F238E27FC236}">
-                <a16:creationId xmlns:a16="http://schemas.microsoft.com/office/drawing/2014/main" id="{5B80CAFE-FC67-4556-B8FF-6D04E4DCFBA5}"/>
+          <p:cNvPr id="12" name="Стрелка: вправо 11">
+            <a:extLst>
+              <a:ext uri="{FF2B5EF4-FFF2-40B4-BE49-F238E27FC236}">
+                <a16:creationId xmlns:a16="http://schemas.microsoft.com/office/drawing/2014/main" id="{59E375F0-FFCF-4222-919F-F6F7DFABD65F}"/>
               </a:ext>
             </a:extLst>
           </p:cNvPr>
@@ -9950,73 +11522,225 @@
         </p:nvSpPr>
         <p:spPr>
           <a:xfrm>
-            <a:off x="6052216" y="4129334"/>
-            <a:ext cx="3065262" cy="1323439"/>
+            <a:off x="2542549" y="5727392"/>
+            <a:ext cx="703970" cy="333526"/>
+          </a:xfrm>
+          <a:prstGeom prst="rightArrow">
+            <a:avLst/>
+          </a:prstGeom>
+        </p:spPr>
+        <p:style>
+          <a:lnRef idx="2">
+            <a:schemeClr val="accent1">
+              <a:shade val="50000"/>
+            </a:schemeClr>
+          </a:lnRef>
+          <a:fillRef idx="1">
+            <a:schemeClr val="accent1"/>
+          </a:fillRef>
+          <a:effectRef idx="0">
+            <a:schemeClr val="accent1"/>
+          </a:effectRef>
+          <a:fontRef idx="minor">
+            <a:schemeClr val="lt1"/>
+          </a:fontRef>
+        </p:style>
+        <p:txBody>
+          <a:bodyPr rtlCol="0" anchor="ctr"/>
+          <a:lstStyle/>
+          <a:p>
+            <a:pPr algn="ctr"/>
+            <a:endParaRPr lang="ru-RU"/>
+          </a:p>
+        </p:txBody>
+      </p:sp>
+      <p:sp>
+        <p:nvSpPr>
+          <p:cNvPr id="13" name="Стрелка: вправо 12">
+            <a:extLst>
+              <a:ext uri="{FF2B5EF4-FFF2-40B4-BE49-F238E27FC236}">
+                <a16:creationId xmlns:a16="http://schemas.microsoft.com/office/drawing/2014/main" id="{4E02956D-6301-4C3E-8D7B-48197143B560}"/>
+              </a:ext>
+            </a:extLst>
+          </p:cNvPr>
+          <p:cNvSpPr/>
+          <p:nvPr/>
+        </p:nvSpPr>
+        <p:spPr>
+          <a:xfrm>
+            <a:off x="6227994" y="5727392"/>
+            <a:ext cx="449727" cy="333526"/>
+          </a:xfrm>
+          <a:prstGeom prst="rightArrow">
+            <a:avLst/>
+          </a:prstGeom>
+        </p:spPr>
+        <p:style>
+          <a:lnRef idx="2">
+            <a:schemeClr val="accent1">
+              <a:shade val="50000"/>
+            </a:schemeClr>
+          </a:lnRef>
+          <a:fillRef idx="1">
+            <a:schemeClr val="accent1"/>
+          </a:fillRef>
+          <a:effectRef idx="0">
+            <a:schemeClr val="accent1"/>
+          </a:effectRef>
+          <a:fontRef idx="minor">
+            <a:schemeClr val="lt1"/>
+          </a:fontRef>
+        </p:style>
+        <p:txBody>
+          <a:bodyPr rtlCol="0" anchor="ctr"/>
+          <a:lstStyle/>
+          <a:p>
+            <a:pPr algn="ctr"/>
+            <a:endParaRPr lang="ru-RU"/>
+          </a:p>
+        </p:txBody>
+      </p:sp>
+    </p:spTree>
+    <p:extLst>
+      <p:ext uri="{BB962C8B-B14F-4D97-AF65-F5344CB8AC3E}">
+        <p14:creationId xmlns:p14="http://schemas.microsoft.com/office/powerpoint/2010/main" val="2944992137"/>
+      </p:ext>
+    </p:extLst>
+  </p:cSld>
+  <p:clrMapOvr>
+    <a:masterClrMapping/>
+  </p:clrMapOvr>
+</p:sld>
+</file>
+
+<file path=ppt/slides/slide9.xml><?xml version="1.0" encoding="utf-8"?>
+<p:sld xmlns:a="http://schemas.openxmlformats.org/drawingml/2006/main" xmlns:r="http://schemas.openxmlformats.org/officeDocument/2006/relationships" xmlns:p="http://schemas.openxmlformats.org/presentationml/2006/main">
+  <p:cSld>
+    <p:spTree>
+      <p:nvGrpSpPr>
+        <p:cNvPr id="1" name=""/>
+        <p:cNvGrpSpPr/>
+        <p:nvPr/>
+      </p:nvGrpSpPr>
+      <p:grpSpPr>
+        <a:xfrm>
+          <a:off x="0" y="0"/>
+          <a:ext cx="0" cy="0"/>
+          <a:chOff x="0" y="0"/>
+          <a:chExt cx="0" cy="0"/>
+        </a:xfrm>
+      </p:grpSpPr>
+      <p:sp>
+        <p:nvSpPr>
+          <p:cNvPr id="2" name="Заголовок 1">
+            <a:extLst>
+              <a:ext uri="{FF2B5EF4-FFF2-40B4-BE49-F238E27FC236}">
+                <a16:creationId xmlns:a16="http://schemas.microsoft.com/office/drawing/2014/main" id="{C5299A1A-433D-4031-9B0C-FB379FFA4775}"/>
+              </a:ext>
+            </a:extLst>
+          </p:cNvPr>
+          <p:cNvSpPr>
+            <a:spLocks noGrp="1"/>
+          </p:cNvSpPr>
+          <p:nvPr>
+            <p:ph type="title"/>
+          </p:nvPr>
+        </p:nvSpPr>
+        <p:spPr>
+          <a:xfrm>
+            <a:off x="628650" y="1"/>
+            <a:ext cx="7886700" cy="692696"/>
+          </a:xfrm>
+        </p:spPr>
+        <p:txBody>
+          <a:bodyPr/>
+          <a:lstStyle/>
+          <a:p>
+            <a:pPr algn="ctr"/>
+            <a:r>
+              <a:rPr lang="ru-RU"/>
+              <a:t>Целевая аудитория</a:t>
+            </a:r>
+            <a:endParaRPr lang="ru-RU" dirty="0"/>
+          </a:p>
+        </p:txBody>
+      </p:sp>
+      <p:sp>
+        <p:nvSpPr>
+          <p:cNvPr id="3" name="Объект 2">
+            <a:extLst>
+              <a:ext uri="{FF2B5EF4-FFF2-40B4-BE49-F238E27FC236}">
+                <a16:creationId xmlns:a16="http://schemas.microsoft.com/office/drawing/2014/main" id="{D9BF59DC-19F9-486B-8CEB-D7A6862F535F}"/>
+              </a:ext>
+            </a:extLst>
+          </p:cNvPr>
+          <p:cNvSpPr>
+            <a:spLocks noGrp="1"/>
+          </p:cNvSpPr>
+          <p:nvPr>
+            <p:ph idx="1"/>
+          </p:nvPr>
+        </p:nvSpPr>
+        <p:spPr>
+          <a:xfrm>
+            <a:off x="628650" y="673319"/>
+            <a:ext cx="4814293" cy="5780017"/>
+          </a:xfrm>
+        </p:spPr>
+        <p:txBody>
+          <a:bodyPr>
+            <a:noAutofit/>
+          </a:bodyPr>
+          <a:lstStyle/>
+          <a:p>
+            <a:pPr algn="just"/>
+            <a:r>
+              <a:rPr lang="ru-RU" dirty="0"/>
+              <a:t>В наше время существует большое множество умных систем, которые на анализе данных могут предлагать пользователям те или иные услуги и товары. Но для этого пользователи должны сами вводить какие-либо запросы, регистрироваться на определенных сайтах и заполнять анкеты. Подобные вещи зачастую скорее отпугивают пользователей, чем привлекают их. Нашей же программе не нужно ничего подобного. Она анализирует те параметры, что находятся в базе данных и, уже опираясь на них, подбирает индивидуальные предложения для каждого пользователя. </a:t>
+            </a:r>
+          </a:p>
+        </p:txBody>
+      </p:sp>
+      <p:pic>
+        <p:nvPicPr>
+          <p:cNvPr id="5" name="Рисунок 4" descr="Изображение выглядит как человек&#10;&#10;Описание создано с очень высокой степенью достоверности">
+            <a:extLst>
+              <a:ext uri="{FF2B5EF4-FFF2-40B4-BE49-F238E27FC236}">
+                <a16:creationId xmlns:a16="http://schemas.microsoft.com/office/drawing/2014/main" id="{6D866242-548E-498E-A1F3-A33C64B68B82}"/>
+              </a:ext>
+            </a:extLst>
+          </p:cNvPr>
+          <p:cNvPicPr>
+            <a:picLocks noChangeAspect="1"/>
+          </p:cNvPicPr>
+          <p:nvPr/>
+        </p:nvPicPr>
+        <p:blipFill>
+          <a:blip r:embed="rId2" cstate="print">
+            <a:extLst>
+              <a:ext uri="{28A0092B-C50C-407E-A947-70E740481C1C}">
+                <a14:useLocalDpi xmlns:a14="http://schemas.microsoft.com/office/drawing/2010/main" val="0"/>
+              </a:ext>
+            </a:extLst>
+          </a:blip>
+          <a:stretch>
+            <a:fillRect/>
+          </a:stretch>
+        </p:blipFill>
+        <p:spPr>
+          <a:xfrm>
+            <a:off x="5580112" y="1826309"/>
+            <a:ext cx="3096520" cy="3205381"/>
           </a:xfrm>
           <a:prstGeom prst="rect">
             <a:avLst/>
           </a:prstGeom>
-          <a:noFill/>
-        </p:spPr>
-        <p:txBody>
-          <a:bodyPr wrap="none" lIns="91440" tIns="45720" rIns="91440" bIns="45720">
-            <a:spAutoFit/>
-          </a:bodyPr>
-          <a:lstStyle/>
-          <a:p>
-            <a:pPr algn="ctr"/>
-            <a:r>
-              <a:rPr lang="ru-RU" sz="4000" b="0" cap="none" spc="0" dirty="0">
-                <a:ln w="0"/>
-                <a:solidFill>
-                  <a:schemeClr val="tx1"/>
-                </a:solidFill>
-                <a:effectLst>
-                  <a:outerShdw blurRad="38100" dist="19050" dir="2700000" algn="tl" rotWithShape="0">
-                    <a:schemeClr val="dk1">
-                      <a:alpha val="40000"/>
-                    </a:schemeClr>
-                  </a:outerShdw>
-                </a:effectLst>
-              </a:rPr>
-              <a:t>Шифрование</a:t>
-            </a:r>
-          </a:p>
-          <a:p>
-            <a:pPr algn="ctr"/>
-            <a:r>
-              <a:rPr lang="ru-RU" sz="4000" dirty="0">
-                <a:ln w="0"/>
-                <a:effectLst>
-                  <a:outerShdw blurRad="38100" dist="19050" dir="2700000" algn="tl" rotWithShape="0">
-                    <a:schemeClr val="dk1">
-                      <a:alpha val="40000"/>
-                    </a:schemeClr>
-                  </a:outerShdw>
-                </a:effectLst>
-              </a:rPr>
-              <a:t>данных</a:t>
-            </a:r>
-            <a:endParaRPr lang="ru-RU" sz="4000" b="0" cap="none" spc="0" dirty="0">
-              <a:ln w="0"/>
-              <a:solidFill>
-                <a:schemeClr val="tx1"/>
-              </a:solidFill>
-              <a:effectLst>
-                <a:outerShdw blurRad="38100" dist="19050" dir="2700000" algn="tl" rotWithShape="0">
-                  <a:schemeClr val="dk1">
-                    <a:alpha val="40000"/>
-                  </a:schemeClr>
-                </a:outerShdw>
-              </a:effectLst>
-            </a:endParaRPr>
-          </a:p>
-        </p:txBody>
-      </p:sp>
+        </p:spPr>
+      </p:pic>
     </p:spTree>
     <p:extLst>
       <p:ext uri="{BB962C8B-B14F-4D97-AF65-F5344CB8AC3E}">
-        <p14:creationId xmlns:p14="http://schemas.microsoft.com/office/powerpoint/2010/main" val="584204114"/>
+        <p14:creationId xmlns:p14="http://schemas.microsoft.com/office/powerpoint/2010/main" val="394470413"/>
       </p:ext>
     </p:extLst>
   </p:cSld>

--- a/proekt_prez.pptx
+++ b/proekt_prez.pptx
@@ -284,7 +284,7 @@
           <a:p>
             <a:fld id="{5B106E36-FD25-4E2D-B0AA-010F637433A0}" type="datetimeFigureOut">
               <a:rPr lang="ru-RU" smtClean="0"/>
-              <a:t>17.04.2018</a:t>
+              <a:t>25.05.2021</a:t>
             </a:fld>
             <a:endParaRPr lang="ru-RU"/>
           </a:p>
@@ -482,7 +482,7 @@
           <a:p>
             <a:fld id="{5B106E36-FD25-4E2D-B0AA-010F637433A0}" type="datetimeFigureOut">
               <a:rPr lang="ru-RU" smtClean="0"/>
-              <a:t>17.04.2018</a:t>
+              <a:t>25.05.2021</a:t>
             </a:fld>
             <a:endParaRPr lang="ru-RU"/>
           </a:p>
@@ -690,7 +690,7 @@
           <a:p>
             <a:fld id="{5B106E36-FD25-4E2D-B0AA-010F637433A0}" type="datetimeFigureOut">
               <a:rPr lang="ru-RU" smtClean="0"/>
-              <a:t>17.04.2018</a:t>
+              <a:t>25.05.2021</a:t>
             </a:fld>
             <a:endParaRPr lang="ru-RU"/>
           </a:p>
@@ -910,7 +910,7 @@
           <a:p>
             <a:fld id="{5B106E36-FD25-4E2D-B0AA-010F637433A0}" type="datetimeFigureOut">
               <a:rPr lang="ru-RU" smtClean="0"/>
-              <a:t>17.04.2018</a:t>
+              <a:t>25.05.2021</a:t>
             </a:fld>
             <a:endParaRPr lang="ru-RU"/>
           </a:p>
@@ -1108,7 +1108,7 @@
           <a:p>
             <a:fld id="{5B106E36-FD25-4E2D-B0AA-010F637433A0}" type="datetimeFigureOut">
               <a:rPr lang="ru-RU" smtClean="0"/>
-              <a:t>17.04.2018</a:t>
+              <a:t>25.05.2021</a:t>
             </a:fld>
             <a:endParaRPr lang="ru-RU"/>
           </a:p>
@@ -1383,7 +1383,7 @@
           <a:p>
             <a:fld id="{5B106E36-FD25-4E2D-B0AA-010F637433A0}" type="datetimeFigureOut">
               <a:rPr lang="ru-RU" smtClean="0"/>
-              <a:t>17.04.2018</a:t>
+              <a:t>25.05.2021</a:t>
             </a:fld>
             <a:endParaRPr lang="ru-RU"/>
           </a:p>
@@ -1648,7 +1648,7 @@
           <a:p>
             <a:fld id="{5B106E36-FD25-4E2D-B0AA-010F637433A0}" type="datetimeFigureOut">
               <a:rPr lang="ru-RU" smtClean="0"/>
-              <a:t>17.04.2018</a:t>
+              <a:t>25.05.2021</a:t>
             </a:fld>
             <a:endParaRPr lang="ru-RU"/>
           </a:p>
@@ -2060,7 +2060,7 @@
           <a:p>
             <a:fld id="{5B106E36-FD25-4E2D-B0AA-010F637433A0}" type="datetimeFigureOut">
               <a:rPr lang="ru-RU" smtClean="0"/>
-              <a:t>17.04.2018</a:t>
+              <a:t>25.05.2021</a:t>
             </a:fld>
             <a:endParaRPr lang="ru-RU"/>
           </a:p>
@@ -2201,7 +2201,7 @@
           <a:p>
             <a:fld id="{5B106E36-FD25-4E2D-B0AA-010F637433A0}" type="datetimeFigureOut">
               <a:rPr lang="ru-RU" smtClean="0"/>
-              <a:t>17.04.2018</a:t>
+              <a:t>25.05.2021</a:t>
             </a:fld>
             <a:endParaRPr lang="ru-RU"/>
           </a:p>
@@ -2314,7 +2314,7 @@
           <a:p>
             <a:fld id="{5B106E36-FD25-4E2D-B0AA-010F637433A0}" type="datetimeFigureOut">
               <a:rPr lang="ru-RU" smtClean="0"/>
-              <a:t>17.04.2018</a:t>
+              <a:t>25.05.2021</a:t>
             </a:fld>
             <a:endParaRPr lang="ru-RU"/>
           </a:p>
@@ -2625,7 +2625,7 @@
           <a:p>
             <a:fld id="{5B106E36-FD25-4E2D-B0AA-010F637433A0}" type="datetimeFigureOut">
               <a:rPr lang="ru-RU" smtClean="0"/>
-              <a:t>17.04.2018</a:t>
+              <a:t>25.05.2021</a:t>
             </a:fld>
             <a:endParaRPr lang="ru-RU"/>
           </a:p>
@@ -2823,7 +2823,7 @@
           <a:p>
             <a:fld id="{5B106E36-FD25-4E2D-B0AA-010F637433A0}" type="datetimeFigureOut">
               <a:rPr lang="ru-RU" smtClean="0"/>
-              <a:t>17.04.2018</a:t>
+              <a:t>25.05.2021</a:t>
             </a:fld>
             <a:endParaRPr lang="ru-RU"/>
           </a:p>
@@ -3111,7 +3111,7 @@
           <a:p>
             <a:fld id="{5B106E36-FD25-4E2D-B0AA-010F637433A0}" type="datetimeFigureOut">
               <a:rPr lang="ru-RU" smtClean="0"/>
-              <a:t>17.04.2018</a:t>
+              <a:t>25.05.2021</a:t>
             </a:fld>
             <a:endParaRPr lang="ru-RU"/>
           </a:p>
@@ -3309,7 +3309,7 @@
           <a:p>
             <a:fld id="{5B106E36-FD25-4E2D-B0AA-010F637433A0}" type="datetimeFigureOut">
               <a:rPr lang="ru-RU" smtClean="0"/>
-              <a:t>17.04.2018</a:t>
+              <a:t>25.05.2021</a:t>
             </a:fld>
             <a:endParaRPr lang="ru-RU"/>
           </a:p>
@@ -3517,7 +3517,7 @@
           <a:p>
             <a:fld id="{5B106E36-FD25-4E2D-B0AA-010F637433A0}" type="datetimeFigureOut">
               <a:rPr lang="ru-RU" smtClean="0"/>
-              <a:t>17.04.2018</a:t>
+              <a:t>25.05.2021</a:t>
             </a:fld>
             <a:endParaRPr lang="ru-RU"/>
           </a:p>
@@ -3792,7 +3792,7 @@
           <a:p>
             <a:fld id="{5B106E36-FD25-4E2D-B0AA-010F637433A0}" type="datetimeFigureOut">
               <a:rPr lang="ru-RU" smtClean="0"/>
-              <a:t>17.04.2018</a:t>
+              <a:t>25.05.2021</a:t>
             </a:fld>
             <a:endParaRPr lang="ru-RU"/>
           </a:p>
@@ -4057,7 +4057,7 @@
           <a:p>
             <a:fld id="{5B106E36-FD25-4E2D-B0AA-010F637433A0}" type="datetimeFigureOut">
               <a:rPr lang="ru-RU" smtClean="0"/>
-              <a:t>17.04.2018</a:t>
+              <a:t>25.05.2021</a:t>
             </a:fld>
             <a:endParaRPr lang="ru-RU"/>
           </a:p>
@@ -4469,7 +4469,7 @@
           <a:p>
             <a:fld id="{5B106E36-FD25-4E2D-B0AA-010F637433A0}" type="datetimeFigureOut">
               <a:rPr lang="ru-RU" smtClean="0"/>
-              <a:t>17.04.2018</a:t>
+              <a:t>25.05.2021</a:t>
             </a:fld>
             <a:endParaRPr lang="ru-RU"/>
           </a:p>
@@ -4610,7 +4610,7 @@
           <a:p>
             <a:fld id="{5B106E36-FD25-4E2D-B0AA-010F637433A0}" type="datetimeFigureOut">
               <a:rPr lang="ru-RU" smtClean="0"/>
-              <a:t>17.04.2018</a:t>
+              <a:t>25.05.2021</a:t>
             </a:fld>
             <a:endParaRPr lang="ru-RU"/>
           </a:p>
@@ -4723,7 +4723,7 @@
           <a:p>
             <a:fld id="{5B106E36-FD25-4E2D-B0AA-010F637433A0}" type="datetimeFigureOut">
               <a:rPr lang="ru-RU" smtClean="0"/>
-              <a:t>17.04.2018</a:t>
+              <a:t>25.05.2021</a:t>
             </a:fld>
             <a:endParaRPr lang="ru-RU"/>
           </a:p>
@@ -5034,7 +5034,7 @@
           <a:p>
             <a:fld id="{5B106E36-FD25-4E2D-B0AA-010F637433A0}" type="datetimeFigureOut">
               <a:rPr lang="ru-RU" smtClean="0"/>
-              <a:t>17.04.2018</a:t>
+              <a:t>25.05.2021</a:t>
             </a:fld>
             <a:endParaRPr lang="ru-RU"/>
           </a:p>
@@ -5322,7 +5322,7 @@
           <a:p>
             <a:fld id="{5B106E36-FD25-4E2D-B0AA-010F637433A0}" type="datetimeFigureOut">
               <a:rPr lang="ru-RU" smtClean="0"/>
-              <a:t>17.04.2018</a:t>
+              <a:t>25.05.2021</a:t>
             </a:fld>
             <a:endParaRPr lang="ru-RU"/>
           </a:p>
@@ -5563,7 +5563,7 @@
           <a:p>
             <a:fld id="{5B106E36-FD25-4E2D-B0AA-010F637433A0}" type="datetimeFigureOut">
               <a:rPr lang="ru-RU" smtClean="0"/>
-              <a:t>17.04.2018</a:t>
+              <a:t>25.05.2021</a:t>
             </a:fld>
             <a:endParaRPr lang="ru-RU"/>
           </a:p>
@@ -6131,7 +6131,7 @@
           <a:p>
             <a:fld id="{5B106E36-FD25-4E2D-B0AA-010F637433A0}" type="datetimeFigureOut">
               <a:rPr lang="ru-RU" smtClean="0"/>
-              <a:t>17.04.2018</a:t>
+              <a:t>25.05.2021</a:t>
             </a:fld>
             <a:endParaRPr lang="ru-RU"/>
           </a:p>
@@ -9001,9 +9001,18 @@
           <a:lstStyle/>
           <a:p>
             <a:r>
+              <a:rPr lang="ru-RU"/>
+              <a:t>Программе </a:t>
+            </a:r>
+            <a:r>
               <a:rPr lang="ru-RU" dirty="0"/>
-              <a:t>Программе достаточно, чтобы посетитель просто подключился к интернету. </a:t>
-            </a:r>
+              <a:t>достаточно, чтобы посетитель просто подключился к </a:t>
+            </a:r>
+            <a:r>
+              <a:rPr lang="ru-RU"/>
+              <a:t>интернету.  </a:t>
+            </a:r>
+            <a:endParaRPr lang="ru-RU" dirty="0"/>
           </a:p>
           <a:p>
             <a:r>
